--- a/docs/presentations/Apresentação 3 - 20211124.pptx
+++ b/docs/presentations/Apresentação 3 - 20211124.pptx
@@ -5,7 +5,7 @@
     <p:sldMasterId id="2147483659" r:id="rId1"/>
   </p:sldMasterIdLst>
   <p:notesMasterIdLst>
-    <p:notesMasterId r:id="rId23"/>
+    <p:notesMasterId r:id="rId26"/>
   </p:notesMasterIdLst>
   <p:sldIdLst>
     <p:sldId id="256" r:id="rId2"/>
@@ -28,7 +28,10 @@
     <p:sldId id="279" r:id="rId19"/>
     <p:sldId id="280" r:id="rId20"/>
     <p:sldId id="261" r:id="rId21"/>
-    <p:sldId id="281" r:id="rId22"/>
+    <p:sldId id="285" r:id="rId22"/>
+    <p:sldId id="286" r:id="rId23"/>
+    <p:sldId id="287" r:id="rId24"/>
+    <p:sldId id="281" r:id="rId25"/>
   </p:sldIdLst>
   <p:sldSz cx="9144000" cy="5143500" type="screen16x9"/>
   <p:notesSz cx="6858000" cy="9144000"/>
@@ -2336,6 +2339,366 @@
 </file>
 
 <file path=ppt/notesSlides/notesSlide21.xml><?xml version="1.0" encoding="utf-8"?>
+<p:notes xmlns:a="http://schemas.openxmlformats.org/drawingml/2006/main" xmlns:r="http://schemas.openxmlformats.org/officeDocument/2006/relationships" xmlns:p="http://schemas.openxmlformats.org/presentationml/2006/main" showMasterSp="0" showMasterPhAnim="0">
+  <p:cSld>
+    <p:spTree>
+      <p:nvGrpSpPr>
+        <p:cNvPr id="1" name="Shape 80"/>
+        <p:cNvGrpSpPr/>
+        <p:nvPr/>
+      </p:nvGrpSpPr>
+      <p:grpSpPr>
+        <a:xfrm>
+          <a:off x="0" y="0"/>
+          <a:ext cx="0" cy="0"/>
+          <a:chOff x="0" y="0"/>
+          <a:chExt cx="0" cy="0"/>
+        </a:xfrm>
+      </p:grpSpPr>
+      <p:sp>
+        <p:nvSpPr>
+          <p:cNvPr id="81" name="Google Shape;81;gf6254c5e42_0_30:notes"/>
+          <p:cNvSpPr>
+            <a:spLocks noGrp="1" noRot="1" noChangeAspect="1"/>
+          </p:cNvSpPr>
+          <p:nvPr>
+            <p:ph type="sldImg" idx="2"/>
+          </p:nvPr>
+        </p:nvSpPr>
+        <p:spPr>
+          <a:xfrm>
+            <a:off x="381000" y="685800"/>
+            <a:ext cx="6096000" cy="3429000"/>
+          </a:xfrm>
+          <a:custGeom>
+            <a:avLst/>
+            <a:gdLst/>
+            <a:ahLst/>
+            <a:cxnLst/>
+            <a:rect l="l" t="t" r="r" b="b"/>
+            <a:pathLst>
+              <a:path w="120000" h="120000" extrusionOk="0">
+                <a:moveTo>
+                  <a:pt x="0" y="0"/>
+                </a:moveTo>
+                <a:lnTo>
+                  <a:pt x="120000" y="0"/>
+                </a:lnTo>
+                <a:lnTo>
+                  <a:pt x="120000" y="120000"/>
+                </a:lnTo>
+                <a:lnTo>
+                  <a:pt x="0" y="120000"/>
+                </a:lnTo>
+                <a:close/>
+              </a:path>
+            </a:pathLst>
+          </a:custGeom>
+        </p:spPr>
+      </p:sp>
+      <p:sp>
+        <p:nvSpPr>
+          <p:cNvPr id="82" name="Google Shape;82;gf6254c5e42_0_30:notes"/>
+          <p:cNvSpPr txBox="1">
+            <a:spLocks noGrp="1"/>
+          </p:cNvSpPr>
+          <p:nvPr>
+            <p:ph type="body" idx="1"/>
+          </p:nvPr>
+        </p:nvSpPr>
+        <p:spPr>
+          <a:xfrm>
+            <a:off x="685800" y="4343400"/>
+            <a:ext cx="5486400" cy="4114800"/>
+          </a:xfrm>
+          <a:prstGeom prst="rect">
+            <a:avLst/>
+          </a:prstGeom>
+        </p:spPr>
+        <p:txBody>
+          <a:bodyPr spcFirstLastPara="1" wrap="square" lIns="91425" tIns="91425" rIns="91425" bIns="91425" anchor="t" anchorCtr="0">
+            <a:noAutofit/>
+          </a:bodyPr>
+          <a:lstStyle/>
+          <a:p>
+            <a:pPr marL="457200" lvl="0" indent="0" algn="l" rtl="0">
+              <a:lnSpc>
+                <a:spcPct val="115000"/>
+              </a:lnSpc>
+              <a:spcBef>
+                <a:spcPts val="0"/>
+              </a:spcBef>
+              <a:spcAft>
+                <a:spcPts val="1200"/>
+              </a:spcAft>
+              <a:buNone/>
+            </a:pPr>
+            <a:r>
+              <a:rPr lang="pt-BR" sz="1800">
+                <a:solidFill>
+                  <a:srgbClr val="595959"/>
+                </a:solidFill>
+              </a:rPr>
+              <a:t>Link para o github</a:t>
+            </a:r>
+            <a:endParaRPr/>
+          </a:p>
+        </p:txBody>
+      </p:sp>
+    </p:spTree>
+    <p:extLst>
+      <p:ext uri="{BB962C8B-B14F-4D97-AF65-F5344CB8AC3E}">
+        <p14:creationId xmlns:p14="http://schemas.microsoft.com/office/powerpoint/2010/main" val="1212036858"/>
+      </p:ext>
+    </p:extLst>
+  </p:cSld>
+  <p:clrMapOvr>
+    <a:masterClrMapping/>
+  </p:clrMapOvr>
+</p:notes>
+</file>
+
+<file path=ppt/notesSlides/notesSlide22.xml><?xml version="1.0" encoding="utf-8"?>
+<p:notes xmlns:a="http://schemas.openxmlformats.org/drawingml/2006/main" xmlns:r="http://schemas.openxmlformats.org/officeDocument/2006/relationships" xmlns:p="http://schemas.openxmlformats.org/presentationml/2006/main" showMasterSp="0" showMasterPhAnim="0">
+  <p:cSld>
+    <p:spTree>
+      <p:nvGrpSpPr>
+        <p:cNvPr id="1" name="Shape 80"/>
+        <p:cNvGrpSpPr/>
+        <p:nvPr/>
+      </p:nvGrpSpPr>
+      <p:grpSpPr>
+        <a:xfrm>
+          <a:off x="0" y="0"/>
+          <a:ext cx="0" cy="0"/>
+          <a:chOff x="0" y="0"/>
+          <a:chExt cx="0" cy="0"/>
+        </a:xfrm>
+      </p:grpSpPr>
+      <p:sp>
+        <p:nvSpPr>
+          <p:cNvPr id="81" name="Google Shape;81;gf6254c5e42_0_30:notes"/>
+          <p:cNvSpPr>
+            <a:spLocks noGrp="1" noRot="1" noChangeAspect="1"/>
+          </p:cNvSpPr>
+          <p:nvPr>
+            <p:ph type="sldImg" idx="2"/>
+          </p:nvPr>
+        </p:nvSpPr>
+        <p:spPr>
+          <a:xfrm>
+            <a:off x="381000" y="685800"/>
+            <a:ext cx="6096000" cy="3429000"/>
+          </a:xfrm>
+          <a:custGeom>
+            <a:avLst/>
+            <a:gdLst/>
+            <a:ahLst/>
+            <a:cxnLst/>
+            <a:rect l="l" t="t" r="r" b="b"/>
+            <a:pathLst>
+              <a:path w="120000" h="120000" extrusionOk="0">
+                <a:moveTo>
+                  <a:pt x="0" y="0"/>
+                </a:moveTo>
+                <a:lnTo>
+                  <a:pt x="120000" y="0"/>
+                </a:lnTo>
+                <a:lnTo>
+                  <a:pt x="120000" y="120000"/>
+                </a:lnTo>
+                <a:lnTo>
+                  <a:pt x="0" y="120000"/>
+                </a:lnTo>
+                <a:close/>
+              </a:path>
+            </a:pathLst>
+          </a:custGeom>
+        </p:spPr>
+      </p:sp>
+      <p:sp>
+        <p:nvSpPr>
+          <p:cNvPr id="82" name="Google Shape;82;gf6254c5e42_0_30:notes"/>
+          <p:cNvSpPr txBox="1">
+            <a:spLocks noGrp="1"/>
+          </p:cNvSpPr>
+          <p:nvPr>
+            <p:ph type="body" idx="1"/>
+          </p:nvPr>
+        </p:nvSpPr>
+        <p:spPr>
+          <a:xfrm>
+            <a:off x="685800" y="4343400"/>
+            <a:ext cx="5486400" cy="4114800"/>
+          </a:xfrm>
+          <a:prstGeom prst="rect">
+            <a:avLst/>
+          </a:prstGeom>
+        </p:spPr>
+        <p:txBody>
+          <a:bodyPr spcFirstLastPara="1" wrap="square" lIns="91425" tIns="91425" rIns="91425" bIns="91425" anchor="t" anchorCtr="0">
+            <a:noAutofit/>
+          </a:bodyPr>
+          <a:lstStyle/>
+          <a:p>
+            <a:pPr marL="457200" lvl="0" indent="0" algn="l" rtl="0">
+              <a:lnSpc>
+                <a:spcPct val="115000"/>
+              </a:lnSpc>
+              <a:spcBef>
+                <a:spcPts val="0"/>
+              </a:spcBef>
+              <a:spcAft>
+                <a:spcPts val="1200"/>
+              </a:spcAft>
+              <a:buNone/>
+            </a:pPr>
+            <a:r>
+              <a:rPr lang="pt-BR" sz="1800">
+                <a:solidFill>
+                  <a:srgbClr val="595959"/>
+                </a:solidFill>
+              </a:rPr>
+              <a:t>Link para o github</a:t>
+            </a:r>
+            <a:endParaRPr/>
+          </a:p>
+        </p:txBody>
+      </p:sp>
+    </p:spTree>
+    <p:extLst>
+      <p:ext uri="{BB962C8B-B14F-4D97-AF65-F5344CB8AC3E}">
+        <p14:creationId xmlns:p14="http://schemas.microsoft.com/office/powerpoint/2010/main" val="897458232"/>
+      </p:ext>
+    </p:extLst>
+  </p:cSld>
+  <p:clrMapOvr>
+    <a:masterClrMapping/>
+  </p:clrMapOvr>
+</p:notes>
+</file>
+
+<file path=ppt/notesSlides/notesSlide23.xml><?xml version="1.0" encoding="utf-8"?>
+<p:notes xmlns:a="http://schemas.openxmlformats.org/drawingml/2006/main" xmlns:r="http://schemas.openxmlformats.org/officeDocument/2006/relationships" xmlns:p="http://schemas.openxmlformats.org/presentationml/2006/main" showMasterSp="0" showMasterPhAnim="0">
+  <p:cSld>
+    <p:spTree>
+      <p:nvGrpSpPr>
+        <p:cNvPr id="1" name="Shape 80"/>
+        <p:cNvGrpSpPr/>
+        <p:nvPr/>
+      </p:nvGrpSpPr>
+      <p:grpSpPr>
+        <a:xfrm>
+          <a:off x="0" y="0"/>
+          <a:ext cx="0" cy="0"/>
+          <a:chOff x="0" y="0"/>
+          <a:chExt cx="0" cy="0"/>
+        </a:xfrm>
+      </p:grpSpPr>
+      <p:sp>
+        <p:nvSpPr>
+          <p:cNvPr id="81" name="Google Shape;81;gf6254c5e42_0_30:notes"/>
+          <p:cNvSpPr>
+            <a:spLocks noGrp="1" noRot="1" noChangeAspect="1"/>
+          </p:cNvSpPr>
+          <p:nvPr>
+            <p:ph type="sldImg" idx="2"/>
+          </p:nvPr>
+        </p:nvSpPr>
+        <p:spPr>
+          <a:xfrm>
+            <a:off x="381000" y="685800"/>
+            <a:ext cx="6096000" cy="3429000"/>
+          </a:xfrm>
+          <a:custGeom>
+            <a:avLst/>
+            <a:gdLst/>
+            <a:ahLst/>
+            <a:cxnLst/>
+            <a:rect l="l" t="t" r="r" b="b"/>
+            <a:pathLst>
+              <a:path w="120000" h="120000" extrusionOk="0">
+                <a:moveTo>
+                  <a:pt x="0" y="0"/>
+                </a:moveTo>
+                <a:lnTo>
+                  <a:pt x="120000" y="0"/>
+                </a:lnTo>
+                <a:lnTo>
+                  <a:pt x="120000" y="120000"/>
+                </a:lnTo>
+                <a:lnTo>
+                  <a:pt x="0" y="120000"/>
+                </a:lnTo>
+                <a:close/>
+              </a:path>
+            </a:pathLst>
+          </a:custGeom>
+        </p:spPr>
+      </p:sp>
+      <p:sp>
+        <p:nvSpPr>
+          <p:cNvPr id="82" name="Google Shape;82;gf6254c5e42_0_30:notes"/>
+          <p:cNvSpPr txBox="1">
+            <a:spLocks noGrp="1"/>
+          </p:cNvSpPr>
+          <p:nvPr>
+            <p:ph type="body" idx="1"/>
+          </p:nvPr>
+        </p:nvSpPr>
+        <p:spPr>
+          <a:xfrm>
+            <a:off x="685800" y="4343400"/>
+            <a:ext cx="5486400" cy="4114800"/>
+          </a:xfrm>
+          <a:prstGeom prst="rect">
+            <a:avLst/>
+          </a:prstGeom>
+        </p:spPr>
+        <p:txBody>
+          <a:bodyPr spcFirstLastPara="1" wrap="square" lIns="91425" tIns="91425" rIns="91425" bIns="91425" anchor="t" anchorCtr="0">
+            <a:noAutofit/>
+          </a:bodyPr>
+          <a:lstStyle/>
+          <a:p>
+            <a:pPr marL="457200" lvl="0" indent="0" algn="l" rtl="0">
+              <a:lnSpc>
+                <a:spcPct val="115000"/>
+              </a:lnSpc>
+              <a:spcBef>
+                <a:spcPts val="0"/>
+              </a:spcBef>
+              <a:spcAft>
+                <a:spcPts val="1200"/>
+              </a:spcAft>
+              <a:buNone/>
+            </a:pPr>
+            <a:r>
+              <a:rPr lang="pt-BR" sz="1800">
+                <a:solidFill>
+                  <a:srgbClr val="595959"/>
+                </a:solidFill>
+              </a:rPr>
+              <a:t>Link para o github</a:t>
+            </a:r>
+            <a:endParaRPr/>
+          </a:p>
+        </p:txBody>
+      </p:sp>
+    </p:spTree>
+    <p:extLst>
+      <p:ext uri="{BB962C8B-B14F-4D97-AF65-F5344CB8AC3E}">
+        <p14:creationId xmlns:p14="http://schemas.microsoft.com/office/powerpoint/2010/main" val="2481974844"/>
+      </p:ext>
+    </p:extLst>
+  </p:cSld>
+  <p:clrMapOvr>
+    <a:masterClrMapping/>
+  </p:clrMapOvr>
+</p:notes>
+</file>
+
+<file path=ppt/notesSlides/notesSlide24.xml><?xml version="1.0" encoding="utf-8"?>
 <p:notes xmlns:a="http://schemas.openxmlformats.org/drawingml/2006/main" xmlns:r="http://schemas.openxmlformats.org/officeDocument/2006/relationships" xmlns:p="http://schemas.openxmlformats.org/presentationml/2006/main" showMasterSp="0" showMasterPhAnim="0">
   <p:cSld>
     <p:spTree>
@@ -17346,6 +17709,360 @@
         </p:nvSpPr>
         <p:spPr>
           <a:xfrm>
+            <a:off x="0" y="0"/>
+            <a:ext cx="8520600" cy="572700"/>
+          </a:xfrm>
+          <a:prstGeom prst="rect">
+            <a:avLst/>
+          </a:prstGeom>
+        </p:spPr>
+        <p:txBody>
+          <a:bodyPr spcFirstLastPara="1" wrap="square" lIns="91425" tIns="91425" rIns="91425" bIns="91425" anchor="t" anchorCtr="0">
+            <a:normAutofit/>
+          </a:bodyPr>
+          <a:lstStyle/>
+          <a:p>
+            <a:pPr marL="0" lvl="0" indent="0" algn="l" rtl="0">
+              <a:spcBef>
+                <a:spcPts val="0"/>
+              </a:spcBef>
+              <a:spcAft>
+                <a:spcPts val="0"/>
+              </a:spcAft>
+              <a:buNone/>
+            </a:pPr>
+            <a:r>
+              <a:rPr lang="pt-BR" sz="1400" dirty="0"/>
+              <a:t>Resultados preliminares...</a:t>
+            </a:r>
+          </a:p>
+        </p:txBody>
+      </p:sp>
+      <p:pic>
+        <p:nvPicPr>
+          <p:cNvPr id="2050" name="Picture 2" descr="imagem">
+            <a:extLst>
+              <a:ext uri="{FF2B5EF4-FFF2-40B4-BE49-F238E27FC236}">
+                <a16:creationId xmlns:a16="http://schemas.microsoft.com/office/drawing/2014/main" id="{2C5972A1-F89C-472D-B394-A5A86BB27EC4}"/>
+              </a:ext>
+            </a:extLst>
+          </p:cNvPr>
+          <p:cNvPicPr>
+            <a:picLocks noChangeAspect="1" noChangeArrowheads="1"/>
+          </p:cNvPicPr>
+          <p:nvPr/>
+        </p:nvPicPr>
+        <p:blipFill>
+          <a:blip r:embed="rId3">
+            <a:extLst>
+              <a:ext uri="{28A0092B-C50C-407E-A947-70E740481C1C}">
+                <a14:useLocalDpi xmlns:a14="http://schemas.microsoft.com/office/drawing/2010/main" val="0"/>
+              </a:ext>
+            </a:extLst>
+          </a:blip>
+          <a:srcRect/>
+          <a:stretch>
+            <a:fillRect/>
+          </a:stretch>
+        </p:blipFill>
+        <p:spPr bwMode="auto">
+          <a:xfrm>
+            <a:off x="2282825" y="0"/>
+            <a:ext cx="5186363" cy="5143500"/>
+          </a:xfrm>
+          <a:prstGeom prst="rect">
+            <a:avLst/>
+          </a:prstGeom>
+          <a:noFill/>
+          <a:extLst>
+            <a:ext uri="{909E8E84-426E-40DD-AFC4-6F175D3DCCD1}">
+              <a14:hiddenFill xmlns:a14="http://schemas.microsoft.com/office/drawing/2010/main">
+                <a:solidFill>
+                  <a:srgbClr val="FFFFFF"/>
+                </a:solidFill>
+              </a14:hiddenFill>
+            </a:ext>
+          </a:extLst>
+        </p:spPr>
+      </p:pic>
+    </p:spTree>
+    <p:extLst>
+      <p:ext uri="{BB962C8B-B14F-4D97-AF65-F5344CB8AC3E}">
+        <p14:creationId xmlns:p14="http://schemas.microsoft.com/office/powerpoint/2010/main" val="577401951"/>
+      </p:ext>
+    </p:extLst>
+  </p:cSld>
+  <p:clrMapOvr>
+    <a:masterClrMapping/>
+  </p:clrMapOvr>
+</p:sld>
+</file>
+
+<file path=ppt/slides/slide22.xml><?xml version="1.0" encoding="utf-8"?>
+<p:sld xmlns:a="http://schemas.openxmlformats.org/drawingml/2006/main" xmlns:r="http://schemas.openxmlformats.org/officeDocument/2006/relationships" xmlns:p="http://schemas.openxmlformats.org/presentationml/2006/main">
+  <p:cSld>
+    <p:spTree>
+      <p:nvGrpSpPr>
+        <p:cNvPr id="1" name="Shape 83"/>
+        <p:cNvGrpSpPr/>
+        <p:nvPr/>
+      </p:nvGrpSpPr>
+      <p:grpSpPr>
+        <a:xfrm>
+          <a:off x="0" y="0"/>
+          <a:ext cx="0" cy="0"/>
+          <a:chOff x="0" y="0"/>
+          <a:chExt cx="0" cy="0"/>
+        </a:xfrm>
+      </p:grpSpPr>
+      <p:sp>
+        <p:nvSpPr>
+          <p:cNvPr id="84" name="Google Shape;84;p18"/>
+          <p:cNvSpPr txBox="1">
+            <a:spLocks noGrp="1"/>
+          </p:cNvSpPr>
+          <p:nvPr>
+            <p:ph type="title"/>
+          </p:nvPr>
+        </p:nvSpPr>
+        <p:spPr>
+          <a:xfrm>
+            <a:off x="0" y="0"/>
+            <a:ext cx="8520600" cy="572700"/>
+          </a:xfrm>
+          <a:prstGeom prst="rect">
+            <a:avLst/>
+          </a:prstGeom>
+        </p:spPr>
+        <p:txBody>
+          <a:bodyPr spcFirstLastPara="1" wrap="square" lIns="91425" tIns="91425" rIns="91425" bIns="91425" anchor="t" anchorCtr="0">
+            <a:normAutofit/>
+          </a:bodyPr>
+          <a:lstStyle/>
+          <a:p>
+            <a:pPr marL="0" lvl="0" indent="0" algn="l" rtl="0">
+              <a:spcBef>
+                <a:spcPts val="0"/>
+              </a:spcBef>
+              <a:spcAft>
+                <a:spcPts val="0"/>
+              </a:spcAft>
+              <a:buNone/>
+            </a:pPr>
+            <a:r>
+              <a:rPr lang="pt-BR" sz="1400" dirty="0"/>
+              <a:t>Resultados preliminares...</a:t>
+            </a:r>
+          </a:p>
+        </p:txBody>
+      </p:sp>
+      <p:pic>
+        <p:nvPicPr>
+          <p:cNvPr id="3074" name="Picture 2" descr="imagem">
+            <a:extLst>
+              <a:ext uri="{FF2B5EF4-FFF2-40B4-BE49-F238E27FC236}">
+                <a16:creationId xmlns:a16="http://schemas.microsoft.com/office/drawing/2014/main" id="{F2207309-C4F1-4F25-8483-4E832ABFEFC1}"/>
+              </a:ext>
+            </a:extLst>
+          </p:cNvPr>
+          <p:cNvPicPr>
+            <a:picLocks noChangeAspect="1" noChangeArrowheads="1"/>
+          </p:cNvPicPr>
+          <p:nvPr/>
+        </p:nvPicPr>
+        <p:blipFill>
+          <a:blip r:embed="rId3">
+            <a:extLst>
+              <a:ext uri="{28A0092B-C50C-407E-A947-70E740481C1C}">
+                <a14:useLocalDpi xmlns:a14="http://schemas.microsoft.com/office/drawing/2010/main" val="0"/>
+              </a:ext>
+            </a:extLst>
+          </a:blip>
+          <a:srcRect/>
+          <a:stretch>
+            <a:fillRect/>
+          </a:stretch>
+        </p:blipFill>
+        <p:spPr bwMode="auto">
+          <a:xfrm>
+            <a:off x="244475" y="304800"/>
+            <a:ext cx="8653463" cy="4838700"/>
+          </a:xfrm>
+          <a:prstGeom prst="rect">
+            <a:avLst/>
+          </a:prstGeom>
+          <a:noFill/>
+          <a:extLst>
+            <a:ext uri="{909E8E84-426E-40DD-AFC4-6F175D3DCCD1}">
+              <a14:hiddenFill xmlns:a14="http://schemas.microsoft.com/office/drawing/2010/main">
+                <a:solidFill>
+                  <a:srgbClr val="FFFFFF"/>
+                </a:solidFill>
+              </a14:hiddenFill>
+            </a:ext>
+          </a:extLst>
+        </p:spPr>
+      </p:pic>
+    </p:spTree>
+    <p:extLst>
+      <p:ext uri="{BB962C8B-B14F-4D97-AF65-F5344CB8AC3E}">
+        <p14:creationId xmlns:p14="http://schemas.microsoft.com/office/powerpoint/2010/main" val="3439232015"/>
+      </p:ext>
+    </p:extLst>
+  </p:cSld>
+  <p:clrMapOvr>
+    <a:masterClrMapping/>
+  </p:clrMapOvr>
+</p:sld>
+</file>
+
+<file path=ppt/slides/slide23.xml><?xml version="1.0" encoding="utf-8"?>
+<p:sld xmlns:a="http://schemas.openxmlformats.org/drawingml/2006/main" xmlns:r="http://schemas.openxmlformats.org/officeDocument/2006/relationships" xmlns:p="http://schemas.openxmlformats.org/presentationml/2006/main">
+  <p:cSld>
+    <p:spTree>
+      <p:nvGrpSpPr>
+        <p:cNvPr id="1" name="Shape 83"/>
+        <p:cNvGrpSpPr/>
+        <p:nvPr/>
+      </p:nvGrpSpPr>
+      <p:grpSpPr>
+        <a:xfrm>
+          <a:off x="0" y="0"/>
+          <a:ext cx="0" cy="0"/>
+          <a:chOff x="0" y="0"/>
+          <a:chExt cx="0" cy="0"/>
+        </a:xfrm>
+      </p:grpSpPr>
+      <p:sp>
+        <p:nvSpPr>
+          <p:cNvPr id="84" name="Google Shape;84;p18"/>
+          <p:cNvSpPr txBox="1">
+            <a:spLocks noGrp="1"/>
+          </p:cNvSpPr>
+          <p:nvPr>
+            <p:ph type="title"/>
+          </p:nvPr>
+        </p:nvSpPr>
+        <p:spPr>
+          <a:xfrm>
+            <a:off x="0" y="0"/>
+            <a:ext cx="8520600" cy="572700"/>
+          </a:xfrm>
+          <a:prstGeom prst="rect">
+            <a:avLst/>
+          </a:prstGeom>
+        </p:spPr>
+        <p:txBody>
+          <a:bodyPr spcFirstLastPara="1" wrap="square" lIns="91425" tIns="91425" rIns="91425" bIns="91425" anchor="t" anchorCtr="0">
+            <a:normAutofit/>
+          </a:bodyPr>
+          <a:lstStyle/>
+          <a:p>
+            <a:pPr marL="0" lvl="0" indent="0" algn="l" rtl="0">
+              <a:spcBef>
+                <a:spcPts val="0"/>
+              </a:spcBef>
+              <a:spcAft>
+                <a:spcPts val="0"/>
+              </a:spcAft>
+              <a:buNone/>
+            </a:pPr>
+            <a:r>
+              <a:rPr lang="pt-BR" sz="1400" dirty="0"/>
+              <a:t>Resultados preliminares...</a:t>
+            </a:r>
+          </a:p>
+        </p:txBody>
+      </p:sp>
+      <p:pic>
+        <p:nvPicPr>
+          <p:cNvPr id="4100" name="Picture 4" descr="imagem">
+            <a:extLst>
+              <a:ext uri="{FF2B5EF4-FFF2-40B4-BE49-F238E27FC236}">
+                <a16:creationId xmlns:a16="http://schemas.microsoft.com/office/drawing/2014/main" id="{3A2D347D-A2BA-420A-940B-1B4D9875B0CA}"/>
+              </a:ext>
+            </a:extLst>
+          </p:cNvPr>
+          <p:cNvPicPr>
+            <a:picLocks noChangeAspect="1" noChangeArrowheads="1"/>
+          </p:cNvPicPr>
+          <p:nvPr/>
+        </p:nvPicPr>
+        <p:blipFill>
+          <a:blip r:embed="rId3">
+            <a:extLst>
+              <a:ext uri="{28A0092B-C50C-407E-A947-70E740481C1C}">
+                <a14:useLocalDpi xmlns:a14="http://schemas.microsoft.com/office/drawing/2010/main" val="0"/>
+              </a:ext>
+            </a:extLst>
+          </a:blip>
+          <a:srcRect/>
+          <a:stretch>
+            <a:fillRect/>
+          </a:stretch>
+        </p:blipFill>
+        <p:spPr bwMode="auto">
+          <a:xfrm>
+            <a:off x="2468563" y="0"/>
+            <a:ext cx="4206875" cy="5143500"/>
+          </a:xfrm>
+          <a:prstGeom prst="rect">
+            <a:avLst/>
+          </a:prstGeom>
+          <a:noFill/>
+          <a:extLst>
+            <a:ext uri="{909E8E84-426E-40DD-AFC4-6F175D3DCCD1}">
+              <a14:hiddenFill xmlns:a14="http://schemas.microsoft.com/office/drawing/2010/main">
+                <a:solidFill>
+                  <a:srgbClr val="FFFFFF"/>
+                </a:solidFill>
+              </a14:hiddenFill>
+            </a:ext>
+          </a:extLst>
+        </p:spPr>
+      </p:pic>
+    </p:spTree>
+    <p:extLst>
+      <p:ext uri="{BB962C8B-B14F-4D97-AF65-F5344CB8AC3E}">
+        <p14:creationId xmlns:p14="http://schemas.microsoft.com/office/powerpoint/2010/main" val="3712770501"/>
+      </p:ext>
+    </p:extLst>
+  </p:cSld>
+  <p:clrMapOvr>
+    <a:masterClrMapping/>
+  </p:clrMapOvr>
+</p:sld>
+</file>
+
+<file path=ppt/slides/slide24.xml><?xml version="1.0" encoding="utf-8"?>
+<p:sld xmlns:a="http://schemas.openxmlformats.org/drawingml/2006/main" xmlns:r="http://schemas.openxmlformats.org/officeDocument/2006/relationships" xmlns:p="http://schemas.openxmlformats.org/presentationml/2006/main">
+  <p:cSld>
+    <p:spTree>
+      <p:nvGrpSpPr>
+        <p:cNvPr id="1" name="Shape 83"/>
+        <p:cNvGrpSpPr/>
+        <p:nvPr/>
+      </p:nvGrpSpPr>
+      <p:grpSpPr>
+        <a:xfrm>
+          <a:off x="0" y="0"/>
+          <a:ext cx="0" cy="0"/>
+          <a:chOff x="0" y="0"/>
+          <a:chExt cx="0" cy="0"/>
+        </a:xfrm>
+      </p:grpSpPr>
+      <p:sp>
+        <p:nvSpPr>
+          <p:cNvPr id="84" name="Google Shape;84;p18"/>
+          <p:cNvSpPr txBox="1">
+            <a:spLocks noGrp="1"/>
+          </p:cNvSpPr>
+          <p:nvPr>
+            <p:ph type="title"/>
+          </p:nvPr>
+        </p:nvSpPr>
+        <p:spPr>
+          <a:xfrm>
             <a:off x="311700" y="445025"/>
             <a:ext cx="8520600" cy="572700"/>
           </a:xfrm>

--- a/docs/presentations/Apresentação 3 - 20211124.pptx
+++ b/docs/presentations/Apresentação 3 - 20211124.pptx
@@ -18282,7 +18282,7 @@
         </p:spPr>
         <p:txBody>
           <a:bodyPr spcFirstLastPara="1" wrap="square" lIns="91425" tIns="91425" rIns="91425" bIns="91425" anchor="t" anchorCtr="0">
-            <a:normAutofit lnSpcReduction="10000"/>
+            <a:normAutofit/>
           </a:bodyPr>
           <a:lstStyle/>
           <a:p>
@@ -18310,16 +18310,36 @@
             <a:endParaRPr dirty="0"/>
           </a:p>
           <a:p>
-            <a:pPr marL="0" lvl="0" indent="0" algn="l" rtl="0">
+            <a:pPr marL="0" indent="0">
               <a:spcBef>
                 <a:spcPts val="1200"/>
               </a:spcBef>
-              <a:spcAft>
-                <a:spcPts val="0"/>
-              </a:spcAft>
               <a:buNone/>
             </a:pPr>
-            <a:endParaRPr lang="pt-BR" dirty="0"/>
+            <a:r>
+              <a:rPr lang="pt-BR" dirty="0">
+                <a:solidFill>
+                  <a:schemeClr val="accent1"/>
+                </a:solidFill>
+              </a:rPr>
+              <a:t>(Feito) </a:t>
+            </a:r>
+            <a:r>
+              <a:rPr lang="pt-BR" dirty="0"/>
+              <a:t>Implementação dos ruídos e geração de “</a:t>
+            </a:r>
+            <a:r>
+              <a:rPr lang="pt-BR" dirty="0" err="1"/>
+              <a:t>noisy</a:t>
+            </a:r>
+            <a:r>
+              <a:rPr lang="pt-BR" dirty="0"/>
+              <a:t> queries</a:t>
+            </a:r>
+            <a:r>
+              <a:rPr lang="pt-BR" u="sng" dirty="0"/>
+              <a:t>”;</a:t>
+            </a:r>
           </a:p>
           <a:p>
             <a:pPr marL="0" indent="0">
@@ -18340,17 +18360,6 @@
               <a:rPr lang="pt-BR" dirty="0"/>
               <a:t>Execução sobre as queries com ruído;</a:t>
             </a:r>
-          </a:p>
-          <a:p>
-            <a:pPr marL="0" lvl="0" indent="0" algn="l" rtl="0">
-              <a:spcBef>
-                <a:spcPts val="1200"/>
-              </a:spcBef>
-              <a:spcAft>
-                <a:spcPts val="1200"/>
-              </a:spcAft>
-              <a:buNone/>
-            </a:pPr>
             <a:endParaRPr lang="pt-BR" sz="100" dirty="0">
               <a:solidFill>
                 <a:schemeClr val="accent4">

--- a/docs/presentations/Apresentação 3 - 20211124.pptx
+++ b/docs/presentations/Apresentação 3 - 20211124.pptx
@@ -5,7 +5,7 @@
     <p:sldMasterId id="2147483659" r:id="rId1"/>
   </p:sldMasterIdLst>
   <p:notesMasterIdLst>
-    <p:notesMasterId r:id="rId26"/>
+    <p:notesMasterId r:id="rId30"/>
   </p:notesMasterIdLst>
   <p:sldIdLst>
     <p:sldId id="256" r:id="rId2"/>
@@ -30,8 +30,12 @@
     <p:sldId id="261" r:id="rId21"/>
     <p:sldId id="285" r:id="rId22"/>
     <p:sldId id="286" r:id="rId23"/>
-    <p:sldId id="287" r:id="rId24"/>
-    <p:sldId id="281" r:id="rId25"/>
+    <p:sldId id="290" r:id="rId24"/>
+    <p:sldId id="288" r:id="rId25"/>
+    <p:sldId id="287" r:id="rId26"/>
+    <p:sldId id="289" r:id="rId27"/>
+    <p:sldId id="291" r:id="rId28"/>
+    <p:sldId id="281" r:id="rId29"/>
   </p:sldIdLst>
   <p:sldSz cx="9144000" cy="5143500" type="screen16x9"/>
   <p:notesSz cx="6858000" cy="9144000"/>
@@ -2688,6 +2692,246 @@
     </p:spTree>
     <p:extLst>
       <p:ext uri="{BB962C8B-B14F-4D97-AF65-F5344CB8AC3E}">
+        <p14:creationId xmlns:p14="http://schemas.microsoft.com/office/powerpoint/2010/main" val="331900894"/>
+      </p:ext>
+    </p:extLst>
+  </p:cSld>
+  <p:clrMapOvr>
+    <a:masterClrMapping/>
+  </p:clrMapOvr>
+</p:notes>
+</file>
+
+<file path=ppt/notesSlides/notesSlide24.xml><?xml version="1.0" encoding="utf-8"?>
+<p:notes xmlns:a="http://schemas.openxmlformats.org/drawingml/2006/main" xmlns:r="http://schemas.openxmlformats.org/officeDocument/2006/relationships" xmlns:p="http://schemas.openxmlformats.org/presentationml/2006/main" showMasterSp="0" showMasterPhAnim="0">
+  <p:cSld>
+    <p:spTree>
+      <p:nvGrpSpPr>
+        <p:cNvPr id="1" name="Shape 80"/>
+        <p:cNvGrpSpPr/>
+        <p:nvPr/>
+      </p:nvGrpSpPr>
+      <p:grpSpPr>
+        <a:xfrm>
+          <a:off x="0" y="0"/>
+          <a:ext cx="0" cy="0"/>
+          <a:chOff x="0" y="0"/>
+          <a:chExt cx="0" cy="0"/>
+        </a:xfrm>
+      </p:grpSpPr>
+      <p:sp>
+        <p:nvSpPr>
+          <p:cNvPr id="81" name="Google Shape;81;gf6254c5e42_0_30:notes"/>
+          <p:cNvSpPr>
+            <a:spLocks noGrp="1" noRot="1" noChangeAspect="1"/>
+          </p:cNvSpPr>
+          <p:nvPr>
+            <p:ph type="sldImg" idx="2"/>
+          </p:nvPr>
+        </p:nvSpPr>
+        <p:spPr>
+          <a:xfrm>
+            <a:off x="381000" y="685800"/>
+            <a:ext cx="6096000" cy="3429000"/>
+          </a:xfrm>
+          <a:custGeom>
+            <a:avLst/>
+            <a:gdLst/>
+            <a:ahLst/>
+            <a:cxnLst/>
+            <a:rect l="l" t="t" r="r" b="b"/>
+            <a:pathLst>
+              <a:path w="120000" h="120000" extrusionOk="0">
+                <a:moveTo>
+                  <a:pt x="0" y="0"/>
+                </a:moveTo>
+                <a:lnTo>
+                  <a:pt x="120000" y="0"/>
+                </a:lnTo>
+                <a:lnTo>
+                  <a:pt x="120000" y="120000"/>
+                </a:lnTo>
+                <a:lnTo>
+                  <a:pt x="0" y="120000"/>
+                </a:lnTo>
+                <a:close/>
+              </a:path>
+            </a:pathLst>
+          </a:custGeom>
+        </p:spPr>
+      </p:sp>
+      <p:sp>
+        <p:nvSpPr>
+          <p:cNvPr id="82" name="Google Shape;82;gf6254c5e42_0_30:notes"/>
+          <p:cNvSpPr txBox="1">
+            <a:spLocks noGrp="1"/>
+          </p:cNvSpPr>
+          <p:nvPr>
+            <p:ph type="body" idx="1"/>
+          </p:nvPr>
+        </p:nvSpPr>
+        <p:spPr>
+          <a:xfrm>
+            <a:off x="685800" y="4343400"/>
+            <a:ext cx="5486400" cy="4114800"/>
+          </a:xfrm>
+          <a:prstGeom prst="rect">
+            <a:avLst/>
+          </a:prstGeom>
+        </p:spPr>
+        <p:txBody>
+          <a:bodyPr spcFirstLastPara="1" wrap="square" lIns="91425" tIns="91425" rIns="91425" bIns="91425" anchor="t" anchorCtr="0">
+            <a:noAutofit/>
+          </a:bodyPr>
+          <a:lstStyle/>
+          <a:p>
+            <a:pPr marL="457200" lvl="0" indent="0" algn="l" rtl="0">
+              <a:lnSpc>
+                <a:spcPct val="115000"/>
+              </a:lnSpc>
+              <a:spcBef>
+                <a:spcPts val="0"/>
+              </a:spcBef>
+              <a:spcAft>
+                <a:spcPts val="1200"/>
+              </a:spcAft>
+              <a:buNone/>
+            </a:pPr>
+            <a:r>
+              <a:rPr lang="pt-BR" sz="1800">
+                <a:solidFill>
+                  <a:srgbClr val="595959"/>
+                </a:solidFill>
+              </a:rPr>
+              <a:t>Link para o github</a:t>
+            </a:r>
+            <a:endParaRPr/>
+          </a:p>
+        </p:txBody>
+      </p:sp>
+    </p:spTree>
+    <p:extLst>
+      <p:ext uri="{BB962C8B-B14F-4D97-AF65-F5344CB8AC3E}">
+        <p14:creationId xmlns:p14="http://schemas.microsoft.com/office/powerpoint/2010/main" val="455712853"/>
+      </p:ext>
+    </p:extLst>
+  </p:cSld>
+  <p:clrMapOvr>
+    <a:masterClrMapping/>
+  </p:clrMapOvr>
+</p:notes>
+</file>
+
+<file path=ppt/notesSlides/notesSlide25.xml><?xml version="1.0" encoding="utf-8"?>
+<p:notes xmlns:a="http://schemas.openxmlformats.org/drawingml/2006/main" xmlns:r="http://schemas.openxmlformats.org/officeDocument/2006/relationships" xmlns:p="http://schemas.openxmlformats.org/presentationml/2006/main" showMasterSp="0" showMasterPhAnim="0">
+  <p:cSld>
+    <p:spTree>
+      <p:nvGrpSpPr>
+        <p:cNvPr id="1" name="Shape 80"/>
+        <p:cNvGrpSpPr/>
+        <p:nvPr/>
+      </p:nvGrpSpPr>
+      <p:grpSpPr>
+        <a:xfrm>
+          <a:off x="0" y="0"/>
+          <a:ext cx="0" cy="0"/>
+          <a:chOff x="0" y="0"/>
+          <a:chExt cx="0" cy="0"/>
+        </a:xfrm>
+      </p:grpSpPr>
+      <p:sp>
+        <p:nvSpPr>
+          <p:cNvPr id="81" name="Google Shape;81;gf6254c5e42_0_30:notes"/>
+          <p:cNvSpPr>
+            <a:spLocks noGrp="1" noRot="1" noChangeAspect="1"/>
+          </p:cNvSpPr>
+          <p:nvPr>
+            <p:ph type="sldImg" idx="2"/>
+          </p:nvPr>
+        </p:nvSpPr>
+        <p:spPr>
+          <a:xfrm>
+            <a:off x="381000" y="685800"/>
+            <a:ext cx="6096000" cy="3429000"/>
+          </a:xfrm>
+          <a:custGeom>
+            <a:avLst/>
+            <a:gdLst/>
+            <a:ahLst/>
+            <a:cxnLst/>
+            <a:rect l="l" t="t" r="r" b="b"/>
+            <a:pathLst>
+              <a:path w="120000" h="120000" extrusionOk="0">
+                <a:moveTo>
+                  <a:pt x="0" y="0"/>
+                </a:moveTo>
+                <a:lnTo>
+                  <a:pt x="120000" y="0"/>
+                </a:lnTo>
+                <a:lnTo>
+                  <a:pt x="120000" y="120000"/>
+                </a:lnTo>
+                <a:lnTo>
+                  <a:pt x="0" y="120000"/>
+                </a:lnTo>
+                <a:close/>
+              </a:path>
+            </a:pathLst>
+          </a:custGeom>
+        </p:spPr>
+      </p:sp>
+      <p:sp>
+        <p:nvSpPr>
+          <p:cNvPr id="82" name="Google Shape;82;gf6254c5e42_0_30:notes"/>
+          <p:cNvSpPr txBox="1">
+            <a:spLocks noGrp="1"/>
+          </p:cNvSpPr>
+          <p:nvPr>
+            <p:ph type="body" idx="1"/>
+          </p:nvPr>
+        </p:nvSpPr>
+        <p:spPr>
+          <a:xfrm>
+            <a:off x="685800" y="4343400"/>
+            <a:ext cx="5486400" cy="4114800"/>
+          </a:xfrm>
+          <a:prstGeom prst="rect">
+            <a:avLst/>
+          </a:prstGeom>
+        </p:spPr>
+        <p:txBody>
+          <a:bodyPr spcFirstLastPara="1" wrap="square" lIns="91425" tIns="91425" rIns="91425" bIns="91425" anchor="t" anchorCtr="0">
+            <a:noAutofit/>
+          </a:bodyPr>
+          <a:lstStyle/>
+          <a:p>
+            <a:pPr marL="457200" lvl="0" indent="0" algn="l" rtl="0">
+              <a:lnSpc>
+                <a:spcPct val="115000"/>
+              </a:lnSpc>
+              <a:spcBef>
+                <a:spcPts val="0"/>
+              </a:spcBef>
+              <a:spcAft>
+                <a:spcPts val="1200"/>
+              </a:spcAft>
+              <a:buNone/>
+            </a:pPr>
+            <a:r>
+              <a:rPr lang="pt-BR" sz="1800">
+                <a:solidFill>
+                  <a:srgbClr val="595959"/>
+                </a:solidFill>
+              </a:rPr>
+              <a:t>Link para o github</a:t>
+            </a:r>
+            <a:endParaRPr/>
+          </a:p>
+        </p:txBody>
+      </p:sp>
+    </p:spTree>
+    <p:extLst>
+      <p:ext uri="{BB962C8B-B14F-4D97-AF65-F5344CB8AC3E}">
         <p14:creationId xmlns:p14="http://schemas.microsoft.com/office/powerpoint/2010/main" val="2481974844"/>
       </p:ext>
     </p:extLst>
@@ -2698,7 +2942,247 @@
 </p:notes>
 </file>
 
-<file path=ppt/notesSlides/notesSlide24.xml><?xml version="1.0" encoding="utf-8"?>
+<file path=ppt/notesSlides/notesSlide26.xml><?xml version="1.0" encoding="utf-8"?>
+<p:notes xmlns:a="http://schemas.openxmlformats.org/drawingml/2006/main" xmlns:r="http://schemas.openxmlformats.org/officeDocument/2006/relationships" xmlns:p="http://schemas.openxmlformats.org/presentationml/2006/main" showMasterSp="0" showMasterPhAnim="0">
+  <p:cSld>
+    <p:spTree>
+      <p:nvGrpSpPr>
+        <p:cNvPr id="1" name="Shape 80"/>
+        <p:cNvGrpSpPr/>
+        <p:nvPr/>
+      </p:nvGrpSpPr>
+      <p:grpSpPr>
+        <a:xfrm>
+          <a:off x="0" y="0"/>
+          <a:ext cx="0" cy="0"/>
+          <a:chOff x="0" y="0"/>
+          <a:chExt cx="0" cy="0"/>
+        </a:xfrm>
+      </p:grpSpPr>
+      <p:sp>
+        <p:nvSpPr>
+          <p:cNvPr id="81" name="Google Shape;81;gf6254c5e42_0_30:notes"/>
+          <p:cNvSpPr>
+            <a:spLocks noGrp="1" noRot="1" noChangeAspect="1"/>
+          </p:cNvSpPr>
+          <p:nvPr>
+            <p:ph type="sldImg" idx="2"/>
+          </p:nvPr>
+        </p:nvSpPr>
+        <p:spPr>
+          <a:xfrm>
+            <a:off x="381000" y="685800"/>
+            <a:ext cx="6096000" cy="3429000"/>
+          </a:xfrm>
+          <a:custGeom>
+            <a:avLst/>
+            <a:gdLst/>
+            <a:ahLst/>
+            <a:cxnLst/>
+            <a:rect l="l" t="t" r="r" b="b"/>
+            <a:pathLst>
+              <a:path w="120000" h="120000" extrusionOk="0">
+                <a:moveTo>
+                  <a:pt x="0" y="0"/>
+                </a:moveTo>
+                <a:lnTo>
+                  <a:pt x="120000" y="0"/>
+                </a:lnTo>
+                <a:lnTo>
+                  <a:pt x="120000" y="120000"/>
+                </a:lnTo>
+                <a:lnTo>
+                  <a:pt x="0" y="120000"/>
+                </a:lnTo>
+                <a:close/>
+              </a:path>
+            </a:pathLst>
+          </a:custGeom>
+        </p:spPr>
+      </p:sp>
+      <p:sp>
+        <p:nvSpPr>
+          <p:cNvPr id="82" name="Google Shape;82;gf6254c5e42_0_30:notes"/>
+          <p:cNvSpPr txBox="1">
+            <a:spLocks noGrp="1"/>
+          </p:cNvSpPr>
+          <p:nvPr>
+            <p:ph type="body" idx="1"/>
+          </p:nvPr>
+        </p:nvSpPr>
+        <p:spPr>
+          <a:xfrm>
+            <a:off x="685800" y="4343400"/>
+            <a:ext cx="5486400" cy="4114800"/>
+          </a:xfrm>
+          <a:prstGeom prst="rect">
+            <a:avLst/>
+          </a:prstGeom>
+        </p:spPr>
+        <p:txBody>
+          <a:bodyPr spcFirstLastPara="1" wrap="square" lIns="91425" tIns="91425" rIns="91425" bIns="91425" anchor="t" anchorCtr="0">
+            <a:noAutofit/>
+          </a:bodyPr>
+          <a:lstStyle/>
+          <a:p>
+            <a:pPr marL="457200" lvl="0" indent="0" algn="l" rtl="0">
+              <a:lnSpc>
+                <a:spcPct val="115000"/>
+              </a:lnSpc>
+              <a:spcBef>
+                <a:spcPts val="0"/>
+              </a:spcBef>
+              <a:spcAft>
+                <a:spcPts val="1200"/>
+              </a:spcAft>
+              <a:buNone/>
+            </a:pPr>
+            <a:r>
+              <a:rPr lang="pt-BR" sz="1800">
+                <a:solidFill>
+                  <a:srgbClr val="595959"/>
+                </a:solidFill>
+              </a:rPr>
+              <a:t>Link para o github</a:t>
+            </a:r>
+            <a:endParaRPr/>
+          </a:p>
+        </p:txBody>
+      </p:sp>
+    </p:spTree>
+    <p:extLst>
+      <p:ext uri="{BB962C8B-B14F-4D97-AF65-F5344CB8AC3E}">
+        <p14:creationId xmlns:p14="http://schemas.microsoft.com/office/powerpoint/2010/main" val="3468540351"/>
+      </p:ext>
+    </p:extLst>
+  </p:cSld>
+  <p:clrMapOvr>
+    <a:masterClrMapping/>
+  </p:clrMapOvr>
+</p:notes>
+</file>
+
+<file path=ppt/notesSlides/notesSlide27.xml><?xml version="1.0" encoding="utf-8"?>
+<p:notes xmlns:a="http://schemas.openxmlformats.org/drawingml/2006/main" xmlns:r="http://schemas.openxmlformats.org/officeDocument/2006/relationships" xmlns:p="http://schemas.openxmlformats.org/presentationml/2006/main" showMasterSp="0" showMasterPhAnim="0">
+  <p:cSld>
+    <p:spTree>
+      <p:nvGrpSpPr>
+        <p:cNvPr id="1" name="Shape 80"/>
+        <p:cNvGrpSpPr/>
+        <p:nvPr/>
+      </p:nvGrpSpPr>
+      <p:grpSpPr>
+        <a:xfrm>
+          <a:off x="0" y="0"/>
+          <a:ext cx="0" cy="0"/>
+          <a:chOff x="0" y="0"/>
+          <a:chExt cx="0" cy="0"/>
+        </a:xfrm>
+      </p:grpSpPr>
+      <p:sp>
+        <p:nvSpPr>
+          <p:cNvPr id="81" name="Google Shape;81;gf6254c5e42_0_30:notes"/>
+          <p:cNvSpPr>
+            <a:spLocks noGrp="1" noRot="1" noChangeAspect="1"/>
+          </p:cNvSpPr>
+          <p:nvPr>
+            <p:ph type="sldImg" idx="2"/>
+          </p:nvPr>
+        </p:nvSpPr>
+        <p:spPr>
+          <a:xfrm>
+            <a:off x="381000" y="685800"/>
+            <a:ext cx="6096000" cy="3429000"/>
+          </a:xfrm>
+          <a:custGeom>
+            <a:avLst/>
+            <a:gdLst/>
+            <a:ahLst/>
+            <a:cxnLst/>
+            <a:rect l="l" t="t" r="r" b="b"/>
+            <a:pathLst>
+              <a:path w="120000" h="120000" extrusionOk="0">
+                <a:moveTo>
+                  <a:pt x="0" y="0"/>
+                </a:moveTo>
+                <a:lnTo>
+                  <a:pt x="120000" y="0"/>
+                </a:lnTo>
+                <a:lnTo>
+                  <a:pt x="120000" y="120000"/>
+                </a:lnTo>
+                <a:lnTo>
+                  <a:pt x="0" y="120000"/>
+                </a:lnTo>
+                <a:close/>
+              </a:path>
+            </a:pathLst>
+          </a:custGeom>
+        </p:spPr>
+      </p:sp>
+      <p:sp>
+        <p:nvSpPr>
+          <p:cNvPr id="82" name="Google Shape;82;gf6254c5e42_0_30:notes"/>
+          <p:cNvSpPr txBox="1">
+            <a:spLocks noGrp="1"/>
+          </p:cNvSpPr>
+          <p:nvPr>
+            <p:ph type="body" idx="1"/>
+          </p:nvPr>
+        </p:nvSpPr>
+        <p:spPr>
+          <a:xfrm>
+            <a:off x="685800" y="4343400"/>
+            <a:ext cx="5486400" cy="4114800"/>
+          </a:xfrm>
+          <a:prstGeom prst="rect">
+            <a:avLst/>
+          </a:prstGeom>
+        </p:spPr>
+        <p:txBody>
+          <a:bodyPr spcFirstLastPara="1" wrap="square" lIns="91425" tIns="91425" rIns="91425" bIns="91425" anchor="t" anchorCtr="0">
+            <a:noAutofit/>
+          </a:bodyPr>
+          <a:lstStyle/>
+          <a:p>
+            <a:pPr marL="457200" lvl="0" indent="0" algn="l" rtl="0">
+              <a:lnSpc>
+                <a:spcPct val="115000"/>
+              </a:lnSpc>
+              <a:spcBef>
+                <a:spcPts val="0"/>
+              </a:spcBef>
+              <a:spcAft>
+                <a:spcPts val="1200"/>
+              </a:spcAft>
+              <a:buNone/>
+            </a:pPr>
+            <a:r>
+              <a:rPr lang="pt-BR" sz="1800">
+                <a:solidFill>
+                  <a:srgbClr val="595959"/>
+                </a:solidFill>
+              </a:rPr>
+              <a:t>Link para o github</a:t>
+            </a:r>
+            <a:endParaRPr/>
+          </a:p>
+        </p:txBody>
+      </p:sp>
+    </p:spTree>
+    <p:extLst>
+      <p:ext uri="{BB962C8B-B14F-4D97-AF65-F5344CB8AC3E}">
+        <p14:creationId xmlns:p14="http://schemas.microsoft.com/office/powerpoint/2010/main" val="3291798661"/>
+      </p:ext>
+    </p:extLst>
+  </p:cSld>
+  <p:clrMapOvr>
+    <a:masterClrMapping/>
+  </p:clrMapOvr>
+</p:notes>
+</file>
+
+<file path=ppt/notesSlides/notesSlide28.xml><?xml version="1.0" encoding="utf-8"?>
 <p:notes xmlns:a="http://schemas.openxmlformats.org/drawingml/2006/main" xmlns:r="http://schemas.openxmlformats.org/officeDocument/2006/relationships" xmlns:p="http://schemas.openxmlformats.org/presentationml/2006/main" showMasterSp="0" showMasterPhAnim="0">
   <p:cSld>
     <p:spTree>
@@ -17976,6 +18460,242 @@
       </p:sp>
       <p:pic>
         <p:nvPicPr>
+          <p:cNvPr id="2" name="Picture 2">
+            <a:extLst>
+              <a:ext uri="{FF2B5EF4-FFF2-40B4-BE49-F238E27FC236}">
+                <a16:creationId xmlns:a16="http://schemas.microsoft.com/office/drawing/2014/main" id="{17F9F60A-9722-40F2-8491-A6A6332D30B9}"/>
+              </a:ext>
+            </a:extLst>
+          </p:cNvPr>
+          <p:cNvPicPr>
+            <a:picLocks noChangeAspect="1" noChangeArrowheads="1"/>
+          </p:cNvPicPr>
+          <p:nvPr/>
+        </p:nvPicPr>
+        <p:blipFill>
+          <a:blip r:embed="rId3">
+            <a:extLst>
+              <a:ext uri="{28A0092B-C50C-407E-A947-70E740481C1C}">
+                <a14:useLocalDpi xmlns:a14="http://schemas.microsoft.com/office/drawing/2010/main" val="0"/>
+              </a:ext>
+            </a:extLst>
+          </a:blip>
+          <a:srcRect/>
+          <a:stretch>
+            <a:fillRect/>
+          </a:stretch>
+        </p:blipFill>
+        <p:spPr bwMode="auto">
+          <a:xfrm>
+            <a:off x="689428" y="174736"/>
+            <a:ext cx="8048171" cy="4968764"/>
+          </a:xfrm>
+          <a:prstGeom prst="rect">
+            <a:avLst/>
+          </a:prstGeom>
+          <a:noFill/>
+          <a:extLst>
+            <a:ext uri="{909E8E84-426E-40DD-AFC4-6F175D3DCCD1}">
+              <a14:hiddenFill xmlns:a14="http://schemas.microsoft.com/office/drawing/2010/main">
+                <a:solidFill>
+                  <a:srgbClr val="FFFFFF"/>
+                </a:solidFill>
+              </a14:hiddenFill>
+            </a:ext>
+          </a:extLst>
+        </p:spPr>
+      </p:pic>
+    </p:spTree>
+    <p:extLst>
+      <p:ext uri="{BB962C8B-B14F-4D97-AF65-F5344CB8AC3E}">
+        <p14:creationId xmlns:p14="http://schemas.microsoft.com/office/powerpoint/2010/main" val="692254728"/>
+      </p:ext>
+    </p:extLst>
+  </p:cSld>
+  <p:clrMapOvr>
+    <a:masterClrMapping/>
+  </p:clrMapOvr>
+</p:sld>
+</file>
+
+<file path=ppt/slides/slide24.xml><?xml version="1.0" encoding="utf-8"?>
+<p:sld xmlns:a="http://schemas.openxmlformats.org/drawingml/2006/main" xmlns:r="http://schemas.openxmlformats.org/officeDocument/2006/relationships" xmlns:p="http://schemas.openxmlformats.org/presentationml/2006/main">
+  <p:cSld>
+    <p:spTree>
+      <p:nvGrpSpPr>
+        <p:cNvPr id="1" name="Shape 83"/>
+        <p:cNvGrpSpPr/>
+        <p:nvPr/>
+      </p:nvGrpSpPr>
+      <p:grpSpPr>
+        <a:xfrm>
+          <a:off x="0" y="0"/>
+          <a:ext cx="0" cy="0"/>
+          <a:chOff x="0" y="0"/>
+          <a:chExt cx="0" cy="0"/>
+        </a:xfrm>
+      </p:grpSpPr>
+      <p:sp>
+        <p:nvSpPr>
+          <p:cNvPr id="84" name="Google Shape;84;p18"/>
+          <p:cNvSpPr txBox="1">
+            <a:spLocks noGrp="1"/>
+          </p:cNvSpPr>
+          <p:nvPr>
+            <p:ph type="title"/>
+          </p:nvPr>
+        </p:nvSpPr>
+        <p:spPr>
+          <a:xfrm>
+            <a:off x="0" y="0"/>
+            <a:ext cx="8520600" cy="572700"/>
+          </a:xfrm>
+          <a:prstGeom prst="rect">
+            <a:avLst/>
+          </a:prstGeom>
+        </p:spPr>
+        <p:txBody>
+          <a:bodyPr spcFirstLastPara="1" wrap="square" lIns="91425" tIns="91425" rIns="91425" bIns="91425" anchor="t" anchorCtr="0">
+            <a:normAutofit/>
+          </a:bodyPr>
+          <a:lstStyle/>
+          <a:p>
+            <a:pPr marL="0" lvl="0" indent="0" algn="l" rtl="0">
+              <a:spcBef>
+                <a:spcPts val="0"/>
+              </a:spcBef>
+              <a:spcAft>
+                <a:spcPts val="0"/>
+              </a:spcAft>
+              <a:buNone/>
+            </a:pPr>
+            <a:r>
+              <a:rPr lang="pt-BR" sz="1400" dirty="0"/>
+              <a:t>Resultados preliminares...</a:t>
+            </a:r>
+          </a:p>
+        </p:txBody>
+      </p:sp>
+      <p:pic>
+        <p:nvPicPr>
+          <p:cNvPr id="1026" name="Picture 2">
+            <a:extLst>
+              <a:ext uri="{FF2B5EF4-FFF2-40B4-BE49-F238E27FC236}">
+                <a16:creationId xmlns:a16="http://schemas.microsoft.com/office/drawing/2014/main" id="{27B7A2B9-B178-4D1D-A426-0D34E41BE6A7}"/>
+              </a:ext>
+            </a:extLst>
+          </p:cNvPr>
+          <p:cNvPicPr>
+            <a:picLocks noChangeAspect="1" noChangeArrowheads="1"/>
+          </p:cNvPicPr>
+          <p:nvPr/>
+        </p:nvPicPr>
+        <p:blipFill>
+          <a:blip r:embed="rId3">
+            <a:extLst>
+              <a:ext uri="{28A0092B-C50C-407E-A947-70E740481C1C}">
+                <a14:useLocalDpi xmlns:a14="http://schemas.microsoft.com/office/drawing/2010/main" val="0"/>
+              </a:ext>
+            </a:extLst>
+          </a:blip>
+          <a:srcRect/>
+          <a:stretch>
+            <a:fillRect/>
+          </a:stretch>
+        </p:blipFill>
+        <p:spPr bwMode="auto">
+          <a:xfrm>
+            <a:off x="2468563" y="0"/>
+            <a:ext cx="4206875" cy="5143500"/>
+          </a:xfrm>
+          <a:prstGeom prst="rect">
+            <a:avLst/>
+          </a:prstGeom>
+          <a:noFill/>
+          <a:extLst>
+            <a:ext uri="{909E8E84-426E-40DD-AFC4-6F175D3DCCD1}">
+              <a14:hiddenFill xmlns:a14="http://schemas.microsoft.com/office/drawing/2010/main">
+                <a:solidFill>
+                  <a:srgbClr val="FFFFFF"/>
+                </a:solidFill>
+              </a14:hiddenFill>
+            </a:ext>
+          </a:extLst>
+        </p:spPr>
+      </p:pic>
+    </p:spTree>
+    <p:extLst>
+      <p:ext uri="{BB962C8B-B14F-4D97-AF65-F5344CB8AC3E}">
+        <p14:creationId xmlns:p14="http://schemas.microsoft.com/office/powerpoint/2010/main" val="2327662739"/>
+      </p:ext>
+    </p:extLst>
+  </p:cSld>
+  <p:clrMapOvr>
+    <a:masterClrMapping/>
+  </p:clrMapOvr>
+</p:sld>
+</file>
+
+<file path=ppt/slides/slide25.xml><?xml version="1.0" encoding="utf-8"?>
+<p:sld xmlns:a="http://schemas.openxmlformats.org/drawingml/2006/main" xmlns:r="http://schemas.openxmlformats.org/officeDocument/2006/relationships" xmlns:p="http://schemas.openxmlformats.org/presentationml/2006/main">
+  <p:cSld>
+    <p:spTree>
+      <p:nvGrpSpPr>
+        <p:cNvPr id="1" name="Shape 83"/>
+        <p:cNvGrpSpPr/>
+        <p:nvPr/>
+      </p:nvGrpSpPr>
+      <p:grpSpPr>
+        <a:xfrm>
+          <a:off x="0" y="0"/>
+          <a:ext cx="0" cy="0"/>
+          <a:chOff x="0" y="0"/>
+          <a:chExt cx="0" cy="0"/>
+        </a:xfrm>
+      </p:grpSpPr>
+      <p:sp>
+        <p:nvSpPr>
+          <p:cNvPr id="84" name="Google Shape;84;p18"/>
+          <p:cNvSpPr txBox="1">
+            <a:spLocks noGrp="1"/>
+          </p:cNvSpPr>
+          <p:nvPr>
+            <p:ph type="title"/>
+          </p:nvPr>
+        </p:nvSpPr>
+        <p:spPr>
+          <a:xfrm>
+            <a:off x="0" y="0"/>
+            <a:ext cx="8520600" cy="572700"/>
+          </a:xfrm>
+          <a:prstGeom prst="rect">
+            <a:avLst/>
+          </a:prstGeom>
+        </p:spPr>
+        <p:txBody>
+          <a:bodyPr spcFirstLastPara="1" wrap="square" lIns="91425" tIns="91425" rIns="91425" bIns="91425" anchor="t" anchorCtr="0">
+            <a:normAutofit/>
+          </a:bodyPr>
+          <a:lstStyle/>
+          <a:p>
+            <a:pPr marL="0" lvl="0" indent="0" algn="l" rtl="0">
+              <a:spcBef>
+                <a:spcPts val="0"/>
+              </a:spcBef>
+              <a:spcAft>
+                <a:spcPts val="0"/>
+              </a:spcAft>
+              <a:buNone/>
+            </a:pPr>
+            <a:r>
+              <a:rPr lang="pt-BR" sz="1400" dirty="0"/>
+              <a:t>Resultados preliminares...</a:t>
+            </a:r>
+          </a:p>
+        </p:txBody>
+      </p:sp>
+      <p:pic>
+        <p:nvPicPr>
           <p:cNvPr id="4100" name="Picture 4" descr="imagem">
             <a:extLst>
               <a:ext uri="{FF2B5EF4-FFF2-40B4-BE49-F238E27FC236}">
@@ -18034,7 +18754,243 @@
 </p:sld>
 </file>
 
-<file path=ppt/slides/slide24.xml><?xml version="1.0" encoding="utf-8"?>
+<file path=ppt/slides/slide26.xml><?xml version="1.0" encoding="utf-8"?>
+<p:sld xmlns:a="http://schemas.openxmlformats.org/drawingml/2006/main" xmlns:r="http://schemas.openxmlformats.org/officeDocument/2006/relationships" xmlns:p="http://schemas.openxmlformats.org/presentationml/2006/main">
+  <p:cSld>
+    <p:spTree>
+      <p:nvGrpSpPr>
+        <p:cNvPr id="1" name="Shape 83"/>
+        <p:cNvGrpSpPr/>
+        <p:nvPr/>
+      </p:nvGrpSpPr>
+      <p:grpSpPr>
+        <a:xfrm>
+          <a:off x="0" y="0"/>
+          <a:ext cx="0" cy="0"/>
+          <a:chOff x="0" y="0"/>
+          <a:chExt cx="0" cy="0"/>
+        </a:xfrm>
+      </p:grpSpPr>
+      <p:sp>
+        <p:nvSpPr>
+          <p:cNvPr id="84" name="Google Shape;84;p18"/>
+          <p:cNvSpPr txBox="1">
+            <a:spLocks noGrp="1"/>
+          </p:cNvSpPr>
+          <p:nvPr>
+            <p:ph type="title"/>
+          </p:nvPr>
+        </p:nvSpPr>
+        <p:spPr>
+          <a:xfrm>
+            <a:off x="0" y="0"/>
+            <a:ext cx="8520600" cy="572700"/>
+          </a:xfrm>
+          <a:prstGeom prst="rect">
+            <a:avLst/>
+          </a:prstGeom>
+        </p:spPr>
+        <p:txBody>
+          <a:bodyPr spcFirstLastPara="1" wrap="square" lIns="91425" tIns="91425" rIns="91425" bIns="91425" anchor="t" anchorCtr="0">
+            <a:normAutofit/>
+          </a:bodyPr>
+          <a:lstStyle/>
+          <a:p>
+            <a:pPr marL="0" lvl="0" indent="0" algn="l" rtl="0">
+              <a:spcBef>
+                <a:spcPts val="0"/>
+              </a:spcBef>
+              <a:spcAft>
+                <a:spcPts val="0"/>
+              </a:spcAft>
+              <a:buNone/>
+            </a:pPr>
+            <a:r>
+              <a:rPr lang="pt-BR" sz="1400" dirty="0"/>
+              <a:t>Resultados preliminares...</a:t>
+            </a:r>
+          </a:p>
+        </p:txBody>
+      </p:sp>
+      <p:pic>
+        <p:nvPicPr>
+          <p:cNvPr id="2056" name="Picture 8">
+            <a:extLst>
+              <a:ext uri="{FF2B5EF4-FFF2-40B4-BE49-F238E27FC236}">
+                <a16:creationId xmlns:a16="http://schemas.microsoft.com/office/drawing/2014/main" id="{5F29A618-5B53-46C0-A0EB-B3614AABE1B7}"/>
+              </a:ext>
+            </a:extLst>
+          </p:cNvPr>
+          <p:cNvPicPr>
+            <a:picLocks noChangeAspect="1" noChangeArrowheads="1"/>
+          </p:cNvPicPr>
+          <p:nvPr/>
+        </p:nvPicPr>
+        <p:blipFill>
+          <a:blip r:embed="rId3">
+            <a:extLst>
+              <a:ext uri="{28A0092B-C50C-407E-A947-70E740481C1C}">
+                <a14:useLocalDpi xmlns:a14="http://schemas.microsoft.com/office/drawing/2010/main" val="0"/>
+              </a:ext>
+            </a:extLst>
+          </a:blip>
+          <a:srcRect/>
+          <a:stretch>
+            <a:fillRect/>
+          </a:stretch>
+        </p:blipFill>
+        <p:spPr bwMode="auto">
+          <a:xfrm>
+            <a:off x="94342" y="308046"/>
+            <a:ext cx="9049657" cy="4575104"/>
+          </a:xfrm>
+          <a:prstGeom prst="rect">
+            <a:avLst/>
+          </a:prstGeom>
+          <a:noFill/>
+          <a:extLst>
+            <a:ext uri="{909E8E84-426E-40DD-AFC4-6F175D3DCCD1}">
+              <a14:hiddenFill xmlns:a14="http://schemas.microsoft.com/office/drawing/2010/main">
+                <a:solidFill>
+                  <a:srgbClr val="FFFFFF"/>
+                </a:solidFill>
+              </a14:hiddenFill>
+            </a:ext>
+          </a:extLst>
+        </p:spPr>
+      </p:pic>
+    </p:spTree>
+    <p:extLst>
+      <p:ext uri="{BB962C8B-B14F-4D97-AF65-F5344CB8AC3E}">
+        <p14:creationId xmlns:p14="http://schemas.microsoft.com/office/powerpoint/2010/main" val="1084099504"/>
+      </p:ext>
+    </p:extLst>
+  </p:cSld>
+  <p:clrMapOvr>
+    <a:masterClrMapping/>
+  </p:clrMapOvr>
+</p:sld>
+</file>
+
+<file path=ppt/slides/slide27.xml><?xml version="1.0" encoding="utf-8"?>
+<p:sld xmlns:a="http://schemas.openxmlformats.org/drawingml/2006/main" xmlns:r="http://schemas.openxmlformats.org/officeDocument/2006/relationships" xmlns:p="http://schemas.openxmlformats.org/presentationml/2006/main">
+  <p:cSld>
+    <p:spTree>
+      <p:nvGrpSpPr>
+        <p:cNvPr id="1" name="Shape 83"/>
+        <p:cNvGrpSpPr/>
+        <p:nvPr/>
+      </p:nvGrpSpPr>
+      <p:grpSpPr>
+        <a:xfrm>
+          <a:off x="0" y="0"/>
+          <a:ext cx="0" cy="0"/>
+          <a:chOff x="0" y="0"/>
+          <a:chExt cx="0" cy="0"/>
+        </a:xfrm>
+      </p:grpSpPr>
+      <p:sp>
+        <p:nvSpPr>
+          <p:cNvPr id="84" name="Google Shape;84;p18"/>
+          <p:cNvSpPr txBox="1">
+            <a:spLocks noGrp="1"/>
+          </p:cNvSpPr>
+          <p:nvPr>
+            <p:ph type="title"/>
+          </p:nvPr>
+        </p:nvSpPr>
+        <p:spPr>
+          <a:xfrm>
+            <a:off x="0" y="0"/>
+            <a:ext cx="8520600" cy="572700"/>
+          </a:xfrm>
+          <a:prstGeom prst="rect">
+            <a:avLst/>
+          </a:prstGeom>
+        </p:spPr>
+        <p:txBody>
+          <a:bodyPr spcFirstLastPara="1" wrap="square" lIns="91425" tIns="91425" rIns="91425" bIns="91425" anchor="t" anchorCtr="0">
+            <a:normAutofit/>
+          </a:bodyPr>
+          <a:lstStyle/>
+          <a:p>
+            <a:pPr marL="0" lvl="0" indent="0" algn="l" rtl="0">
+              <a:spcBef>
+                <a:spcPts val="0"/>
+              </a:spcBef>
+              <a:spcAft>
+                <a:spcPts val="0"/>
+              </a:spcAft>
+              <a:buNone/>
+            </a:pPr>
+            <a:r>
+              <a:rPr lang="pt-BR" sz="1400" dirty="0"/>
+              <a:t>Resultados preliminares...</a:t>
+            </a:r>
+          </a:p>
+        </p:txBody>
+      </p:sp>
+      <p:pic>
+        <p:nvPicPr>
+          <p:cNvPr id="2054" name="Picture 6">
+            <a:extLst>
+              <a:ext uri="{FF2B5EF4-FFF2-40B4-BE49-F238E27FC236}">
+                <a16:creationId xmlns:a16="http://schemas.microsoft.com/office/drawing/2014/main" id="{6B000C20-9930-46A9-B0A6-E4DD3F0BA764}"/>
+              </a:ext>
+            </a:extLst>
+          </p:cNvPr>
+          <p:cNvPicPr>
+            <a:picLocks noChangeAspect="1" noChangeArrowheads="1"/>
+          </p:cNvPicPr>
+          <p:nvPr/>
+        </p:nvPicPr>
+        <p:blipFill>
+          <a:blip r:embed="rId3">
+            <a:extLst>
+              <a:ext uri="{28A0092B-C50C-407E-A947-70E740481C1C}">
+                <a14:useLocalDpi xmlns:a14="http://schemas.microsoft.com/office/drawing/2010/main" val="0"/>
+              </a:ext>
+            </a:extLst>
+          </a:blip>
+          <a:srcRect/>
+          <a:stretch>
+            <a:fillRect/>
+          </a:stretch>
+        </p:blipFill>
+        <p:spPr bwMode="auto">
+          <a:xfrm>
+            <a:off x="362856" y="223044"/>
+            <a:ext cx="8781143" cy="4898231"/>
+          </a:xfrm>
+          <a:prstGeom prst="rect">
+            <a:avLst/>
+          </a:prstGeom>
+          <a:noFill/>
+          <a:extLst>
+            <a:ext uri="{909E8E84-426E-40DD-AFC4-6F175D3DCCD1}">
+              <a14:hiddenFill xmlns:a14="http://schemas.microsoft.com/office/drawing/2010/main">
+                <a:solidFill>
+                  <a:srgbClr val="FFFFFF"/>
+                </a:solidFill>
+              </a14:hiddenFill>
+            </a:ext>
+          </a:extLst>
+        </p:spPr>
+      </p:pic>
+    </p:spTree>
+    <p:extLst>
+      <p:ext uri="{BB962C8B-B14F-4D97-AF65-F5344CB8AC3E}">
+        <p14:creationId xmlns:p14="http://schemas.microsoft.com/office/powerpoint/2010/main" val="2810405877"/>
+      </p:ext>
+    </p:extLst>
+  </p:cSld>
+  <p:clrMapOvr>
+    <a:masterClrMapping/>
+  </p:clrMapOvr>
+</p:sld>
+</file>
+
+<file path=ppt/slides/slide28.xml><?xml version="1.0" encoding="utf-8"?>
 <p:sld xmlns:a="http://schemas.openxmlformats.org/drawingml/2006/main" xmlns:r="http://schemas.openxmlformats.org/officeDocument/2006/relationships" xmlns:p="http://schemas.openxmlformats.org/presentationml/2006/main">
   <p:cSld>
     <p:spTree>
@@ -18282,7 +19238,7 @@
         </p:spPr>
         <p:txBody>
           <a:bodyPr spcFirstLastPara="1" wrap="square" lIns="91425" tIns="91425" rIns="91425" bIns="91425" anchor="t" anchorCtr="0">
-            <a:normAutofit/>
+            <a:normAutofit lnSpcReduction="10000"/>
           </a:bodyPr>
           <a:lstStyle/>
           <a:p>
@@ -18310,36 +19266,16 @@
             <a:endParaRPr dirty="0"/>
           </a:p>
           <a:p>
-            <a:pPr marL="0" indent="0">
+            <a:pPr marL="0" lvl="0" indent="0" algn="l" rtl="0">
               <a:spcBef>
                 <a:spcPts val="1200"/>
               </a:spcBef>
+              <a:spcAft>
+                <a:spcPts val="0"/>
+              </a:spcAft>
               <a:buNone/>
             </a:pPr>
-            <a:r>
-              <a:rPr lang="pt-BR" dirty="0">
-                <a:solidFill>
-                  <a:schemeClr val="accent1"/>
-                </a:solidFill>
-              </a:rPr>
-              <a:t>(Feito) </a:t>
-            </a:r>
-            <a:r>
-              <a:rPr lang="pt-BR" dirty="0"/>
-              <a:t>Implementação dos ruídos e geração de “</a:t>
-            </a:r>
-            <a:r>
-              <a:rPr lang="pt-BR" dirty="0" err="1"/>
-              <a:t>noisy</a:t>
-            </a:r>
-            <a:r>
-              <a:rPr lang="pt-BR" dirty="0"/>
-              <a:t> queries</a:t>
-            </a:r>
-            <a:r>
-              <a:rPr lang="pt-BR" u="sng" dirty="0"/>
-              <a:t>”;</a:t>
-            </a:r>
+            <a:endParaRPr lang="pt-BR" dirty="0"/>
           </a:p>
           <a:p>
             <a:pPr marL="0" indent="0">
@@ -18360,6 +19296,17 @@
               <a:rPr lang="pt-BR" dirty="0"/>
               <a:t>Execução sobre as queries com ruído;</a:t>
             </a:r>
+          </a:p>
+          <a:p>
+            <a:pPr marL="0" lvl="0" indent="0" algn="l" rtl="0">
+              <a:spcBef>
+                <a:spcPts val="1200"/>
+              </a:spcBef>
+              <a:spcAft>
+                <a:spcPts val="1200"/>
+              </a:spcAft>
+              <a:buNone/>
+            </a:pPr>
             <a:endParaRPr lang="pt-BR" sz="100" dirty="0">
               <a:solidFill>
                 <a:schemeClr val="accent4">

--- a/docs/presentations/Apresentação 3 - 20211124.pptx
+++ b/docs/presentations/Apresentação 3 - 20211124.pptx
@@ -5,7 +5,7 @@
     <p:sldMasterId id="2147483659" r:id="rId1"/>
   </p:sldMasterIdLst>
   <p:notesMasterIdLst>
-    <p:notesMasterId r:id="rId30"/>
+    <p:notesMasterId r:id="rId32"/>
   </p:notesMasterIdLst>
   <p:sldIdLst>
     <p:sldId id="256" r:id="rId2"/>
@@ -27,15 +27,17 @@
     <p:sldId id="284" r:id="rId18"/>
     <p:sldId id="279" r:id="rId19"/>
     <p:sldId id="280" r:id="rId20"/>
-    <p:sldId id="261" r:id="rId21"/>
-    <p:sldId id="285" r:id="rId22"/>
-    <p:sldId id="286" r:id="rId23"/>
-    <p:sldId id="290" r:id="rId24"/>
-    <p:sldId id="288" r:id="rId25"/>
-    <p:sldId id="287" r:id="rId26"/>
-    <p:sldId id="289" r:id="rId27"/>
-    <p:sldId id="291" r:id="rId28"/>
-    <p:sldId id="281" r:id="rId29"/>
+    <p:sldId id="292" r:id="rId21"/>
+    <p:sldId id="295" r:id="rId22"/>
+    <p:sldId id="261" r:id="rId23"/>
+    <p:sldId id="285" r:id="rId24"/>
+    <p:sldId id="286" r:id="rId25"/>
+    <p:sldId id="290" r:id="rId26"/>
+    <p:sldId id="288" r:id="rId27"/>
+    <p:sldId id="287" r:id="rId28"/>
+    <p:sldId id="289" r:id="rId29"/>
+    <p:sldId id="291" r:id="rId30"/>
+    <p:sldId id="281" r:id="rId31"/>
   </p:sldIdLst>
   <p:sldSz cx="9144000" cy="5143500" type="screen16x9"/>
   <p:notesSz cx="6858000" cy="9144000"/>
@@ -2232,7 +2234,7 @@
   <p:cSld>
     <p:spTree>
       <p:nvGrpSpPr>
-        <p:cNvPr id="1" name="Shape 80"/>
+        <p:cNvPr id="1" name="Shape 50"/>
         <p:cNvGrpSpPr/>
         <p:nvPr/>
       </p:nvGrpSpPr>
@@ -2246,7 +2248,7 @@
       </p:grpSpPr>
       <p:sp>
         <p:nvSpPr>
-          <p:cNvPr id="81" name="Google Shape;81;gf6254c5e42_0_30:notes"/>
+          <p:cNvPr id="51" name="Google Shape;51;p:notes"/>
           <p:cNvSpPr>
             <a:spLocks noGrp="1" noRot="1" noChangeAspect="1"/>
           </p:cNvSpPr>
@@ -2287,7 +2289,7 @@
       </p:sp>
       <p:sp>
         <p:nvSpPr>
-          <p:cNvPr id="82" name="Google Shape;82;gf6254c5e42_0_30:notes"/>
+          <p:cNvPr id="52" name="Google Shape;52;p:notes"/>
           <p:cNvSpPr txBox="1">
             <a:spLocks noGrp="1"/>
           </p:cNvSpPr>
@@ -2310,31 +2312,46 @@
           </a:bodyPr>
           <a:lstStyle/>
           <a:p>
-            <a:pPr marL="457200" lvl="0" indent="0" algn="l" rtl="0">
-              <a:lnSpc>
-                <a:spcPct val="115000"/>
-              </a:lnSpc>
-              <a:spcBef>
-                <a:spcPts val="0"/>
-              </a:spcBef>
-              <a:spcAft>
-                <a:spcPts val="1200"/>
-              </a:spcAft>
+            <a:pPr marL="0" lvl="0" indent="0" algn="ctr" rtl="0">
+              <a:spcBef>
+                <a:spcPts val="0"/>
+              </a:spcBef>
+              <a:spcAft>
+                <a:spcPts val="0"/>
+              </a:spcAft>
+              <a:buClr>
+                <a:schemeClr val="dk1"/>
+              </a:buClr>
+              <a:buSzPts val="1100"/>
+              <a:buFont typeface="Arial"/>
               <a:buNone/>
             </a:pPr>
             <a:r>
-              <a:rPr lang="pt-BR" sz="1800">
+              <a:rPr lang="pt-BR" sz="1200">
+                <a:solidFill>
+                  <a:schemeClr val="dk1"/>
+                </a:solidFill>
+              </a:rPr>
+              <a:t>Título do Projeto + </a:t>
+            </a:r>
+            <a:r>
+              <a:rPr lang="pt-BR" sz="1200">
                 <a:solidFill>
                   <a:srgbClr val="595959"/>
                 </a:solidFill>
               </a:rPr>
-              <a:t>Link para o github</a:t>
+              <a:t>membro(s)</a:t>
             </a:r>
-            <a:endParaRPr/>
+            <a:endParaRPr sz="1200"/>
           </a:p>
         </p:txBody>
       </p:sp>
     </p:spTree>
+    <p:extLst>
+      <p:ext uri="{BB962C8B-B14F-4D97-AF65-F5344CB8AC3E}">
+        <p14:creationId xmlns:p14="http://schemas.microsoft.com/office/powerpoint/2010/main" val="734116320"/>
+      </p:ext>
+    </p:extLst>
   </p:cSld>
   <p:clrMapOvr>
     <a:masterClrMapping/>
@@ -2347,7 +2364,7 @@
   <p:cSld>
     <p:spTree>
       <p:nvGrpSpPr>
-        <p:cNvPr id="1" name="Shape 80"/>
+        <p:cNvPr id="1" name="Shape 50"/>
         <p:cNvGrpSpPr/>
         <p:nvPr/>
       </p:nvGrpSpPr>
@@ -2361,7 +2378,7 @@
       </p:grpSpPr>
       <p:sp>
         <p:nvSpPr>
-          <p:cNvPr id="81" name="Google Shape;81;gf6254c5e42_0_30:notes"/>
+          <p:cNvPr id="51" name="Google Shape;51;p:notes"/>
           <p:cNvSpPr>
             <a:spLocks noGrp="1" noRot="1" noChangeAspect="1"/>
           </p:cNvSpPr>
@@ -2402,7 +2419,7 @@
       </p:sp>
       <p:sp>
         <p:nvSpPr>
-          <p:cNvPr id="82" name="Google Shape;82;gf6254c5e42_0_30:notes"/>
+          <p:cNvPr id="52" name="Google Shape;52;p:notes"/>
           <p:cNvSpPr txBox="1">
             <a:spLocks noGrp="1"/>
           </p:cNvSpPr>
@@ -2425,34 +2442,44 @@
           </a:bodyPr>
           <a:lstStyle/>
           <a:p>
-            <a:pPr marL="457200" lvl="0" indent="0" algn="l" rtl="0">
-              <a:lnSpc>
-                <a:spcPct val="115000"/>
-              </a:lnSpc>
-              <a:spcBef>
-                <a:spcPts val="0"/>
-              </a:spcBef>
-              <a:spcAft>
-                <a:spcPts val="1200"/>
-              </a:spcAft>
+            <a:pPr marL="0" lvl="0" indent="0" algn="ctr" rtl="0">
+              <a:spcBef>
+                <a:spcPts val="0"/>
+              </a:spcBef>
+              <a:spcAft>
+                <a:spcPts val="0"/>
+              </a:spcAft>
+              <a:buClr>
+                <a:schemeClr val="dk1"/>
+              </a:buClr>
+              <a:buSzPts val="1100"/>
+              <a:buFont typeface="Arial"/>
               <a:buNone/>
             </a:pPr>
             <a:r>
-              <a:rPr lang="pt-BR" sz="1800">
+              <a:rPr lang="pt-BR" sz="1200">
+                <a:solidFill>
+                  <a:schemeClr val="dk1"/>
+                </a:solidFill>
+              </a:rPr>
+              <a:t>Título do Projeto + </a:t>
+            </a:r>
+            <a:r>
+              <a:rPr lang="pt-BR" sz="1200">
                 <a:solidFill>
                   <a:srgbClr val="595959"/>
                 </a:solidFill>
               </a:rPr>
-              <a:t>Link para o github</a:t>
+              <a:t>membro(s)</a:t>
             </a:r>
-            <a:endParaRPr/>
+            <a:endParaRPr sz="1200"/>
           </a:p>
         </p:txBody>
       </p:sp>
     </p:spTree>
     <p:extLst>
       <p:ext uri="{BB962C8B-B14F-4D97-AF65-F5344CB8AC3E}">
-        <p14:creationId xmlns:p14="http://schemas.microsoft.com/office/powerpoint/2010/main" val="1212036858"/>
+        <p14:creationId xmlns:p14="http://schemas.microsoft.com/office/powerpoint/2010/main" val="3067299365"/>
       </p:ext>
     </p:extLst>
   </p:cSld>
@@ -2570,11 +2597,6 @@
         </p:txBody>
       </p:sp>
     </p:spTree>
-    <p:extLst>
-      <p:ext uri="{BB962C8B-B14F-4D97-AF65-F5344CB8AC3E}">
-        <p14:creationId xmlns:p14="http://schemas.microsoft.com/office/powerpoint/2010/main" val="897458232"/>
-      </p:ext>
-    </p:extLst>
   </p:cSld>
   <p:clrMapOvr>
     <a:masterClrMapping/>
@@ -2692,7 +2714,7 @@
     </p:spTree>
     <p:extLst>
       <p:ext uri="{BB962C8B-B14F-4D97-AF65-F5344CB8AC3E}">
-        <p14:creationId xmlns:p14="http://schemas.microsoft.com/office/powerpoint/2010/main" val="331900894"/>
+        <p14:creationId xmlns:p14="http://schemas.microsoft.com/office/powerpoint/2010/main" val="1212036858"/>
       </p:ext>
     </p:extLst>
   </p:cSld>
@@ -2812,7 +2834,7 @@
     </p:spTree>
     <p:extLst>
       <p:ext uri="{BB962C8B-B14F-4D97-AF65-F5344CB8AC3E}">
-        <p14:creationId xmlns:p14="http://schemas.microsoft.com/office/powerpoint/2010/main" val="455712853"/>
+        <p14:creationId xmlns:p14="http://schemas.microsoft.com/office/powerpoint/2010/main" val="897458232"/>
       </p:ext>
     </p:extLst>
   </p:cSld>
@@ -2932,7 +2954,7 @@
     </p:spTree>
     <p:extLst>
       <p:ext uri="{BB962C8B-B14F-4D97-AF65-F5344CB8AC3E}">
-        <p14:creationId xmlns:p14="http://schemas.microsoft.com/office/powerpoint/2010/main" val="2481974844"/>
+        <p14:creationId xmlns:p14="http://schemas.microsoft.com/office/powerpoint/2010/main" val="331900894"/>
       </p:ext>
     </p:extLst>
   </p:cSld>
@@ -3052,7 +3074,7 @@
     </p:spTree>
     <p:extLst>
       <p:ext uri="{BB962C8B-B14F-4D97-AF65-F5344CB8AC3E}">
-        <p14:creationId xmlns:p14="http://schemas.microsoft.com/office/powerpoint/2010/main" val="3468540351"/>
+        <p14:creationId xmlns:p14="http://schemas.microsoft.com/office/powerpoint/2010/main" val="455712853"/>
       </p:ext>
     </p:extLst>
   </p:cSld>
@@ -3172,7 +3194,7 @@
     </p:spTree>
     <p:extLst>
       <p:ext uri="{BB962C8B-B14F-4D97-AF65-F5344CB8AC3E}">
-        <p14:creationId xmlns:p14="http://schemas.microsoft.com/office/powerpoint/2010/main" val="3291798661"/>
+        <p14:creationId xmlns:p14="http://schemas.microsoft.com/office/powerpoint/2010/main" val="2481974844"/>
       </p:ext>
     </p:extLst>
   </p:cSld>
@@ -3292,7 +3314,127 @@
     </p:spTree>
     <p:extLst>
       <p:ext uri="{BB962C8B-B14F-4D97-AF65-F5344CB8AC3E}">
-        <p14:creationId xmlns:p14="http://schemas.microsoft.com/office/powerpoint/2010/main" val="2840745155"/>
+        <p14:creationId xmlns:p14="http://schemas.microsoft.com/office/powerpoint/2010/main" val="3468540351"/>
+      </p:ext>
+    </p:extLst>
+  </p:cSld>
+  <p:clrMapOvr>
+    <a:masterClrMapping/>
+  </p:clrMapOvr>
+</p:notes>
+</file>
+
+<file path=ppt/notesSlides/notesSlide29.xml><?xml version="1.0" encoding="utf-8"?>
+<p:notes xmlns:a="http://schemas.openxmlformats.org/drawingml/2006/main" xmlns:r="http://schemas.openxmlformats.org/officeDocument/2006/relationships" xmlns:p="http://schemas.openxmlformats.org/presentationml/2006/main" showMasterSp="0" showMasterPhAnim="0">
+  <p:cSld>
+    <p:spTree>
+      <p:nvGrpSpPr>
+        <p:cNvPr id="1" name="Shape 80"/>
+        <p:cNvGrpSpPr/>
+        <p:nvPr/>
+      </p:nvGrpSpPr>
+      <p:grpSpPr>
+        <a:xfrm>
+          <a:off x="0" y="0"/>
+          <a:ext cx="0" cy="0"/>
+          <a:chOff x="0" y="0"/>
+          <a:chExt cx="0" cy="0"/>
+        </a:xfrm>
+      </p:grpSpPr>
+      <p:sp>
+        <p:nvSpPr>
+          <p:cNvPr id="81" name="Google Shape;81;gf6254c5e42_0_30:notes"/>
+          <p:cNvSpPr>
+            <a:spLocks noGrp="1" noRot="1" noChangeAspect="1"/>
+          </p:cNvSpPr>
+          <p:nvPr>
+            <p:ph type="sldImg" idx="2"/>
+          </p:nvPr>
+        </p:nvSpPr>
+        <p:spPr>
+          <a:xfrm>
+            <a:off x="381000" y="685800"/>
+            <a:ext cx="6096000" cy="3429000"/>
+          </a:xfrm>
+          <a:custGeom>
+            <a:avLst/>
+            <a:gdLst/>
+            <a:ahLst/>
+            <a:cxnLst/>
+            <a:rect l="l" t="t" r="r" b="b"/>
+            <a:pathLst>
+              <a:path w="120000" h="120000" extrusionOk="0">
+                <a:moveTo>
+                  <a:pt x="0" y="0"/>
+                </a:moveTo>
+                <a:lnTo>
+                  <a:pt x="120000" y="0"/>
+                </a:lnTo>
+                <a:lnTo>
+                  <a:pt x="120000" y="120000"/>
+                </a:lnTo>
+                <a:lnTo>
+                  <a:pt x="0" y="120000"/>
+                </a:lnTo>
+                <a:close/>
+              </a:path>
+            </a:pathLst>
+          </a:custGeom>
+        </p:spPr>
+      </p:sp>
+      <p:sp>
+        <p:nvSpPr>
+          <p:cNvPr id="82" name="Google Shape;82;gf6254c5e42_0_30:notes"/>
+          <p:cNvSpPr txBox="1">
+            <a:spLocks noGrp="1"/>
+          </p:cNvSpPr>
+          <p:nvPr>
+            <p:ph type="body" idx="1"/>
+          </p:nvPr>
+        </p:nvSpPr>
+        <p:spPr>
+          <a:xfrm>
+            <a:off x="685800" y="4343400"/>
+            <a:ext cx="5486400" cy="4114800"/>
+          </a:xfrm>
+          <a:prstGeom prst="rect">
+            <a:avLst/>
+          </a:prstGeom>
+        </p:spPr>
+        <p:txBody>
+          <a:bodyPr spcFirstLastPara="1" wrap="square" lIns="91425" tIns="91425" rIns="91425" bIns="91425" anchor="t" anchorCtr="0">
+            <a:noAutofit/>
+          </a:bodyPr>
+          <a:lstStyle/>
+          <a:p>
+            <a:pPr marL="457200" lvl="0" indent="0" algn="l" rtl="0">
+              <a:lnSpc>
+                <a:spcPct val="115000"/>
+              </a:lnSpc>
+              <a:spcBef>
+                <a:spcPts val="0"/>
+              </a:spcBef>
+              <a:spcAft>
+                <a:spcPts val="1200"/>
+              </a:spcAft>
+              <a:buNone/>
+            </a:pPr>
+            <a:r>
+              <a:rPr lang="pt-BR" sz="1800">
+                <a:solidFill>
+                  <a:srgbClr val="595959"/>
+                </a:solidFill>
+              </a:rPr>
+              <a:t>Link para o github</a:t>
+            </a:r>
+            <a:endParaRPr/>
+          </a:p>
+        </p:txBody>
+      </p:sp>
+    </p:spTree>
+    <p:extLst>
+      <p:ext uri="{BB962C8B-B14F-4D97-AF65-F5344CB8AC3E}">
+        <p14:creationId xmlns:p14="http://schemas.microsoft.com/office/powerpoint/2010/main" val="3291798661"/>
       </p:ext>
     </p:extLst>
   </p:cSld>
@@ -3415,6 +3557,126 @@
         </p:txBody>
       </p:sp>
     </p:spTree>
+  </p:cSld>
+  <p:clrMapOvr>
+    <a:masterClrMapping/>
+  </p:clrMapOvr>
+</p:notes>
+</file>
+
+<file path=ppt/notesSlides/notesSlide30.xml><?xml version="1.0" encoding="utf-8"?>
+<p:notes xmlns:a="http://schemas.openxmlformats.org/drawingml/2006/main" xmlns:r="http://schemas.openxmlformats.org/officeDocument/2006/relationships" xmlns:p="http://schemas.openxmlformats.org/presentationml/2006/main" showMasterSp="0" showMasterPhAnim="0">
+  <p:cSld>
+    <p:spTree>
+      <p:nvGrpSpPr>
+        <p:cNvPr id="1" name="Shape 80"/>
+        <p:cNvGrpSpPr/>
+        <p:nvPr/>
+      </p:nvGrpSpPr>
+      <p:grpSpPr>
+        <a:xfrm>
+          <a:off x="0" y="0"/>
+          <a:ext cx="0" cy="0"/>
+          <a:chOff x="0" y="0"/>
+          <a:chExt cx="0" cy="0"/>
+        </a:xfrm>
+      </p:grpSpPr>
+      <p:sp>
+        <p:nvSpPr>
+          <p:cNvPr id="81" name="Google Shape;81;gf6254c5e42_0_30:notes"/>
+          <p:cNvSpPr>
+            <a:spLocks noGrp="1" noRot="1" noChangeAspect="1"/>
+          </p:cNvSpPr>
+          <p:nvPr>
+            <p:ph type="sldImg" idx="2"/>
+          </p:nvPr>
+        </p:nvSpPr>
+        <p:spPr>
+          <a:xfrm>
+            <a:off x="381000" y="685800"/>
+            <a:ext cx="6096000" cy="3429000"/>
+          </a:xfrm>
+          <a:custGeom>
+            <a:avLst/>
+            <a:gdLst/>
+            <a:ahLst/>
+            <a:cxnLst/>
+            <a:rect l="l" t="t" r="r" b="b"/>
+            <a:pathLst>
+              <a:path w="120000" h="120000" extrusionOk="0">
+                <a:moveTo>
+                  <a:pt x="0" y="0"/>
+                </a:moveTo>
+                <a:lnTo>
+                  <a:pt x="120000" y="0"/>
+                </a:lnTo>
+                <a:lnTo>
+                  <a:pt x="120000" y="120000"/>
+                </a:lnTo>
+                <a:lnTo>
+                  <a:pt x="0" y="120000"/>
+                </a:lnTo>
+                <a:close/>
+              </a:path>
+            </a:pathLst>
+          </a:custGeom>
+        </p:spPr>
+      </p:sp>
+      <p:sp>
+        <p:nvSpPr>
+          <p:cNvPr id="82" name="Google Shape;82;gf6254c5e42_0_30:notes"/>
+          <p:cNvSpPr txBox="1">
+            <a:spLocks noGrp="1"/>
+          </p:cNvSpPr>
+          <p:nvPr>
+            <p:ph type="body" idx="1"/>
+          </p:nvPr>
+        </p:nvSpPr>
+        <p:spPr>
+          <a:xfrm>
+            <a:off x="685800" y="4343400"/>
+            <a:ext cx="5486400" cy="4114800"/>
+          </a:xfrm>
+          <a:prstGeom prst="rect">
+            <a:avLst/>
+          </a:prstGeom>
+        </p:spPr>
+        <p:txBody>
+          <a:bodyPr spcFirstLastPara="1" wrap="square" lIns="91425" tIns="91425" rIns="91425" bIns="91425" anchor="t" anchorCtr="0">
+            <a:noAutofit/>
+          </a:bodyPr>
+          <a:lstStyle/>
+          <a:p>
+            <a:pPr marL="457200" lvl="0" indent="0" algn="l" rtl="0">
+              <a:lnSpc>
+                <a:spcPct val="115000"/>
+              </a:lnSpc>
+              <a:spcBef>
+                <a:spcPts val="0"/>
+              </a:spcBef>
+              <a:spcAft>
+                <a:spcPts val="1200"/>
+              </a:spcAft>
+              <a:buNone/>
+            </a:pPr>
+            <a:r>
+              <a:rPr lang="pt-BR" sz="1800">
+                <a:solidFill>
+                  <a:srgbClr val="595959"/>
+                </a:solidFill>
+              </a:rPr>
+              <a:t>Link para o github</a:t>
+            </a:r>
+            <a:endParaRPr/>
+          </a:p>
+        </p:txBody>
+      </p:sp>
+    </p:spTree>
+    <p:extLst>
+      <p:ext uri="{BB962C8B-B14F-4D97-AF65-F5344CB8AC3E}">
+        <p14:creationId xmlns:p14="http://schemas.microsoft.com/office/powerpoint/2010/main" val="2840745155"/>
+      </p:ext>
+    </p:extLst>
   </p:cSld>
   <p:clrMapOvr>
     <a:masterClrMapping/>
@@ -18102,6 +18364,287 @@
   <p:cSld>
     <p:spTree>
       <p:nvGrpSpPr>
+        <p:cNvPr id="1" name="Shape 53"/>
+        <p:cNvGrpSpPr/>
+        <p:nvPr/>
+      </p:nvGrpSpPr>
+      <p:grpSpPr>
+        <a:xfrm>
+          <a:off x="0" y="0"/>
+          <a:ext cx="0" cy="0"/>
+          <a:chOff x="0" y="0"/>
+          <a:chExt cx="0" cy="0"/>
+        </a:xfrm>
+      </p:grpSpPr>
+      <p:sp>
+        <p:nvSpPr>
+          <p:cNvPr id="54" name="Google Shape;54;p13"/>
+          <p:cNvSpPr txBox="1">
+            <a:spLocks noGrp="1"/>
+          </p:cNvSpPr>
+          <p:nvPr>
+            <p:ph type="ctrTitle"/>
+          </p:nvPr>
+        </p:nvSpPr>
+        <p:spPr>
+          <a:xfrm>
+            <a:off x="-609600" y="1551093"/>
+            <a:ext cx="6522585" cy="1652482"/>
+          </a:xfrm>
+          <a:prstGeom prst="rect">
+            <a:avLst/>
+          </a:prstGeom>
+        </p:spPr>
+        <p:txBody>
+          <a:bodyPr spcFirstLastPara="1" wrap="square" lIns="91425" tIns="91425" rIns="91425" bIns="91425" anchor="b" anchorCtr="0">
+            <a:noAutofit/>
+          </a:bodyPr>
+          <a:lstStyle/>
+          <a:p>
+            <a:pPr marL="0" lvl="0" indent="0" algn="ctr" rtl="0">
+              <a:spcBef>
+                <a:spcPts val="0"/>
+              </a:spcBef>
+              <a:spcAft>
+                <a:spcPts val="0"/>
+              </a:spcAft>
+              <a:buNone/>
+            </a:pPr>
+            <a:r>
+              <a:rPr lang="pt-BR" sz="3200" dirty="0"/>
+              <a:t>Análise de Robustez de</a:t>
+            </a:r>
+            <a:br>
+              <a:rPr lang="pt-BR" sz="3200" dirty="0"/>
+            </a:br>
+            <a:r>
+              <a:rPr lang="pt-BR" sz="3200" dirty="0"/>
+              <a:t> </a:t>
+            </a:r>
+            <a:r>
+              <a:rPr lang="pt-BR" sz="3600" b="1" dirty="0"/>
+              <a:t>Mecanismos de Busca</a:t>
+            </a:r>
+            <a:endParaRPr sz="3200" b="1" dirty="0"/>
+          </a:p>
+          <a:p>
+            <a:pPr marL="0" lvl="0" indent="0" algn="ctr" rtl="0">
+              <a:spcBef>
+                <a:spcPts val="0"/>
+              </a:spcBef>
+              <a:spcAft>
+                <a:spcPts val="0"/>
+              </a:spcAft>
+              <a:buNone/>
+            </a:pPr>
+            <a:r>
+              <a:rPr lang="pt-BR" sz="3200" dirty="0"/>
+              <a:t>quanto a Ruídos em Queries</a:t>
+            </a:r>
+            <a:endParaRPr sz="4200" dirty="0"/>
+          </a:p>
+        </p:txBody>
+      </p:sp>
+    </p:spTree>
+    <p:extLst>
+      <p:ext uri="{BB962C8B-B14F-4D97-AF65-F5344CB8AC3E}">
+        <p14:creationId xmlns:p14="http://schemas.microsoft.com/office/powerpoint/2010/main" val="4293986737"/>
+      </p:ext>
+    </p:extLst>
+  </p:cSld>
+  <p:clrMapOvr>
+    <a:masterClrMapping/>
+  </p:clrMapOvr>
+</p:sld>
+</file>
+
+<file path=ppt/slides/slide21.xml><?xml version="1.0" encoding="utf-8"?>
+<p:sld xmlns:a="http://schemas.openxmlformats.org/drawingml/2006/main" xmlns:r="http://schemas.openxmlformats.org/officeDocument/2006/relationships" xmlns:p="http://schemas.openxmlformats.org/presentationml/2006/main">
+  <p:cSld>
+    <p:spTree>
+      <p:nvGrpSpPr>
+        <p:cNvPr id="1" name="Shape 53"/>
+        <p:cNvGrpSpPr/>
+        <p:nvPr/>
+      </p:nvGrpSpPr>
+      <p:grpSpPr>
+        <a:xfrm>
+          <a:off x="0" y="0"/>
+          <a:ext cx="0" cy="0"/>
+          <a:chOff x="0" y="0"/>
+          <a:chExt cx="0" cy="0"/>
+        </a:xfrm>
+      </p:grpSpPr>
+      <p:sp>
+        <p:nvSpPr>
+          <p:cNvPr id="54" name="Google Shape;54;p13"/>
+          <p:cNvSpPr txBox="1">
+            <a:spLocks noGrp="1"/>
+          </p:cNvSpPr>
+          <p:nvPr>
+            <p:ph type="ctrTitle"/>
+          </p:nvPr>
+        </p:nvSpPr>
+        <p:spPr>
+          <a:xfrm>
+            <a:off x="-609600" y="1551093"/>
+            <a:ext cx="6522585" cy="1652482"/>
+          </a:xfrm>
+          <a:prstGeom prst="rect">
+            <a:avLst/>
+          </a:prstGeom>
+        </p:spPr>
+        <p:txBody>
+          <a:bodyPr spcFirstLastPara="1" wrap="square" lIns="91425" tIns="91425" rIns="91425" bIns="91425" anchor="b" anchorCtr="0">
+            <a:noAutofit/>
+          </a:bodyPr>
+          <a:lstStyle/>
+          <a:p>
+            <a:pPr marL="0" lvl="0" indent="0" algn="ctr" rtl="0">
+              <a:spcBef>
+                <a:spcPts val="0"/>
+              </a:spcBef>
+              <a:spcAft>
+                <a:spcPts val="0"/>
+              </a:spcAft>
+              <a:buNone/>
+            </a:pPr>
+            <a:r>
+              <a:rPr lang="pt-BR" sz="3200" dirty="0"/>
+              <a:t>Análise de Robustez de</a:t>
+            </a:r>
+            <a:br>
+              <a:rPr lang="pt-BR" sz="3200" dirty="0"/>
+            </a:br>
+            <a:r>
+              <a:rPr lang="pt-BR" sz="3200" dirty="0"/>
+              <a:t> </a:t>
+            </a:r>
+            <a:r>
+              <a:rPr lang="pt-BR" sz="3600" b="1" dirty="0"/>
+              <a:t>Mecanismos de Busca</a:t>
+            </a:r>
+            <a:endParaRPr sz="3200" b="1" dirty="0"/>
+          </a:p>
+          <a:p>
+            <a:pPr marL="0" lvl="0" indent="0" algn="ctr" rtl="0">
+              <a:spcBef>
+                <a:spcPts val="0"/>
+              </a:spcBef>
+              <a:spcAft>
+                <a:spcPts val="0"/>
+              </a:spcAft>
+              <a:buNone/>
+            </a:pPr>
+            <a:r>
+              <a:rPr lang="pt-BR" sz="3200" dirty="0"/>
+              <a:t>quanto a Ruídos em Queries</a:t>
+            </a:r>
+            <a:endParaRPr sz="4200" dirty="0"/>
+          </a:p>
+        </p:txBody>
+      </p:sp>
+      <p:sp>
+        <p:nvSpPr>
+          <p:cNvPr id="3" name="CaixaDeTexto 2">
+            <a:extLst>
+              <a:ext uri="{FF2B5EF4-FFF2-40B4-BE49-F238E27FC236}">
+                <a16:creationId xmlns:a16="http://schemas.microsoft.com/office/drawing/2014/main" id="{6D78E7FB-BB6E-47CD-BF58-C1F0A4A5D19F}"/>
+              </a:ext>
+            </a:extLst>
+          </p:cNvPr>
+          <p:cNvSpPr txBox="1"/>
+          <p:nvPr/>
+        </p:nvSpPr>
+        <p:spPr>
+          <a:xfrm>
+            <a:off x="3359573" y="3737392"/>
+            <a:ext cx="5161280" cy="461665"/>
+          </a:xfrm>
+          <a:prstGeom prst="rect">
+            <a:avLst/>
+          </a:prstGeom>
+          <a:noFill/>
+        </p:spPr>
+        <p:txBody>
+          <a:bodyPr wrap="square">
+            <a:spAutoFit/>
+          </a:bodyPr>
+          <a:lstStyle/>
+          <a:p>
+            <a:r>
+              <a:rPr lang="pt-BR" sz="2400" b="1" dirty="0"/>
+              <a:t>= Funções de </a:t>
+            </a:r>
+            <a:r>
+              <a:rPr lang="pt-BR" sz="2400" b="1" dirty="0" err="1"/>
+              <a:t>Rankeamento</a:t>
+            </a:r>
+            <a:endParaRPr lang="pt-BR" sz="2000" b="1" dirty="0"/>
+          </a:p>
+        </p:txBody>
+      </p:sp>
+      <p:cxnSp>
+        <p:nvCxnSpPr>
+          <p:cNvPr id="4" name="Conector de Seta Reta 3">
+            <a:extLst>
+              <a:ext uri="{FF2B5EF4-FFF2-40B4-BE49-F238E27FC236}">
+                <a16:creationId xmlns:a16="http://schemas.microsoft.com/office/drawing/2014/main" id="{FA2D85E9-5198-4966-8936-380418C0FF06}"/>
+              </a:ext>
+            </a:extLst>
+          </p:cNvPr>
+          <p:cNvCxnSpPr>
+            <a:cxnSpLocks/>
+            <a:endCxn id="3" idx="1"/>
+          </p:cNvCxnSpPr>
+          <p:nvPr/>
+        </p:nvCxnSpPr>
+        <p:spPr>
+          <a:xfrm>
+            <a:off x="2465493" y="2571750"/>
+            <a:ext cx="894080" cy="1396475"/>
+          </a:xfrm>
+          <a:prstGeom prst="straightConnector1">
+            <a:avLst/>
+          </a:prstGeom>
+          <a:ln>
+            <a:prstDash val="sysDot"/>
+            <a:tailEnd type="triangle"/>
+          </a:ln>
+        </p:spPr>
+        <p:style>
+          <a:lnRef idx="1">
+            <a:schemeClr val="accent1"/>
+          </a:lnRef>
+          <a:fillRef idx="0">
+            <a:schemeClr val="accent1"/>
+          </a:fillRef>
+          <a:effectRef idx="0">
+            <a:schemeClr val="accent1"/>
+          </a:effectRef>
+          <a:fontRef idx="minor">
+            <a:schemeClr val="tx1"/>
+          </a:fontRef>
+        </p:style>
+      </p:cxnSp>
+    </p:spTree>
+    <p:extLst>
+      <p:ext uri="{BB962C8B-B14F-4D97-AF65-F5344CB8AC3E}">
+        <p14:creationId xmlns:p14="http://schemas.microsoft.com/office/powerpoint/2010/main" val="3915886661"/>
+      </p:ext>
+    </p:extLst>
+  </p:cSld>
+  <p:clrMapOvr>
+    <a:masterClrMapping/>
+  </p:clrMapOvr>
+</p:sld>
+</file>
+
+<file path=ppt/slides/slide22.xml><?xml version="1.0" encoding="utf-8"?>
+<p:sld xmlns:a="http://schemas.openxmlformats.org/drawingml/2006/main" xmlns:r="http://schemas.openxmlformats.org/officeDocument/2006/relationships" xmlns:p="http://schemas.openxmlformats.org/presentationml/2006/main">
+  <p:cSld>
+    <p:spTree>
+      <p:nvGrpSpPr>
         <p:cNvPr id="1" name="Shape 83"/>
         <p:cNvGrpSpPr/>
         <p:nvPr/>
@@ -18164,7 +18707,7 @@
 </p:sld>
 </file>
 
-<file path=ppt/slides/slide21.xml><?xml version="1.0" encoding="utf-8"?>
+<file path=ppt/slides/slide23.xml><?xml version="1.0" encoding="utf-8"?>
 <p:sld xmlns:a="http://schemas.openxmlformats.org/drawingml/2006/main" xmlns:r="http://schemas.openxmlformats.org/officeDocument/2006/relationships" xmlns:p="http://schemas.openxmlformats.org/presentationml/2006/main">
   <p:cSld>
     <p:spTree>
@@ -18282,7 +18825,7 @@
 </p:sld>
 </file>
 
-<file path=ppt/slides/slide22.xml><?xml version="1.0" encoding="utf-8"?>
+<file path=ppt/slides/slide24.xml><?xml version="1.0" encoding="utf-8"?>
 <p:sld xmlns:a="http://schemas.openxmlformats.org/drawingml/2006/main" xmlns:r="http://schemas.openxmlformats.org/officeDocument/2006/relationships" xmlns:p="http://schemas.openxmlformats.org/presentationml/2006/main">
   <p:cSld>
     <p:spTree>
@@ -18400,7 +18943,7 @@
 </p:sld>
 </file>
 
-<file path=ppt/slides/slide23.xml><?xml version="1.0" encoding="utf-8"?>
+<file path=ppt/slides/slide25.xml><?xml version="1.0" encoding="utf-8"?>
 <p:sld xmlns:a="http://schemas.openxmlformats.org/drawingml/2006/main" xmlns:r="http://schemas.openxmlformats.org/officeDocument/2006/relationships" xmlns:p="http://schemas.openxmlformats.org/presentationml/2006/main">
   <p:cSld>
     <p:spTree>
@@ -18518,7 +19061,7 @@
 </p:sld>
 </file>
 
-<file path=ppt/slides/slide24.xml><?xml version="1.0" encoding="utf-8"?>
+<file path=ppt/slides/slide26.xml><?xml version="1.0" encoding="utf-8"?>
 <p:sld xmlns:a="http://schemas.openxmlformats.org/drawingml/2006/main" xmlns:r="http://schemas.openxmlformats.org/officeDocument/2006/relationships" xmlns:p="http://schemas.openxmlformats.org/presentationml/2006/main">
   <p:cSld>
     <p:spTree>
@@ -18636,7 +19179,7 @@
 </p:sld>
 </file>
 
-<file path=ppt/slides/slide25.xml><?xml version="1.0" encoding="utf-8"?>
+<file path=ppt/slides/slide27.xml><?xml version="1.0" encoding="utf-8"?>
 <p:sld xmlns:a="http://schemas.openxmlformats.org/drawingml/2006/main" xmlns:r="http://schemas.openxmlformats.org/officeDocument/2006/relationships" xmlns:p="http://schemas.openxmlformats.org/presentationml/2006/main">
   <p:cSld>
     <p:spTree>
@@ -18754,7 +19297,7 @@
 </p:sld>
 </file>
 
-<file path=ppt/slides/slide26.xml><?xml version="1.0" encoding="utf-8"?>
+<file path=ppt/slides/slide28.xml><?xml version="1.0" encoding="utf-8"?>
 <p:sld xmlns:a="http://schemas.openxmlformats.org/drawingml/2006/main" xmlns:r="http://schemas.openxmlformats.org/officeDocument/2006/relationships" xmlns:p="http://schemas.openxmlformats.org/presentationml/2006/main">
   <p:cSld>
     <p:spTree>
@@ -18872,7 +19415,7 @@
 </p:sld>
 </file>
 
-<file path=ppt/slides/slide27.xml><?xml version="1.0" encoding="utf-8"?>
+<file path=ppt/slides/slide29.xml><?xml version="1.0" encoding="utf-8"?>
 <p:sld xmlns:a="http://schemas.openxmlformats.org/drawingml/2006/main" xmlns:r="http://schemas.openxmlformats.org/officeDocument/2006/relationships" xmlns:p="http://schemas.openxmlformats.org/presentationml/2006/main">
   <p:cSld>
     <p:spTree>
@@ -18990,174 +19533,6 @@
 </p:sld>
 </file>
 
-<file path=ppt/slides/slide28.xml><?xml version="1.0" encoding="utf-8"?>
-<p:sld xmlns:a="http://schemas.openxmlformats.org/drawingml/2006/main" xmlns:r="http://schemas.openxmlformats.org/officeDocument/2006/relationships" xmlns:p="http://schemas.openxmlformats.org/presentationml/2006/main">
-  <p:cSld>
-    <p:spTree>
-      <p:nvGrpSpPr>
-        <p:cNvPr id="1" name="Shape 83"/>
-        <p:cNvGrpSpPr/>
-        <p:nvPr/>
-      </p:nvGrpSpPr>
-      <p:grpSpPr>
-        <a:xfrm>
-          <a:off x="0" y="0"/>
-          <a:ext cx="0" cy="0"/>
-          <a:chOff x="0" y="0"/>
-          <a:chExt cx="0" cy="0"/>
-        </a:xfrm>
-      </p:grpSpPr>
-      <p:sp>
-        <p:nvSpPr>
-          <p:cNvPr id="84" name="Google Shape;84;p18"/>
-          <p:cNvSpPr txBox="1">
-            <a:spLocks noGrp="1"/>
-          </p:cNvSpPr>
-          <p:nvPr>
-            <p:ph type="title"/>
-          </p:nvPr>
-        </p:nvSpPr>
-        <p:spPr>
-          <a:xfrm>
-            <a:off x="311700" y="445025"/>
-            <a:ext cx="8520600" cy="572700"/>
-          </a:xfrm>
-          <a:prstGeom prst="rect">
-            <a:avLst/>
-          </a:prstGeom>
-        </p:spPr>
-        <p:txBody>
-          <a:bodyPr spcFirstLastPara="1" wrap="square" lIns="91425" tIns="91425" rIns="91425" bIns="91425" anchor="t" anchorCtr="0">
-            <a:normAutofit fontScale="90000"/>
-          </a:bodyPr>
-          <a:lstStyle/>
-          <a:p>
-            <a:pPr marL="0" lvl="0" indent="0" algn="l" rtl="0">
-              <a:spcBef>
-                <a:spcPts val="0"/>
-              </a:spcBef>
-              <a:spcAft>
-                <a:spcPts val="0"/>
-              </a:spcAft>
-              <a:buNone/>
-            </a:pPr>
-            <a:r>
-              <a:rPr lang="pt-BR" dirty="0"/>
-              <a:t>Mais detalhes* em:</a:t>
-            </a:r>
-            <a:endParaRPr dirty="0"/>
-          </a:p>
-        </p:txBody>
-      </p:sp>
-      <p:sp>
-        <p:nvSpPr>
-          <p:cNvPr id="85" name="Google Shape;85;p18"/>
-          <p:cNvSpPr txBox="1">
-            <a:spLocks noGrp="1"/>
-          </p:cNvSpPr>
-          <p:nvPr>
-            <p:ph type="body" idx="1"/>
-          </p:nvPr>
-        </p:nvSpPr>
-        <p:spPr>
-          <a:xfrm>
-            <a:off x="311700" y="1152475"/>
-            <a:ext cx="8520600" cy="873175"/>
-          </a:xfrm>
-          <a:prstGeom prst="rect">
-            <a:avLst/>
-          </a:prstGeom>
-        </p:spPr>
-        <p:txBody>
-          <a:bodyPr spcFirstLastPara="1" wrap="square" lIns="91425" tIns="91425" rIns="91425" bIns="91425" anchor="t" anchorCtr="0">
-            <a:normAutofit/>
-          </a:bodyPr>
-          <a:lstStyle/>
-          <a:p>
-            <a:pPr marL="457200" lvl="0" indent="-342900" algn="l" rtl="0">
-              <a:spcBef>
-                <a:spcPts val="0"/>
-              </a:spcBef>
-              <a:spcAft>
-                <a:spcPts val="0"/>
-              </a:spcAft>
-              <a:buSzPts val="1800"/>
-              <a:buChar char="-"/>
-            </a:pPr>
-            <a:r>
-              <a:rPr lang="pt-BR" u="sng" dirty="0">
-                <a:solidFill>
-                  <a:schemeClr val="hlink"/>
-                </a:solidFill>
-                <a:hlinkClick r:id="rId3"/>
-              </a:rPr>
-              <a:t>https://github.com/leonardo3108/robustez-query</a:t>
-            </a:r>
-            <a:r>
-              <a:rPr lang="pt-BR" dirty="0"/>
-              <a:t> </a:t>
-            </a:r>
-            <a:endParaRPr dirty="0"/>
-          </a:p>
-        </p:txBody>
-      </p:sp>
-      <p:sp>
-        <p:nvSpPr>
-          <p:cNvPr id="5" name="CaixaDeTexto 4">
-            <a:extLst>
-              <a:ext uri="{FF2B5EF4-FFF2-40B4-BE49-F238E27FC236}">
-                <a16:creationId xmlns:a16="http://schemas.microsoft.com/office/drawing/2014/main" id="{2FB5B072-4C3B-4646-A040-B607DC2078A7}"/>
-              </a:ext>
-            </a:extLst>
-          </p:cNvPr>
-          <p:cNvSpPr txBox="1"/>
-          <p:nvPr/>
-        </p:nvSpPr>
-        <p:spPr>
-          <a:xfrm>
-            <a:off x="377370" y="4390698"/>
-            <a:ext cx="5680529" cy="307777"/>
-          </a:xfrm>
-          <a:prstGeom prst="rect">
-            <a:avLst/>
-          </a:prstGeom>
-          <a:noFill/>
-        </p:spPr>
-        <p:txBody>
-          <a:bodyPr wrap="square">
-            <a:spAutoFit/>
-          </a:bodyPr>
-          <a:lstStyle/>
-          <a:p>
-            <a:r>
-              <a:rPr lang="pt-BR" dirty="0"/>
-              <a:t>* </a:t>
-            </a:r>
-            <a:r>
-              <a:rPr lang="pt-BR" sz="1400" dirty="0"/>
-              <a:t>plano do projeto, código, dados, gráficos, referências, </a:t>
-            </a:r>
-            <a:r>
-              <a:rPr lang="pt-BR" sz="1400" dirty="0" err="1"/>
-              <a:t>etc</a:t>
-            </a:r>
-            <a:endParaRPr lang="pt-BR" dirty="0"/>
-          </a:p>
-        </p:txBody>
-      </p:sp>
-    </p:spTree>
-    <p:extLst>
-      <p:ext uri="{BB962C8B-B14F-4D97-AF65-F5344CB8AC3E}">
-        <p14:creationId xmlns:p14="http://schemas.microsoft.com/office/powerpoint/2010/main" val="3266541860"/>
-      </p:ext>
-    </p:extLst>
-  </p:cSld>
-  <p:clrMapOvr>
-    <a:masterClrMapping/>
-  </p:clrMapOvr>
-</p:sld>
-</file>
-
 <file path=ppt/slides/slide3.xml><?xml version="1.0" encoding="utf-8"?>
 <p:sld xmlns:a="http://schemas.openxmlformats.org/drawingml/2006/main" xmlns:r="http://schemas.openxmlformats.org/officeDocument/2006/relationships" xmlns:p="http://schemas.openxmlformats.org/presentationml/2006/main">
   <p:cSld>
@@ -19238,7 +19613,7 @@
         </p:spPr>
         <p:txBody>
           <a:bodyPr spcFirstLastPara="1" wrap="square" lIns="91425" tIns="91425" rIns="91425" bIns="91425" anchor="t" anchorCtr="0">
-            <a:normAutofit lnSpcReduction="10000"/>
+            <a:normAutofit/>
           </a:bodyPr>
           <a:lstStyle/>
           <a:p>
@@ -19249,6 +19624,27 @@
               <a:spcAft>
                 <a:spcPts val="0"/>
               </a:spcAft>
+              <a:buNone/>
+            </a:pPr>
+            <a:r>
+              <a:rPr lang="pt-BR" dirty="0">
+                <a:solidFill>
+                  <a:schemeClr val="bg2"/>
+                </a:solidFill>
+              </a:rPr>
+              <a:t>(Feito) </a:t>
+            </a:r>
+            <a:r>
+              <a:rPr lang="pt-BR" dirty="0"/>
+              <a:t>Cálculo das métricas para as queries originais; </a:t>
+            </a:r>
+            <a:endParaRPr dirty="0"/>
+          </a:p>
+          <a:p>
+            <a:pPr marL="0" indent="0">
+              <a:spcBef>
+                <a:spcPts val="1200"/>
+              </a:spcBef>
               <a:buNone/>
             </a:pPr>
             <a:r>
@@ -19261,21 +19657,16 @@
             </a:r>
             <a:r>
               <a:rPr lang="pt-BR" dirty="0"/>
-              <a:t>Execução sobre as queries originais (nos 3 mecanismos de busca); </a:t>
+              <a:t>Programação dos ruídos e geração de “</a:t>
             </a:r>
-            <a:endParaRPr dirty="0"/>
-          </a:p>
-          <a:p>
-            <a:pPr marL="0" lvl="0" indent="0" algn="l" rtl="0">
-              <a:spcBef>
-                <a:spcPts val="1200"/>
-              </a:spcBef>
-              <a:spcAft>
-                <a:spcPts val="0"/>
-              </a:spcAft>
-              <a:buNone/>
-            </a:pPr>
-            <a:endParaRPr lang="pt-BR" dirty="0"/>
+            <a:r>
+              <a:rPr lang="pt-BR" dirty="0" err="1"/>
+              <a:t>noisy</a:t>
+            </a:r>
+            <a:r>
+              <a:rPr lang="pt-BR" dirty="0"/>
+              <a:t> queries”;</a:t>
+            </a:r>
           </a:p>
           <a:p>
             <a:pPr marL="0" indent="0">
@@ -19296,24 +19687,6 @@
               <a:rPr lang="pt-BR" dirty="0"/>
               <a:t>Execução sobre as queries com ruído;</a:t>
             </a:r>
-          </a:p>
-          <a:p>
-            <a:pPr marL="0" lvl="0" indent="0" algn="l" rtl="0">
-              <a:spcBef>
-                <a:spcPts val="1200"/>
-              </a:spcBef>
-              <a:spcAft>
-                <a:spcPts val="1200"/>
-              </a:spcAft>
-              <a:buNone/>
-            </a:pPr>
-            <a:endParaRPr lang="pt-BR" sz="100" dirty="0">
-              <a:solidFill>
-                <a:schemeClr val="accent4">
-                  <a:lumMod val="50000"/>
-                </a:schemeClr>
-              </a:solidFill>
-            </a:endParaRPr>
           </a:p>
           <a:p>
             <a:pPr marL="0" lvl="0" indent="0" algn="l" rtl="0">
@@ -19374,6 +19747,174 @@
         </p:txBody>
       </p:sp>
     </p:spTree>
+  </p:cSld>
+  <p:clrMapOvr>
+    <a:masterClrMapping/>
+  </p:clrMapOvr>
+</p:sld>
+</file>
+
+<file path=ppt/slides/slide30.xml><?xml version="1.0" encoding="utf-8"?>
+<p:sld xmlns:a="http://schemas.openxmlformats.org/drawingml/2006/main" xmlns:r="http://schemas.openxmlformats.org/officeDocument/2006/relationships" xmlns:p="http://schemas.openxmlformats.org/presentationml/2006/main">
+  <p:cSld>
+    <p:spTree>
+      <p:nvGrpSpPr>
+        <p:cNvPr id="1" name="Shape 83"/>
+        <p:cNvGrpSpPr/>
+        <p:nvPr/>
+      </p:nvGrpSpPr>
+      <p:grpSpPr>
+        <a:xfrm>
+          <a:off x="0" y="0"/>
+          <a:ext cx="0" cy="0"/>
+          <a:chOff x="0" y="0"/>
+          <a:chExt cx="0" cy="0"/>
+        </a:xfrm>
+      </p:grpSpPr>
+      <p:sp>
+        <p:nvSpPr>
+          <p:cNvPr id="84" name="Google Shape;84;p18"/>
+          <p:cNvSpPr txBox="1">
+            <a:spLocks noGrp="1"/>
+          </p:cNvSpPr>
+          <p:nvPr>
+            <p:ph type="title"/>
+          </p:nvPr>
+        </p:nvSpPr>
+        <p:spPr>
+          <a:xfrm>
+            <a:off x="311700" y="445025"/>
+            <a:ext cx="8520600" cy="572700"/>
+          </a:xfrm>
+          <a:prstGeom prst="rect">
+            <a:avLst/>
+          </a:prstGeom>
+        </p:spPr>
+        <p:txBody>
+          <a:bodyPr spcFirstLastPara="1" wrap="square" lIns="91425" tIns="91425" rIns="91425" bIns="91425" anchor="t" anchorCtr="0">
+            <a:normAutofit fontScale="90000"/>
+          </a:bodyPr>
+          <a:lstStyle/>
+          <a:p>
+            <a:pPr marL="0" lvl="0" indent="0" algn="l" rtl="0">
+              <a:spcBef>
+                <a:spcPts val="0"/>
+              </a:spcBef>
+              <a:spcAft>
+                <a:spcPts val="0"/>
+              </a:spcAft>
+              <a:buNone/>
+            </a:pPr>
+            <a:r>
+              <a:rPr lang="pt-BR" dirty="0"/>
+              <a:t>Mais detalhes* em:</a:t>
+            </a:r>
+            <a:endParaRPr dirty="0"/>
+          </a:p>
+        </p:txBody>
+      </p:sp>
+      <p:sp>
+        <p:nvSpPr>
+          <p:cNvPr id="85" name="Google Shape;85;p18"/>
+          <p:cNvSpPr txBox="1">
+            <a:spLocks noGrp="1"/>
+          </p:cNvSpPr>
+          <p:nvPr>
+            <p:ph type="body" idx="1"/>
+          </p:nvPr>
+        </p:nvSpPr>
+        <p:spPr>
+          <a:xfrm>
+            <a:off x="311700" y="1152475"/>
+            <a:ext cx="8520600" cy="873175"/>
+          </a:xfrm>
+          <a:prstGeom prst="rect">
+            <a:avLst/>
+          </a:prstGeom>
+        </p:spPr>
+        <p:txBody>
+          <a:bodyPr spcFirstLastPara="1" wrap="square" lIns="91425" tIns="91425" rIns="91425" bIns="91425" anchor="t" anchorCtr="0">
+            <a:normAutofit/>
+          </a:bodyPr>
+          <a:lstStyle/>
+          <a:p>
+            <a:pPr marL="457200" lvl="0" indent="-342900" algn="l" rtl="0">
+              <a:spcBef>
+                <a:spcPts val="0"/>
+              </a:spcBef>
+              <a:spcAft>
+                <a:spcPts val="0"/>
+              </a:spcAft>
+              <a:buSzPts val="1800"/>
+              <a:buChar char="-"/>
+            </a:pPr>
+            <a:r>
+              <a:rPr lang="pt-BR" u="sng" dirty="0">
+                <a:solidFill>
+                  <a:schemeClr val="hlink"/>
+                </a:solidFill>
+                <a:hlinkClick r:id="rId3"/>
+              </a:rPr>
+              <a:t>https://github.com/leonardo3108/robustez-query</a:t>
+            </a:r>
+            <a:r>
+              <a:rPr lang="pt-BR" dirty="0"/>
+              <a:t> </a:t>
+            </a:r>
+            <a:endParaRPr dirty="0"/>
+          </a:p>
+        </p:txBody>
+      </p:sp>
+      <p:sp>
+        <p:nvSpPr>
+          <p:cNvPr id="5" name="CaixaDeTexto 4">
+            <a:extLst>
+              <a:ext uri="{FF2B5EF4-FFF2-40B4-BE49-F238E27FC236}">
+                <a16:creationId xmlns:a16="http://schemas.microsoft.com/office/drawing/2014/main" id="{2FB5B072-4C3B-4646-A040-B607DC2078A7}"/>
+              </a:ext>
+            </a:extLst>
+          </p:cNvPr>
+          <p:cNvSpPr txBox="1"/>
+          <p:nvPr/>
+        </p:nvSpPr>
+        <p:spPr>
+          <a:xfrm>
+            <a:off x="377370" y="4390698"/>
+            <a:ext cx="5680529" cy="307777"/>
+          </a:xfrm>
+          <a:prstGeom prst="rect">
+            <a:avLst/>
+          </a:prstGeom>
+          <a:noFill/>
+        </p:spPr>
+        <p:txBody>
+          <a:bodyPr wrap="square">
+            <a:spAutoFit/>
+          </a:bodyPr>
+          <a:lstStyle/>
+          <a:p>
+            <a:r>
+              <a:rPr lang="pt-BR" dirty="0"/>
+              <a:t>* </a:t>
+            </a:r>
+            <a:r>
+              <a:rPr lang="pt-BR" sz="1400" dirty="0"/>
+              <a:t>plano do projeto, código, dados, gráficos, referências, </a:t>
+            </a:r>
+            <a:r>
+              <a:rPr lang="pt-BR" sz="1400" dirty="0" err="1"/>
+              <a:t>etc</a:t>
+            </a:r>
+            <a:endParaRPr lang="pt-BR" dirty="0"/>
+          </a:p>
+        </p:txBody>
+      </p:sp>
+    </p:spTree>
+    <p:extLst>
+      <p:ext uri="{BB962C8B-B14F-4D97-AF65-F5344CB8AC3E}">
+        <p14:creationId xmlns:p14="http://schemas.microsoft.com/office/powerpoint/2010/main" val="3266541860"/>
+      </p:ext>
+    </p:extLst>
   </p:cSld>
   <p:clrMapOvr>
     <a:masterClrMapping/>

--- a/docs/presentations/Apresentação 3 - 20211124.pptx
+++ b/docs/presentations/Apresentação 3 - 20211124.pptx
@@ -5,7 +5,7 @@
     <p:sldMasterId id="2147483659" r:id="rId1"/>
   </p:sldMasterIdLst>
   <p:notesMasterIdLst>
-    <p:notesMasterId r:id="rId32"/>
+    <p:notesMasterId r:id="rId33"/>
   </p:notesMasterIdLst>
   <p:sldIdLst>
     <p:sldId id="256" r:id="rId2"/>
@@ -20,24 +20,25 @@
     <p:sldId id="272" r:id="rId11"/>
     <p:sldId id="268" r:id="rId12"/>
     <p:sldId id="276" r:id="rId13"/>
-    <p:sldId id="277" r:id="rId14"/>
-    <p:sldId id="283" r:id="rId15"/>
-    <p:sldId id="278" r:id="rId16"/>
-    <p:sldId id="270" r:id="rId17"/>
-    <p:sldId id="284" r:id="rId18"/>
-    <p:sldId id="279" r:id="rId19"/>
-    <p:sldId id="280" r:id="rId20"/>
-    <p:sldId id="292" r:id="rId21"/>
-    <p:sldId id="295" r:id="rId22"/>
-    <p:sldId id="261" r:id="rId23"/>
-    <p:sldId id="285" r:id="rId24"/>
-    <p:sldId id="286" r:id="rId25"/>
-    <p:sldId id="290" r:id="rId26"/>
-    <p:sldId id="288" r:id="rId27"/>
-    <p:sldId id="287" r:id="rId28"/>
-    <p:sldId id="289" r:id="rId29"/>
-    <p:sldId id="291" r:id="rId30"/>
-    <p:sldId id="281" r:id="rId31"/>
+    <p:sldId id="296" r:id="rId14"/>
+    <p:sldId id="277" r:id="rId15"/>
+    <p:sldId id="283" r:id="rId16"/>
+    <p:sldId id="278" r:id="rId17"/>
+    <p:sldId id="270" r:id="rId18"/>
+    <p:sldId id="284" r:id="rId19"/>
+    <p:sldId id="279" r:id="rId20"/>
+    <p:sldId id="280" r:id="rId21"/>
+    <p:sldId id="292" r:id="rId22"/>
+    <p:sldId id="295" r:id="rId23"/>
+    <p:sldId id="261" r:id="rId24"/>
+    <p:sldId id="285" r:id="rId25"/>
+    <p:sldId id="286" r:id="rId26"/>
+    <p:sldId id="290" r:id="rId27"/>
+    <p:sldId id="288" r:id="rId28"/>
+    <p:sldId id="287" r:id="rId29"/>
+    <p:sldId id="289" r:id="rId30"/>
+    <p:sldId id="291" r:id="rId31"/>
+    <p:sldId id="281" r:id="rId32"/>
   </p:sldIdLst>
   <p:sldSz cx="9144000" cy="5143500" type="screen16x9"/>
   <p:notesSz cx="6858000" cy="9144000"/>
@@ -1350,7 +1351,7 @@
     </p:spTree>
     <p:extLst>
       <p:ext uri="{BB962C8B-B14F-4D97-AF65-F5344CB8AC3E}">
-        <p14:creationId xmlns:p14="http://schemas.microsoft.com/office/powerpoint/2010/main" val="988342255"/>
+        <p14:creationId xmlns:p14="http://schemas.microsoft.com/office/powerpoint/2010/main" val="2262213139"/>
       </p:ext>
     </p:extLst>
   </p:cSld>
@@ -1475,7 +1476,7 @@
     </p:spTree>
     <p:extLst>
       <p:ext uri="{BB962C8B-B14F-4D97-AF65-F5344CB8AC3E}">
-        <p14:creationId xmlns:p14="http://schemas.microsoft.com/office/powerpoint/2010/main" val="3249866708"/>
+        <p14:creationId xmlns:p14="http://schemas.microsoft.com/office/powerpoint/2010/main" val="988342255"/>
       </p:ext>
     </p:extLst>
   </p:cSld>
@@ -1600,7 +1601,7 @@
     </p:spTree>
     <p:extLst>
       <p:ext uri="{BB962C8B-B14F-4D97-AF65-F5344CB8AC3E}">
-        <p14:creationId xmlns:p14="http://schemas.microsoft.com/office/powerpoint/2010/main" val="3169816372"/>
+        <p14:creationId xmlns:p14="http://schemas.microsoft.com/office/powerpoint/2010/main" val="3249866708"/>
       </p:ext>
     </p:extLst>
   </p:cSld>
@@ -1725,7 +1726,7 @@
     </p:spTree>
     <p:extLst>
       <p:ext uri="{BB962C8B-B14F-4D97-AF65-F5344CB8AC3E}">
-        <p14:creationId xmlns:p14="http://schemas.microsoft.com/office/powerpoint/2010/main" val="1302580726"/>
+        <p14:creationId xmlns:p14="http://schemas.microsoft.com/office/powerpoint/2010/main" val="3169816372"/>
       </p:ext>
     </p:extLst>
   </p:cSld>
@@ -1850,7 +1851,7 @@
     </p:spTree>
     <p:extLst>
       <p:ext uri="{BB962C8B-B14F-4D97-AF65-F5344CB8AC3E}">
-        <p14:creationId xmlns:p14="http://schemas.microsoft.com/office/powerpoint/2010/main" val="1067953188"/>
+        <p14:creationId xmlns:p14="http://schemas.microsoft.com/office/powerpoint/2010/main" val="1302580726"/>
       </p:ext>
     </p:extLst>
   </p:cSld>
@@ -1975,7 +1976,7 @@
     </p:spTree>
     <p:extLst>
       <p:ext uri="{BB962C8B-B14F-4D97-AF65-F5344CB8AC3E}">
-        <p14:creationId xmlns:p14="http://schemas.microsoft.com/office/powerpoint/2010/main" val="1078611158"/>
+        <p14:creationId xmlns:p14="http://schemas.microsoft.com/office/powerpoint/2010/main" val="1067953188"/>
       </p:ext>
     </p:extLst>
   </p:cSld>
@@ -2100,7 +2101,7 @@
     </p:spTree>
     <p:extLst>
       <p:ext uri="{BB962C8B-B14F-4D97-AF65-F5344CB8AC3E}">
-        <p14:creationId xmlns:p14="http://schemas.microsoft.com/office/powerpoint/2010/main" val="1446919248"/>
+        <p14:creationId xmlns:p14="http://schemas.microsoft.com/office/powerpoint/2010/main" val="1078611158"/>
       </p:ext>
     </p:extLst>
   </p:cSld>
@@ -2234,7 +2235,7 @@
   <p:cSld>
     <p:spTree>
       <p:nvGrpSpPr>
-        <p:cNvPr id="1" name="Shape 50"/>
+        <p:cNvPr id="1" name="Shape 62"/>
         <p:cNvGrpSpPr/>
         <p:nvPr/>
       </p:nvGrpSpPr>
@@ -2248,7 +2249,7 @@
       </p:grpSpPr>
       <p:sp>
         <p:nvSpPr>
-          <p:cNvPr id="51" name="Google Shape;51;p:notes"/>
+          <p:cNvPr id="63" name="Google Shape;63;gf6254c5e42_0_5:notes"/>
           <p:cNvSpPr>
             <a:spLocks noGrp="1" noRot="1" noChangeAspect="1"/>
           </p:cNvSpPr>
@@ -2289,7 +2290,7 @@
       </p:sp>
       <p:sp>
         <p:nvSpPr>
-          <p:cNvPr id="52" name="Google Shape;52;p:notes"/>
+          <p:cNvPr id="64" name="Google Shape;64;gf6254c5e42_0_5:notes"/>
           <p:cNvSpPr txBox="1">
             <a:spLocks noGrp="1"/>
           </p:cNvSpPr>
@@ -2312,12 +2313,15 @@
           </a:bodyPr>
           <a:lstStyle/>
           <a:p>
-            <a:pPr marL="0" lvl="0" indent="0" algn="ctr" rtl="0">
-              <a:spcBef>
-                <a:spcPts val="0"/>
-              </a:spcBef>
-              <a:spcAft>
-                <a:spcPts val="0"/>
+            <a:pPr marL="0" lvl="0" indent="0" algn="l" rtl="0">
+              <a:lnSpc>
+                <a:spcPct val="115000"/>
+              </a:lnSpc>
+              <a:spcBef>
+                <a:spcPts val="0"/>
+              </a:spcBef>
+              <a:spcAft>
+                <a:spcPts val="1200"/>
               </a:spcAft>
               <a:buClr>
                 <a:schemeClr val="dk1"/>
@@ -2327,29 +2331,21 @@
               <a:buNone/>
             </a:pPr>
             <a:r>
-              <a:rPr lang="pt-BR" sz="1200">
-                <a:solidFill>
-                  <a:schemeClr val="dk1"/>
-                </a:solidFill>
-              </a:rPr>
-              <a:t>Título do Projeto + </a:t>
-            </a:r>
-            <a:r>
-              <a:rPr lang="pt-BR" sz="1200">
+              <a:rPr lang="pt-BR" sz="1800">
                 <a:solidFill>
                   <a:srgbClr val="595959"/>
                 </a:solidFill>
               </a:rPr>
-              <a:t>membro(s)</a:t>
+              <a:t>Como resolver o problema ou confirmar/refutar a hipótese?</a:t>
             </a:r>
-            <a:endParaRPr sz="1200"/>
+            <a:endParaRPr/>
           </a:p>
         </p:txBody>
       </p:sp>
     </p:spTree>
     <p:extLst>
       <p:ext uri="{BB962C8B-B14F-4D97-AF65-F5344CB8AC3E}">
-        <p14:creationId xmlns:p14="http://schemas.microsoft.com/office/powerpoint/2010/main" val="734116320"/>
+        <p14:creationId xmlns:p14="http://schemas.microsoft.com/office/powerpoint/2010/main" val="1446919248"/>
       </p:ext>
     </p:extLst>
   </p:cSld>
@@ -2479,7 +2475,7 @@
     </p:spTree>
     <p:extLst>
       <p:ext uri="{BB962C8B-B14F-4D97-AF65-F5344CB8AC3E}">
-        <p14:creationId xmlns:p14="http://schemas.microsoft.com/office/powerpoint/2010/main" val="3067299365"/>
+        <p14:creationId xmlns:p14="http://schemas.microsoft.com/office/powerpoint/2010/main" val="734116320"/>
       </p:ext>
     </p:extLst>
   </p:cSld>
@@ -2494,7 +2490,7 @@
   <p:cSld>
     <p:spTree>
       <p:nvGrpSpPr>
-        <p:cNvPr id="1" name="Shape 80"/>
+        <p:cNvPr id="1" name="Shape 50"/>
         <p:cNvGrpSpPr/>
         <p:nvPr/>
       </p:nvGrpSpPr>
@@ -2508,7 +2504,7 @@
       </p:grpSpPr>
       <p:sp>
         <p:nvSpPr>
-          <p:cNvPr id="81" name="Google Shape;81;gf6254c5e42_0_30:notes"/>
+          <p:cNvPr id="51" name="Google Shape;51;p:notes"/>
           <p:cNvSpPr>
             <a:spLocks noGrp="1" noRot="1" noChangeAspect="1"/>
           </p:cNvSpPr>
@@ -2549,7 +2545,7 @@
       </p:sp>
       <p:sp>
         <p:nvSpPr>
-          <p:cNvPr id="82" name="Google Shape;82;gf6254c5e42_0_30:notes"/>
+          <p:cNvPr id="52" name="Google Shape;52;p:notes"/>
           <p:cNvSpPr txBox="1">
             <a:spLocks noGrp="1"/>
           </p:cNvSpPr>
@@ -2572,31 +2568,46 @@
           </a:bodyPr>
           <a:lstStyle/>
           <a:p>
-            <a:pPr marL="457200" lvl="0" indent="0" algn="l" rtl="0">
-              <a:lnSpc>
-                <a:spcPct val="115000"/>
-              </a:lnSpc>
-              <a:spcBef>
-                <a:spcPts val="0"/>
-              </a:spcBef>
-              <a:spcAft>
-                <a:spcPts val="1200"/>
-              </a:spcAft>
+            <a:pPr marL="0" lvl="0" indent="0" algn="ctr" rtl="0">
+              <a:spcBef>
+                <a:spcPts val="0"/>
+              </a:spcBef>
+              <a:spcAft>
+                <a:spcPts val="0"/>
+              </a:spcAft>
+              <a:buClr>
+                <a:schemeClr val="dk1"/>
+              </a:buClr>
+              <a:buSzPts val="1100"/>
+              <a:buFont typeface="Arial"/>
               <a:buNone/>
             </a:pPr>
             <a:r>
-              <a:rPr lang="pt-BR" sz="1800">
+              <a:rPr lang="pt-BR" sz="1200">
+                <a:solidFill>
+                  <a:schemeClr val="dk1"/>
+                </a:solidFill>
+              </a:rPr>
+              <a:t>Título do Projeto + </a:t>
+            </a:r>
+            <a:r>
+              <a:rPr lang="pt-BR" sz="1200">
                 <a:solidFill>
                   <a:srgbClr val="595959"/>
                 </a:solidFill>
               </a:rPr>
-              <a:t>Link para o github</a:t>
+              <a:t>membro(s)</a:t>
             </a:r>
-            <a:endParaRPr/>
+            <a:endParaRPr sz="1200"/>
           </a:p>
         </p:txBody>
       </p:sp>
     </p:spTree>
+    <p:extLst>
+      <p:ext uri="{BB962C8B-B14F-4D97-AF65-F5344CB8AC3E}">
+        <p14:creationId xmlns:p14="http://schemas.microsoft.com/office/powerpoint/2010/main" val="3067299365"/>
+      </p:ext>
+    </p:extLst>
   </p:cSld>
   <p:clrMapOvr>
     <a:masterClrMapping/>
@@ -2712,11 +2723,6 @@
         </p:txBody>
       </p:sp>
     </p:spTree>
-    <p:extLst>
-      <p:ext uri="{BB962C8B-B14F-4D97-AF65-F5344CB8AC3E}">
-        <p14:creationId xmlns:p14="http://schemas.microsoft.com/office/powerpoint/2010/main" val="1212036858"/>
-      </p:ext>
-    </p:extLst>
   </p:cSld>
   <p:clrMapOvr>
     <a:masterClrMapping/>
@@ -2834,7 +2840,7 @@
     </p:spTree>
     <p:extLst>
       <p:ext uri="{BB962C8B-B14F-4D97-AF65-F5344CB8AC3E}">
-        <p14:creationId xmlns:p14="http://schemas.microsoft.com/office/powerpoint/2010/main" val="897458232"/>
+        <p14:creationId xmlns:p14="http://schemas.microsoft.com/office/powerpoint/2010/main" val="1212036858"/>
       </p:ext>
     </p:extLst>
   </p:cSld>
@@ -2954,7 +2960,7 @@
     </p:spTree>
     <p:extLst>
       <p:ext uri="{BB962C8B-B14F-4D97-AF65-F5344CB8AC3E}">
-        <p14:creationId xmlns:p14="http://schemas.microsoft.com/office/powerpoint/2010/main" val="331900894"/>
+        <p14:creationId xmlns:p14="http://schemas.microsoft.com/office/powerpoint/2010/main" val="897458232"/>
       </p:ext>
     </p:extLst>
   </p:cSld>
@@ -3074,7 +3080,7 @@
     </p:spTree>
     <p:extLst>
       <p:ext uri="{BB962C8B-B14F-4D97-AF65-F5344CB8AC3E}">
-        <p14:creationId xmlns:p14="http://schemas.microsoft.com/office/powerpoint/2010/main" val="455712853"/>
+        <p14:creationId xmlns:p14="http://schemas.microsoft.com/office/powerpoint/2010/main" val="331900894"/>
       </p:ext>
     </p:extLst>
   </p:cSld>
@@ -3194,7 +3200,7 @@
     </p:spTree>
     <p:extLst>
       <p:ext uri="{BB962C8B-B14F-4D97-AF65-F5344CB8AC3E}">
-        <p14:creationId xmlns:p14="http://schemas.microsoft.com/office/powerpoint/2010/main" val="2481974844"/>
+        <p14:creationId xmlns:p14="http://schemas.microsoft.com/office/powerpoint/2010/main" val="455712853"/>
       </p:ext>
     </p:extLst>
   </p:cSld>
@@ -3314,7 +3320,7 @@
     </p:spTree>
     <p:extLst>
       <p:ext uri="{BB962C8B-B14F-4D97-AF65-F5344CB8AC3E}">
-        <p14:creationId xmlns:p14="http://schemas.microsoft.com/office/powerpoint/2010/main" val="3468540351"/>
+        <p14:creationId xmlns:p14="http://schemas.microsoft.com/office/powerpoint/2010/main" val="2481974844"/>
       </p:ext>
     </p:extLst>
   </p:cSld>
@@ -3434,7 +3440,7 @@
     </p:spTree>
     <p:extLst>
       <p:ext uri="{BB962C8B-B14F-4D97-AF65-F5344CB8AC3E}">
-        <p14:creationId xmlns:p14="http://schemas.microsoft.com/office/powerpoint/2010/main" val="3291798661"/>
+        <p14:creationId xmlns:p14="http://schemas.microsoft.com/office/powerpoint/2010/main" val="3468540351"/>
       </p:ext>
     </p:extLst>
   </p:cSld>
@@ -3565,6 +3571,126 @@
 </file>
 
 <file path=ppt/notesSlides/notesSlide30.xml><?xml version="1.0" encoding="utf-8"?>
+<p:notes xmlns:a="http://schemas.openxmlformats.org/drawingml/2006/main" xmlns:r="http://schemas.openxmlformats.org/officeDocument/2006/relationships" xmlns:p="http://schemas.openxmlformats.org/presentationml/2006/main" showMasterSp="0" showMasterPhAnim="0">
+  <p:cSld>
+    <p:spTree>
+      <p:nvGrpSpPr>
+        <p:cNvPr id="1" name="Shape 80"/>
+        <p:cNvGrpSpPr/>
+        <p:nvPr/>
+      </p:nvGrpSpPr>
+      <p:grpSpPr>
+        <a:xfrm>
+          <a:off x="0" y="0"/>
+          <a:ext cx="0" cy="0"/>
+          <a:chOff x="0" y="0"/>
+          <a:chExt cx="0" cy="0"/>
+        </a:xfrm>
+      </p:grpSpPr>
+      <p:sp>
+        <p:nvSpPr>
+          <p:cNvPr id="81" name="Google Shape;81;gf6254c5e42_0_30:notes"/>
+          <p:cNvSpPr>
+            <a:spLocks noGrp="1" noRot="1" noChangeAspect="1"/>
+          </p:cNvSpPr>
+          <p:nvPr>
+            <p:ph type="sldImg" idx="2"/>
+          </p:nvPr>
+        </p:nvSpPr>
+        <p:spPr>
+          <a:xfrm>
+            <a:off x="381000" y="685800"/>
+            <a:ext cx="6096000" cy="3429000"/>
+          </a:xfrm>
+          <a:custGeom>
+            <a:avLst/>
+            <a:gdLst/>
+            <a:ahLst/>
+            <a:cxnLst/>
+            <a:rect l="l" t="t" r="r" b="b"/>
+            <a:pathLst>
+              <a:path w="120000" h="120000" extrusionOk="0">
+                <a:moveTo>
+                  <a:pt x="0" y="0"/>
+                </a:moveTo>
+                <a:lnTo>
+                  <a:pt x="120000" y="0"/>
+                </a:lnTo>
+                <a:lnTo>
+                  <a:pt x="120000" y="120000"/>
+                </a:lnTo>
+                <a:lnTo>
+                  <a:pt x="0" y="120000"/>
+                </a:lnTo>
+                <a:close/>
+              </a:path>
+            </a:pathLst>
+          </a:custGeom>
+        </p:spPr>
+      </p:sp>
+      <p:sp>
+        <p:nvSpPr>
+          <p:cNvPr id="82" name="Google Shape;82;gf6254c5e42_0_30:notes"/>
+          <p:cNvSpPr txBox="1">
+            <a:spLocks noGrp="1"/>
+          </p:cNvSpPr>
+          <p:nvPr>
+            <p:ph type="body" idx="1"/>
+          </p:nvPr>
+        </p:nvSpPr>
+        <p:spPr>
+          <a:xfrm>
+            <a:off x="685800" y="4343400"/>
+            <a:ext cx="5486400" cy="4114800"/>
+          </a:xfrm>
+          <a:prstGeom prst="rect">
+            <a:avLst/>
+          </a:prstGeom>
+        </p:spPr>
+        <p:txBody>
+          <a:bodyPr spcFirstLastPara="1" wrap="square" lIns="91425" tIns="91425" rIns="91425" bIns="91425" anchor="t" anchorCtr="0">
+            <a:noAutofit/>
+          </a:bodyPr>
+          <a:lstStyle/>
+          <a:p>
+            <a:pPr marL="457200" lvl="0" indent="0" algn="l" rtl="0">
+              <a:lnSpc>
+                <a:spcPct val="115000"/>
+              </a:lnSpc>
+              <a:spcBef>
+                <a:spcPts val="0"/>
+              </a:spcBef>
+              <a:spcAft>
+                <a:spcPts val="1200"/>
+              </a:spcAft>
+              <a:buNone/>
+            </a:pPr>
+            <a:r>
+              <a:rPr lang="pt-BR" sz="1800">
+                <a:solidFill>
+                  <a:srgbClr val="595959"/>
+                </a:solidFill>
+              </a:rPr>
+              <a:t>Link para o github</a:t>
+            </a:r>
+            <a:endParaRPr/>
+          </a:p>
+        </p:txBody>
+      </p:sp>
+    </p:spTree>
+    <p:extLst>
+      <p:ext uri="{BB962C8B-B14F-4D97-AF65-F5344CB8AC3E}">
+        <p14:creationId xmlns:p14="http://schemas.microsoft.com/office/powerpoint/2010/main" val="3291798661"/>
+      </p:ext>
+    </p:extLst>
+  </p:cSld>
+  <p:clrMapOvr>
+    <a:masterClrMapping/>
+  </p:clrMapOvr>
+</p:notes>
+</file>
+
+<file path=ppt/notesSlides/notesSlide31.xml><?xml version="1.0" encoding="utf-8"?>
 <p:notes xmlns:a="http://schemas.openxmlformats.org/drawingml/2006/main" xmlns:r="http://schemas.openxmlformats.org/officeDocument/2006/relationships" xmlns:p="http://schemas.openxmlformats.org/presentationml/2006/main" showMasterSp="0" showMasterPhAnim="0">
   <p:cSld>
     <p:spTree>
@@ -11057,11 +11183,17 @@
           <p:cNvGraphicFramePr>
             <a:graphicFrameLocks noGrp="1"/>
           </p:cNvGraphicFramePr>
-          <p:nvPr/>
+          <p:nvPr>
+            <p:extLst>
+              <p:ext uri="{D42A27DB-BD31-4B8C-83A1-F6EECF244321}">
+                <p14:modId xmlns:p14="http://schemas.microsoft.com/office/powerpoint/2010/main" val="983842663"/>
+              </p:ext>
+            </p:extLst>
+          </p:nvPr>
         </p:nvGraphicFramePr>
         <p:xfrm>
-          <a:off x="3765127" y="3998264"/>
-          <a:ext cx="5452541" cy="1049497"/>
+          <a:off x="3732471" y="3924788"/>
+          <a:ext cx="5378873" cy="1201897"/>
         </p:xfrm>
         <a:graphic>
           <a:graphicData uri="http://schemas.openxmlformats.org/drawingml/2006/table">
@@ -11070,14 +11202,14 @@
                 <a:tableStyleId>{5C22544A-7EE6-4342-B048-85BDC9FD1C3A}</a:tableStyleId>
               </a:tblPr>
               <a:tblGrid>
-                <a:gridCol w="905583">
+                <a:gridCol w="893348">
                   <a:extLst>
                     <a:ext uri="{9D8B030D-6E8A-4147-A177-3AD203B41FA5}">
                       <a16:colId xmlns:a16="http://schemas.microsoft.com/office/drawing/2014/main" val="1158550172"/>
                     </a:ext>
                   </a:extLst>
                 </a:gridCol>
-                <a:gridCol w="4546958">
+                <a:gridCol w="4485525">
                   <a:extLst>
                     <a:ext uri="{9D8B030D-6E8A-4147-A177-3AD203B41FA5}">
                       <a16:colId xmlns:a16="http://schemas.microsoft.com/office/drawing/2014/main" val="2619315378"/>
@@ -11222,12 +11354,30 @@
                     <a:p>
                       <a:pPr algn="l" fontAlgn="b"/>
                       <a:r>
-                        <a:rPr lang="pt-BR" sz="1000" u="none" strike="noStrike">
-                          <a:effectLst/>
-                        </a:rPr>
-                        <a:t>Best Matching</a:t>
-                      </a:r>
-                      <a:endParaRPr lang="pt-BR" sz="1000" b="0" i="0" u="none" strike="noStrike">
+                        <a:rPr lang="pt-BR" sz="1000" u="none" strike="noStrike" dirty="0">
+                          <a:effectLst/>
+                        </a:rPr>
+                        <a:t>Best </a:t>
+                      </a:r>
+                      <a:r>
+                        <a:rPr lang="pt-BR" sz="1000" u="none" strike="noStrike" dirty="0" err="1">
+                          <a:effectLst/>
+                        </a:rPr>
+                        <a:t>Matching</a:t>
+                      </a:r>
+                      <a:r>
+                        <a:rPr lang="pt-BR" sz="1000" u="none" strike="noStrike" dirty="0">
+                          <a:effectLst/>
+                        </a:rPr>
+                        <a:t> </a:t>
+                      </a:r>
+                      <a:r>
+                        <a:rPr lang="en-US" sz="1000" u="none" strike="noStrike" dirty="0">
+                          <a:effectLst/>
+                        </a:rPr>
+                        <a:t>based on probabilistic relevance model by (Robertson and Jones, 1976).</a:t>
+                      </a:r>
+                      <a:endParaRPr lang="pt-BR" sz="1000" b="0" i="0" u="none" strike="noStrike" dirty="0">
                         <a:solidFill>
                           <a:srgbClr val="000000"/>
                         </a:solidFill>
@@ -11500,6 +11650,895 @@
 </file>
 
 <file path=ppt/slides/slide13.xml><?xml version="1.0" encoding="utf-8"?>
+<p:sld xmlns:a="http://schemas.openxmlformats.org/drawingml/2006/main" xmlns:r="http://schemas.openxmlformats.org/officeDocument/2006/relationships" xmlns:p="http://schemas.openxmlformats.org/presentationml/2006/main">
+  <p:cSld>
+    <p:spTree>
+      <p:nvGrpSpPr>
+        <p:cNvPr id="1" name="Shape 65"/>
+        <p:cNvGrpSpPr/>
+        <p:nvPr/>
+      </p:nvGrpSpPr>
+      <p:grpSpPr>
+        <a:xfrm>
+          <a:off x="0" y="0"/>
+          <a:ext cx="0" cy="0"/>
+          <a:chOff x="0" y="0"/>
+          <a:chExt cx="0" cy="0"/>
+        </a:xfrm>
+      </p:grpSpPr>
+      <p:sp>
+        <p:nvSpPr>
+          <p:cNvPr id="3" name="Espaço Reservado para Texto 2">
+            <a:extLst>
+              <a:ext uri="{FF2B5EF4-FFF2-40B4-BE49-F238E27FC236}">
+                <a16:creationId xmlns:a16="http://schemas.microsoft.com/office/drawing/2014/main" id="{DC5B0E1F-9176-4AA7-A701-2CBEED3B9B06}"/>
+              </a:ext>
+            </a:extLst>
+          </p:cNvPr>
+          <p:cNvSpPr>
+            <a:spLocks noGrp="1"/>
+          </p:cNvSpPr>
+          <p:nvPr>
+            <p:ph type="body" idx="1"/>
+          </p:nvPr>
+        </p:nvSpPr>
+        <p:spPr>
+          <a:xfrm>
+            <a:off x="678828" y="167943"/>
+            <a:ext cx="7852851" cy="562187"/>
+          </a:xfrm>
+        </p:spPr>
+        <p:txBody>
+          <a:bodyPr>
+            <a:normAutofit fontScale="70000" lnSpcReduction="20000"/>
+          </a:bodyPr>
+          <a:lstStyle/>
+          <a:p>
+            <a:pPr marL="114300" indent="0">
+              <a:buNone/>
+            </a:pPr>
+            <a:r>
+              <a:rPr lang="pt-BR" sz="2400" dirty="0">
+                <a:solidFill>
+                  <a:srgbClr val="000000"/>
+                </a:solidFill>
+                <a:latin typeface="Verdana" panose="020B0604030504040204" pitchFamily="34" charset="0"/>
+              </a:rPr>
+              <a:t>Contextos de pesquisa: modelo evolui com o amadurecimento</a:t>
+            </a:r>
+          </a:p>
+          <a:p>
+            <a:pPr marL="114300" indent="0">
+              <a:buNone/>
+            </a:pPr>
+            <a:endParaRPr lang="pt-BR" sz="2400" dirty="0">
+              <a:solidFill>
+                <a:srgbClr val="000000"/>
+              </a:solidFill>
+              <a:latin typeface="Verdana" panose="020B0604030504040204" pitchFamily="34" charset="0"/>
+            </a:endParaRPr>
+          </a:p>
+          <a:p>
+            <a:pPr marL="114300" indent="0">
+              <a:buNone/>
+            </a:pPr>
+            <a:endParaRPr lang="pt-BR" sz="2400" dirty="0">
+              <a:solidFill>
+                <a:srgbClr val="000000"/>
+              </a:solidFill>
+              <a:latin typeface="Verdana" panose="020B0604030504040204" pitchFamily="34" charset="0"/>
+            </a:endParaRPr>
+          </a:p>
+          <a:p>
+            <a:pPr marL="114300" indent="0">
+              <a:buNone/>
+            </a:pPr>
+            <a:endParaRPr lang="pt-BR" sz="2400" dirty="0">
+              <a:solidFill>
+                <a:srgbClr val="000000"/>
+              </a:solidFill>
+              <a:latin typeface="Verdana" panose="020B0604030504040204" pitchFamily="34" charset="0"/>
+            </a:endParaRPr>
+          </a:p>
+          <a:p>
+            <a:pPr marL="114300" indent="0">
+              <a:buNone/>
+            </a:pPr>
+            <a:endParaRPr lang="pt-BR" sz="2400" dirty="0">
+              <a:solidFill>
+                <a:srgbClr val="000000"/>
+              </a:solidFill>
+              <a:latin typeface="Verdana" panose="020B0604030504040204" pitchFamily="34" charset="0"/>
+            </a:endParaRPr>
+          </a:p>
+          <a:p>
+            <a:pPr marL="114300" indent="0">
+              <a:buNone/>
+            </a:pPr>
+            <a:endParaRPr lang="pt-BR" sz="2400" dirty="0">
+              <a:solidFill>
+                <a:srgbClr val="000000"/>
+              </a:solidFill>
+              <a:latin typeface="Verdana" panose="020B0604030504040204" pitchFamily="34" charset="0"/>
+            </a:endParaRPr>
+          </a:p>
+          <a:p>
+            <a:pPr marL="114300" indent="0">
+              <a:buNone/>
+            </a:pPr>
+            <a:endParaRPr lang="pt-BR" sz="2400" dirty="0">
+              <a:solidFill>
+                <a:srgbClr val="000000"/>
+              </a:solidFill>
+              <a:latin typeface="Verdana" panose="020B0604030504040204" pitchFamily="34" charset="0"/>
+            </a:endParaRPr>
+          </a:p>
+          <a:p>
+            <a:pPr marL="114300" indent="0">
+              <a:buNone/>
+            </a:pPr>
+            <a:endParaRPr lang="pt-BR" sz="2400" dirty="0">
+              <a:solidFill>
+                <a:srgbClr val="000000"/>
+              </a:solidFill>
+              <a:latin typeface="Verdana" panose="020B0604030504040204" pitchFamily="34" charset="0"/>
+            </a:endParaRPr>
+          </a:p>
+          <a:p>
+            <a:pPr marL="114300" indent="0">
+              <a:buNone/>
+            </a:pPr>
+            <a:endParaRPr lang="pt-BR" sz="2400" dirty="0">
+              <a:solidFill>
+                <a:srgbClr val="000000"/>
+              </a:solidFill>
+              <a:latin typeface="Verdana" panose="020B0604030504040204" pitchFamily="34" charset="0"/>
+            </a:endParaRPr>
+          </a:p>
+        </p:txBody>
+      </p:sp>
+      <p:pic>
+        <p:nvPicPr>
+          <p:cNvPr id="7" name="Imagem 6">
+            <a:extLst>
+              <a:ext uri="{FF2B5EF4-FFF2-40B4-BE49-F238E27FC236}">
+                <a16:creationId xmlns:a16="http://schemas.microsoft.com/office/drawing/2014/main" id="{BA6FC271-60AE-490A-82BE-0A6D926741BD}"/>
+              </a:ext>
+            </a:extLst>
+          </p:cNvPr>
+          <p:cNvPicPr>
+            <a:picLocks noChangeAspect="1"/>
+          </p:cNvPicPr>
+          <p:nvPr/>
+        </p:nvPicPr>
+        <p:blipFill>
+          <a:blip r:embed="rId3"/>
+          <a:stretch>
+            <a:fillRect/>
+          </a:stretch>
+        </p:blipFill>
+        <p:spPr>
+          <a:xfrm>
+            <a:off x="198663" y="857250"/>
+            <a:ext cx="3369129" cy="3616779"/>
+          </a:xfrm>
+          <a:prstGeom prst="rect">
+            <a:avLst/>
+          </a:prstGeom>
+        </p:spPr>
+      </p:pic>
+      <p:cxnSp>
+        <p:nvCxnSpPr>
+          <p:cNvPr id="8" name="Conector de Seta Reta 7">
+            <a:extLst>
+              <a:ext uri="{FF2B5EF4-FFF2-40B4-BE49-F238E27FC236}">
+                <a16:creationId xmlns:a16="http://schemas.microsoft.com/office/drawing/2014/main" id="{2F3BF97E-4FF4-44F2-86CF-E0981011EDA6}"/>
+              </a:ext>
+            </a:extLst>
+          </p:cNvPr>
+          <p:cNvCxnSpPr>
+            <a:cxnSpLocks/>
+          </p:cNvCxnSpPr>
+          <p:nvPr/>
+        </p:nvCxnSpPr>
+        <p:spPr>
+          <a:xfrm>
+            <a:off x="2955471" y="4474029"/>
+            <a:ext cx="710293" cy="216536"/>
+          </a:xfrm>
+          <a:prstGeom prst="straightConnector1">
+            <a:avLst/>
+          </a:prstGeom>
+          <a:ln>
+            <a:prstDash val="sysDot"/>
+            <a:tailEnd type="triangle"/>
+          </a:ln>
+        </p:spPr>
+        <p:style>
+          <a:lnRef idx="1">
+            <a:schemeClr val="accent1"/>
+          </a:lnRef>
+          <a:fillRef idx="0">
+            <a:schemeClr val="accent1"/>
+          </a:fillRef>
+          <a:effectRef idx="0">
+            <a:schemeClr val="accent1"/>
+          </a:effectRef>
+          <a:fontRef idx="minor">
+            <a:schemeClr val="tx1"/>
+          </a:fontRef>
+        </p:style>
+      </p:cxnSp>
+      <p:sp>
+        <p:nvSpPr>
+          <p:cNvPr id="2" name="Retângulo 1" descr="Modelo">
+            <a:extLst>
+              <a:ext uri="{FF2B5EF4-FFF2-40B4-BE49-F238E27FC236}">
+                <a16:creationId xmlns:a16="http://schemas.microsoft.com/office/drawing/2014/main" id="{1D907C84-79A9-40A3-933D-06C98C888AEF}"/>
+              </a:ext>
+            </a:extLst>
+          </p:cNvPr>
+          <p:cNvSpPr/>
+          <p:nvPr/>
+        </p:nvSpPr>
+        <p:spPr>
+          <a:xfrm>
+            <a:off x="1649186" y="4690565"/>
+            <a:ext cx="865414" cy="434940"/>
+          </a:xfrm>
+          <a:prstGeom prst="rect">
+            <a:avLst/>
+          </a:prstGeom>
+          <a:solidFill>
+            <a:schemeClr val="accent6">
+              <a:lumMod val="50000"/>
+            </a:schemeClr>
+          </a:solidFill>
+        </p:spPr>
+        <p:style>
+          <a:lnRef idx="2">
+            <a:schemeClr val="accent1">
+              <a:shade val="50000"/>
+            </a:schemeClr>
+          </a:lnRef>
+          <a:fillRef idx="1">
+            <a:schemeClr val="accent1"/>
+          </a:fillRef>
+          <a:effectRef idx="0">
+            <a:schemeClr val="accent1"/>
+          </a:effectRef>
+          <a:fontRef idx="minor">
+            <a:schemeClr val="lt1"/>
+          </a:fontRef>
+        </p:style>
+        <p:txBody>
+          <a:bodyPr rtlCol="0" anchor="ctr"/>
+          <a:lstStyle/>
+          <a:p>
+            <a:pPr algn="ctr"/>
+            <a:r>
+              <a:rPr lang="pt-BR" dirty="0"/>
+              <a:t>Model</a:t>
+            </a:r>
+          </a:p>
+        </p:txBody>
+      </p:sp>
+      <p:cxnSp>
+        <p:nvCxnSpPr>
+          <p:cNvPr id="5" name="Conector de Seta Reta 4">
+            <a:extLst>
+              <a:ext uri="{FF2B5EF4-FFF2-40B4-BE49-F238E27FC236}">
+                <a16:creationId xmlns:a16="http://schemas.microsoft.com/office/drawing/2014/main" id="{36C9EC24-1F4D-4394-84A7-D401801C5D3E}"/>
+              </a:ext>
+            </a:extLst>
+          </p:cNvPr>
+          <p:cNvCxnSpPr>
+            <a:cxnSpLocks/>
+          </p:cNvCxnSpPr>
+          <p:nvPr/>
+        </p:nvCxnSpPr>
+        <p:spPr>
+          <a:xfrm flipH="1">
+            <a:off x="2218645" y="4457696"/>
+            <a:ext cx="338818" cy="208377"/>
+          </a:xfrm>
+          <a:prstGeom prst="straightConnector1">
+            <a:avLst/>
+          </a:prstGeom>
+          <a:ln>
+            <a:tailEnd type="triangle"/>
+          </a:ln>
+        </p:spPr>
+        <p:style>
+          <a:lnRef idx="1">
+            <a:schemeClr val="accent1"/>
+          </a:lnRef>
+          <a:fillRef idx="0">
+            <a:schemeClr val="accent1"/>
+          </a:fillRef>
+          <a:effectRef idx="0">
+            <a:schemeClr val="accent1"/>
+          </a:effectRef>
+          <a:fontRef idx="minor">
+            <a:schemeClr val="tx1"/>
+          </a:fontRef>
+        </p:style>
+      </p:cxnSp>
+      <p:graphicFrame>
+        <p:nvGraphicFramePr>
+          <p:cNvPr id="13" name="Tabela 12">
+            <a:extLst>
+              <a:ext uri="{FF2B5EF4-FFF2-40B4-BE49-F238E27FC236}">
+                <a16:creationId xmlns:a16="http://schemas.microsoft.com/office/drawing/2014/main" id="{908C5DE2-A26F-4D07-B14C-24BDF161436B}"/>
+              </a:ext>
+            </a:extLst>
+          </p:cNvPr>
+          <p:cNvGraphicFramePr>
+            <a:graphicFrameLocks noGrp="1"/>
+          </p:cNvGraphicFramePr>
+          <p:nvPr>
+            <p:extLst>
+              <p:ext uri="{D42A27DB-BD31-4B8C-83A1-F6EECF244321}">
+                <p14:modId xmlns:p14="http://schemas.microsoft.com/office/powerpoint/2010/main" val="3610045724"/>
+              </p:ext>
+            </p:extLst>
+          </p:nvPr>
+        </p:nvGraphicFramePr>
+        <p:xfrm>
+          <a:off x="3732471" y="3924788"/>
+          <a:ext cx="5378873" cy="1201897"/>
+        </p:xfrm>
+        <a:graphic>
+          <a:graphicData uri="http://schemas.openxmlformats.org/drawingml/2006/table">
+            <a:tbl>
+              <a:tblPr>
+                <a:tableStyleId>{5C22544A-7EE6-4342-B048-85BDC9FD1C3A}</a:tableStyleId>
+              </a:tblPr>
+              <a:tblGrid>
+                <a:gridCol w="893348">
+                  <a:extLst>
+                    <a:ext uri="{9D8B030D-6E8A-4147-A177-3AD203B41FA5}">
+                      <a16:colId xmlns:a16="http://schemas.microsoft.com/office/drawing/2014/main" val="1158550172"/>
+                    </a:ext>
+                  </a:extLst>
+                </a:gridCol>
+                <a:gridCol w="4485525">
+                  <a:extLst>
+                    <a:ext uri="{9D8B030D-6E8A-4147-A177-3AD203B41FA5}">
+                      <a16:colId xmlns:a16="http://schemas.microsoft.com/office/drawing/2014/main" val="2619315378"/>
+                    </a:ext>
+                  </a:extLst>
+                </a:gridCol>
+              </a:tblGrid>
+              <a:tr h="156282">
+                <a:tc>
+                  <a:txBody>
+                    <a:bodyPr/>
+                    <a:lstStyle/>
+                    <a:p>
+                      <a:pPr algn="l" fontAlgn="b"/>
+                      <a:r>
+                        <a:rPr lang="pt-BR" sz="1000" b="1" u="none" strike="noStrike" dirty="0" err="1">
+                          <a:effectLst/>
+                        </a:rPr>
+                        <a:t>abbreviation</a:t>
+                      </a:r>
+                      <a:endParaRPr lang="pt-BR" sz="1000" b="1" i="0" u="none" strike="noStrike" dirty="0">
+                        <a:solidFill>
+                          <a:srgbClr val="FFFFFF"/>
+                        </a:solidFill>
+                        <a:effectLst/>
+                        <a:latin typeface="Calibri" panose="020F0502020204030204" pitchFamily="34" charset="0"/>
+                      </a:endParaRPr>
+                    </a:p>
+                  </a:txBody>
+                  <a:tcPr marL="5910" marR="5910" marT="5910" marB="0" anchor="b"/>
+                </a:tc>
+                <a:tc>
+                  <a:txBody>
+                    <a:bodyPr/>
+                    <a:lstStyle/>
+                    <a:p>
+                      <a:pPr algn="l" fontAlgn="b"/>
+                      <a:r>
+                        <a:rPr lang="pt-BR" sz="1000" b="1" u="none" strike="noStrike" dirty="0" err="1">
+                          <a:effectLst/>
+                        </a:rPr>
+                        <a:t>descr</a:t>
+                      </a:r>
+                      <a:endParaRPr lang="pt-BR" sz="1000" b="1" i="0" u="none" strike="noStrike" dirty="0">
+                        <a:solidFill>
+                          <a:srgbClr val="FFFFFF"/>
+                        </a:solidFill>
+                        <a:effectLst/>
+                        <a:latin typeface="Calibri" panose="020F0502020204030204" pitchFamily="34" charset="0"/>
+                      </a:endParaRPr>
+                    </a:p>
+                  </a:txBody>
+                  <a:tcPr marL="5910" marR="5910" marT="5910" marB="0" anchor="b"/>
+                </a:tc>
+                <a:extLst>
+                  <a:ext uri="{0D108BD9-81ED-4DB2-BD59-A6C34878D82A}">
+                    <a16:rowId xmlns:a16="http://schemas.microsoft.com/office/drawing/2014/main" val="2790168752"/>
+                  </a:ext>
+                </a:extLst>
+              </a:tr>
+              <a:tr h="263857">
+                <a:tc>
+                  <a:txBody>
+                    <a:bodyPr/>
+                    <a:lstStyle/>
+                    <a:p>
+                      <a:pPr algn="l" fontAlgn="b"/>
+                      <a:r>
+                        <a:rPr lang="pt-BR" sz="1000" u="none" strike="noStrike">
+                          <a:effectLst/>
+                        </a:rPr>
+                        <a:t>ReRank@1000</a:t>
+                      </a:r>
+                      <a:endParaRPr lang="pt-BR" sz="1000" b="0" i="0" u="none" strike="noStrike">
+                        <a:solidFill>
+                          <a:srgbClr val="000000"/>
+                        </a:solidFill>
+                        <a:effectLst/>
+                        <a:latin typeface="Calibri" panose="020F0502020204030204" pitchFamily="34" charset="0"/>
+                      </a:endParaRPr>
+                    </a:p>
+                  </a:txBody>
+                  <a:tcPr marL="5910" marR="5910" marT="5910" marB="0" anchor="b"/>
+                </a:tc>
+                <a:tc>
+                  <a:txBody>
+                    <a:bodyPr/>
+                    <a:lstStyle/>
+                    <a:p>
+                      <a:pPr algn="l" fontAlgn="b"/>
+                      <a:r>
+                        <a:rPr lang="en-US" sz="1000" u="none" strike="noStrike" dirty="0" err="1">
+                          <a:effectLst/>
+                        </a:rPr>
+                        <a:t>ReRank</a:t>
+                      </a:r>
+                      <a:r>
+                        <a:rPr lang="en-US" sz="1000" u="none" strike="noStrike" dirty="0">
+                          <a:effectLst/>
+                        </a:rPr>
+                        <a:t> using </a:t>
+                      </a:r>
+                      <a:r>
+                        <a:rPr lang="en-US" sz="1000" u="none" strike="noStrike" dirty="0">
+                          <a:solidFill>
+                            <a:schemeClr val="accent1"/>
+                          </a:solidFill>
+                          <a:effectLst/>
+                        </a:rPr>
+                        <a:t>MonoT5</a:t>
+                      </a:r>
+                      <a:r>
+                        <a:rPr lang="en-US" sz="1000" u="none" strike="noStrike" dirty="0">
+                          <a:effectLst/>
+                        </a:rPr>
+                        <a:t> over 1000 first retrieval using BM25 </a:t>
+                      </a:r>
+                      <a:endParaRPr lang="en-US" sz="1000" b="0" i="0" u="none" strike="noStrike" dirty="0">
+                        <a:solidFill>
+                          <a:srgbClr val="000000"/>
+                        </a:solidFill>
+                        <a:effectLst/>
+                        <a:latin typeface="Calibri" panose="020F0502020204030204" pitchFamily="34" charset="0"/>
+                      </a:endParaRPr>
+                    </a:p>
+                  </a:txBody>
+                  <a:tcPr marL="5910" marR="5910" marT="5910" marB="0" anchor="b"/>
+                </a:tc>
+                <a:extLst>
+                  <a:ext uri="{0D108BD9-81ED-4DB2-BD59-A6C34878D82A}">
+                    <a16:rowId xmlns:a16="http://schemas.microsoft.com/office/drawing/2014/main" val="86871933"/>
+                  </a:ext>
+                </a:extLst>
+              </a:tr>
+              <a:tr h="156282">
+                <a:tc>
+                  <a:txBody>
+                    <a:bodyPr/>
+                    <a:lstStyle/>
+                    <a:p>
+                      <a:pPr algn="l" fontAlgn="b"/>
+                      <a:r>
+                        <a:rPr lang="pt-BR" sz="1000" u="none" strike="noStrike">
+                          <a:effectLst/>
+                        </a:rPr>
+                        <a:t>BM25</a:t>
+                      </a:r>
+                      <a:endParaRPr lang="pt-BR" sz="1000" b="0" i="0" u="none" strike="noStrike">
+                        <a:solidFill>
+                          <a:srgbClr val="000000"/>
+                        </a:solidFill>
+                        <a:effectLst/>
+                        <a:latin typeface="Calibri" panose="020F0502020204030204" pitchFamily="34" charset="0"/>
+                      </a:endParaRPr>
+                    </a:p>
+                  </a:txBody>
+                  <a:tcPr marL="5910" marR="5910" marT="5910" marB="0" anchor="b"/>
+                </a:tc>
+                <a:tc>
+                  <a:txBody>
+                    <a:bodyPr/>
+                    <a:lstStyle/>
+                    <a:p>
+                      <a:pPr algn="l" fontAlgn="b"/>
+                      <a:r>
+                        <a:rPr lang="pt-BR" sz="1000" u="none" strike="noStrike" dirty="0">
+                          <a:effectLst/>
+                        </a:rPr>
+                        <a:t>Best </a:t>
+                      </a:r>
+                      <a:r>
+                        <a:rPr lang="pt-BR" sz="1000" u="none" strike="noStrike" dirty="0" err="1">
+                          <a:effectLst/>
+                        </a:rPr>
+                        <a:t>Matching</a:t>
+                      </a:r>
+                      <a:r>
+                        <a:rPr lang="pt-BR" sz="1000" u="none" strike="noStrike" dirty="0">
+                          <a:effectLst/>
+                        </a:rPr>
+                        <a:t> </a:t>
+                      </a:r>
+                      <a:r>
+                        <a:rPr lang="en-US" sz="1000" u="none" strike="noStrike" dirty="0">
+                          <a:effectLst/>
+                        </a:rPr>
+                        <a:t>based on </a:t>
+                      </a:r>
+                      <a:r>
+                        <a:rPr lang="en-US" sz="1000" u="none" strike="noStrike" dirty="0">
+                          <a:solidFill>
+                            <a:schemeClr val="accent1"/>
+                          </a:solidFill>
+                          <a:effectLst/>
+                        </a:rPr>
+                        <a:t>probabilistic relevance model by (Robertson and Jones, 1976)</a:t>
+                      </a:r>
+                      <a:r>
+                        <a:rPr lang="en-US" sz="1000" u="none" strike="noStrike" dirty="0">
+                          <a:effectLst/>
+                        </a:rPr>
+                        <a:t>.</a:t>
+                      </a:r>
+                      <a:endParaRPr lang="pt-BR" sz="1000" b="0" i="0" u="none" strike="noStrike" dirty="0">
+                        <a:solidFill>
+                          <a:srgbClr val="000000"/>
+                        </a:solidFill>
+                        <a:effectLst/>
+                        <a:latin typeface="Calibri" panose="020F0502020204030204" pitchFamily="34" charset="0"/>
+                      </a:endParaRPr>
+                    </a:p>
+                  </a:txBody>
+                  <a:tcPr marL="5910" marR="5910" marT="5910" marB="0" anchor="b"/>
+                </a:tc>
+                <a:extLst>
+                  <a:ext uri="{0D108BD9-81ED-4DB2-BD59-A6C34878D82A}">
+                    <a16:rowId xmlns:a16="http://schemas.microsoft.com/office/drawing/2014/main" val="1711625633"/>
+                  </a:ext>
+                </a:extLst>
+              </a:tr>
+              <a:tr h="306730">
+                <a:tc>
+                  <a:txBody>
+                    <a:bodyPr/>
+                    <a:lstStyle/>
+                    <a:p>
+                      <a:pPr algn="l" fontAlgn="b"/>
+                      <a:r>
+                        <a:rPr lang="pt-BR" sz="1000" u="none" strike="noStrike">
+                          <a:effectLst/>
+                        </a:rPr>
+                        <a:t>DPR</a:t>
+                      </a:r>
+                      <a:endParaRPr lang="pt-BR" sz="1000" b="0" i="0" u="none" strike="noStrike">
+                        <a:solidFill>
+                          <a:srgbClr val="000000"/>
+                        </a:solidFill>
+                        <a:effectLst/>
+                        <a:latin typeface="Calibri" panose="020F0502020204030204" pitchFamily="34" charset="0"/>
+                      </a:endParaRPr>
+                    </a:p>
+                  </a:txBody>
+                  <a:tcPr marL="5910" marR="5910" marT="5910" marB="0" anchor="b"/>
+                </a:tc>
+                <a:tc>
+                  <a:txBody>
+                    <a:bodyPr/>
+                    <a:lstStyle/>
+                    <a:p>
+                      <a:pPr algn="l" fontAlgn="b"/>
+                      <a:r>
+                        <a:rPr lang="pt-BR" sz="1000" u="none" strike="noStrike" dirty="0" err="1">
+                          <a:effectLst/>
+                        </a:rPr>
+                        <a:t>Dense</a:t>
+                      </a:r>
+                      <a:r>
+                        <a:rPr lang="pt-BR" sz="1000" u="none" strike="noStrike" dirty="0">
+                          <a:effectLst/>
+                        </a:rPr>
+                        <a:t> </a:t>
+                      </a:r>
+                      <a:r>
+                        <a:rPr lang="pt-BR" sz="1000" u="none" strike="noStrike" dirty="0" err="1">
+                          <a:effectLst/>
+                        </a:rPr>
+                        <a:t>Retrieval</a:t>
+                      </a:r>
+                      <a:r>
+                        <a:rPr lang="pt-BR" sz="1000" u="none" strike="noStrike" dirty="0">
+                          <a:effectLst/>
+                        </a:rPr>
+                        <a:t> </a:t>
+                      </a:r>
+                      <a:r>
+                        <a:rPr lang="pt-BR" sz="1000" u="none" strike="noStrike" dirty="0" err="1">
+                          <a:effectLst/>
+                        </a:rPr>
+                        <a:t>with</a:t>
+                      </a:r>
+                      <a:r>
+                        <a:rPr lang="pt-BR" sz="1000" u="none" strike="noStrike" dirty="0">
+                          <a:effectLst/>
+                        </a:rPr>
+                        <a:t> </a:t>
+                      </a:r>
+                      <a:r>
+                        <a:rPr lang="pt-BR" sz="1000" u="none" strike="noStrike" dirty="0" err="1">
+                          <a:effectLst/>
+                        </a:rPr>
+                        <a:t>haystack.retriever</a:t>
+                      </a:r>
+                      <a:r>
+                        <a:rPr lang="pt-BR" sz="1000" u="none" strike="noStrike" dirty="0">
+                          <a:effectLst/>
+                        </a:rPr>
+                        <a:t> </a:t>
+                      </a:r>
+                      <a:r>
+                        <a:rPr lang="pt-BR" sz="1000" u="none" strike="noStrike" dirty="0" err="1">
+                          <a:effectLst/>
+                        </a:rPr>
+                        <a:t>and</a:t>
+                      </a:r>
+                      <a:r>
+                        <a:rPr lang="pt-BR" sz="1000" u="none" strike="noStrike" dirty="0">
+                          <a:effectLst/>
+                        </a:rPr>
+                        <a:t> </a:t>
+                      </a:r>
+                      <a:r>
+                        <a:rPr lang="pt-BR" sz="1000" u="none" strike="noStrike" dirty="0">
+                          <a:solidFill>
+                            <a:schemeClr val="accent1"/>
+                          </a:solidFill>
+                          <a:effectLst/>
+                        </a:rPr>
+                        <a:t>model (</a:t>
+                      </a:r>
+                      <a:r>
+                        <a:rPr lang="pt-BR" sz="1000" u="none" strike="noStrike" dirty="0" err="1">
+                          <a:solidFill>
+                            <a:schemeClr val="accent1"/>
+                          </a:solidFill>
+                          <a:effectLst/>
+                        </a:rPr>
+                        <a:t>transformer</a:t>
+                      </a:r>
+                      <a:r>
+                        <a:rPr lang="pt-BR" sz="1000" u="none" strike="noStrike" dirty="0">
+                          <a:solidFill>
+                            <a:schemeClr val="accent1"/>
+                          </a:solidFill>
+                          <a:effectLst/>
+                        </a:rPr>
+                        <a:t>): </a:t>
+                      </a:r>
+                      <a:r>
+                        <a:rPr lang="pt-BR" sz="1000" u="none" strike="noStrike" dirty="0" err="1">
+                          <a:solidFill>
+                            <a:schemeClr val="accent1"/>
+                          </a:solidFill>
+                          <a:effectLst/>
+                        </a:rPr>
+                        <a:t>facebook</a:t>
+                      </a:r>
+                      <a:r>
+                        <a:rPr lang="pt-BR" sz="1000" u="none" strike="noStrike" dirty="0">
+                          <a:solidFill>
+                            <a:schemeClr val="accent1"/>
+                          </a:solidFill>
+                          <a:effectLst/>
+                        </a:rPr>
+                        <a:t>/</a:t>
+                      </a:r>
+                      <a:r>
+                        <a:rPr lang="pt-BR" sz="1000" u="none" strike="noStrike" dirty="0" err="1">
+                          <a:solidFill>
+                            <a:schemeClr val="accent1"/>
+                          </a:solidFill>
+                          <a:effectLst/>
+                        </a:rPr>
+                        <a:t>dpr</a:t>
+                      </a:r>
+                      <a:r>
+                        <a:rPr lang="pt-BR" sz="1000" u="none" strike="noStrike" dirty="0">
+                          <a:solidFill>
+                            <a:schemeClr val="accent1"/>
+                          </a:solidFill>
+                          <a:effectLst/>
+                        </a:rPr>
+                        <a:t>-</a:t>
+                      </a:r>
+                      <a:r>
+                        <a:rPr lang="pt-BR" sz="1000" u="none" strike="noStrike" dirty="0" err="1">
+                          <a:solidFill>
+                            <a:schemeClr val="accent1"/>
+                          </a:solidFill>
+                          <a:effectLst/>
+                        </a:rPr>
+                        <a:t>question_encoder</a:t>
+                      </a:r>
+                      <a:r>
+                        <a:rPr lang="pt-BR" sz="1000" u="none" strike="noStrike" dirty="0">
+                          <a:solidFill>
+                            <a:schemeClr val="accent1"/>
+                          </a:solidFill>
+                          <a:effectLst/>
+                        </a:rPr>
+                        <a:t>-single-</a:t>
+                      </a:r>
+                      <a:r>
+                        <a:rPr lang="pt-BR" sz="1000" u="none" strike="noStrike" dirty="0" err="1">
+                          <a:solidFill>
+                            <a:schemeClr val="accent1"/>
+                          </a:solidFill>
+                          <a:effectLst/>
+                        </a:rPr>
+                        <a:t>nq</a:t>
+                      </a:r>
+                      <a:r>
+                        <a:rPr lang="pt-BR" sz="1000" u="none" strike="noStrike" dirty="0">
+                          <a:solidFill>
+                            <a:schemeClr val="accent1"/>
+                          </a:solidFill>
+                          <a:effectLst/>
+                        </a:rPr>
+                        <a:t>-base (e </a:t>
+                      </a:r>
+                      <a:r>
+                        <a:rPr lang="pt-BR" sz="1000" u="none" strike="noStrike" dirty="0" err="1">
+                          <a:solidFill>
+                            <a:schemeClr val="accent1"/>
+                          </a:solidFill>
+                          <a:effectLst/>
+                        </a:rPr>
+                        <a:t>dpr-ctx_encoder</a:t>
+                      </a:r>
+                      <a:r>
+                        <a:rPr lang="pt-BR" sz="1000" u="none" strike="noStrike" dirty="0">
+                          <a:solidFill>
+                            <a:schemeClr val="accent1"/>
+                          </a:solidFill>
+                          <a:effectLst/>
+                        </a:rPr>
+                        <a:t>)</a:t>
+                      </a:r>
+                      <a:endParaRPr lang="pt-BR" sz="1000" b="0" i="0" u="none" strike="noStrike" dirty="0">
+                        <a:solidFill>
+                          <a:schemeClr val="accent1"/>
+                        </a:solidFill>
+                        <a:effectLst/>
+                        <a:latin typeface="Calibri" panose="020F0502020204030204" pitchFamily="34" charset="0"/>
+                      </a:endParaRPr>
+                    </a:p>
+                  </a:txBody>
+                  <a:tcPr marL="5910" marR="5910" marT="5910" marB="0" anchor="b"/>
+                </a:tc>
+                <a:extLst>
+                  <a:ext uri="{0D108BD9-81ED-4DB2-BD59-A6C34878D82A}">
+                    <a16:rowId xmlns:a16="http://schemas.microsoft.com/office/drawing/2014/main" val="831951840"/>
+                  </a:ext>
+                </a:extLst>
+              </a:tr>
+              <a:tr h="156282">
+                <a:tc>
+                  <a:txBody>
+                    <a:bodyPr/>
+                    <a:lstStyle/>
+                    <a:p>
+                      <a:pPr algn="l" fontAlgn="b"/>
+                      <a:r>
+                        <a:rPr lang="pt-BR" sz="1000" u="none" strike="noStrike">
+                          <a:effectLst/>
+                        </a:rPr>
+                        <a:t>ReRank@100</a:t>
+                      </a:r>
+                      <a:endParaRPr lang="pt-BR" sz="1000" b="0" i="0" u="none" strike="noStrike">
+                        <a:solidFill>
+                          <a:srgbClr val="000000"/>
+                        </a:solidFill>
+                        <a:effectLst/>
+                        <a:latin typeface="Calibri" panose="020F0502020204030204" pitchFamily="34" charset="0"/>
+                      </a:endParaRPr>
+                    </a:p>
+                  </a:txBody>
+                  <a:tcPr marL="5910" marR="5910" marT="5910" marB="0" anchor="b"/>
+                </a:tc>
+                <a:tc>
+                  <a:txBody>
+                    <a:bodyPr/>
+                    <a:lstStyle/>
+                    <a:p>
+                      <a:pPr algn="l" fontAlgn="b"/>
+                      <a:r>
+                        <a:rPr lang="en-US" sz="1000" u="none" strike="noStrike" dirty="0" err="1">
+                          <a:effectLst/>
+                        </a:rPr>
+                        <a:t>ReRank</a:t>
+                      </a:r>
+                      <a:r>
+                        <a:rPr lang="en-US" sz="1000" u="none" strike="noStrike" dirty="0">
+                          <a:effectLst/>
+                        </a:rPr>
+                        <a:t> using </a:t>
+                      </a:r>
+                      <a:r>
+                        <a:rPr lang="en-US" sz="1000" u="none" strike="noStrike" dirty="0">
+                          <a:solidFill>
+                            <a:schemeClr val="accent1"/>
+                          </a:solidFill>
+                          <a:effectLst/>
+                        </a:rPr>
+                        <a:t>MonoT5</a:t>
+                      </a:r>
+                      <a:r>
+                        <a:rPr lang="en-US" sz="1000" u="none" strike="noStrike" dirty="0">
+                          <a:effectLst/>
+                        </a:rPr>
+                        <a:t> over 100 first retrieval using BM25 </a:t>
+                      </a:r>
+                      <a:endParaRPr lang="en-US" sz="1000" b="0" i="0" u="none" strike="noStrike" dirty="0">
+                        <a:solidFill>
+                          <a:srgbClr val="000000"/>
+                        </a:solidFill>
+                        <a:effectLst/>
+                        <a:latin typeface="Calibri" panose="020F0502020204030204" pitchFamily="34" charset="0"/>
+                      </a:endParaRPr>
+                    </a:p>
+                  </a:txBody>
+                  <a:tcPr marL="5910" marR="5910" marT="5910" marB="0" anchor="b"/>
+                </a:tc>
+                <a:extLst>
+                  <a:ext uri="{0D108BD9-81ED-4DB2-BD59-A6C34878D82A}">
+                    <a16:rowId xmlns:a16="http://schemas.microsoft.com/office/drawing/2014/main" val="3279311363"/>
+                  </a:ext>
+                </a:extLst>
+              </a:tr>
+            </a:tbl>
+          </a:graphicData>
+        </a:graphic>
+      </p:graphicFrame>
+    </p:spTree>
+    <p:extLst>
+      <p:ext uri="{BB962C8B-B14F-4D97-AF65-F5344CB8AC3E}">
+        <p14:creationId xmlns:p14="http://schemas.microsoft.com/office/powerpoint/2010/main" val="2776817893"/>
+      </p:ext>
+    </p:extLst>
+  </p:cSld>
+  <p:clrMapOvr>
+    <a:masterClrMapping/>
+  </p:clrMapOvr>
+</p:sld>
+</file>
+
+<file path=ppt/slides/slide14.xml><?xml version="1.0" encoding="utf-8"?>
 <p:sld xmlns:a="http://schemas.openxmlformats.org/drawingml/2006/main" xmlns:r="http://schemas.openxmlformats.org/officeDocument/2006/relationships" xmlns:p="http://schemas.openxmlformats.org/presentationml/2006/main">
   <p:cSld>
     <p:spTree>
@@ -12466,7 +13505,7 @@
 </p:sld>
 </file>
 
-<file path=ppt/slides/slide14.xml><?xml version="1.0" encoding="utf-8"?>
+<file path=ppt/slides/slide15.xml><?xml version="1.0" encoding="utf-8"?>
 <p:sld xmlns:a="http://schemas.openxmlformats.org/drawingml/2006/main" xmlns:r="http://schemas.openxmlformats.org/officeDocument/2006/relationships" xmlns:p="http://schemas.openxmlformats.org/presentationml/2006/main">
   <p:cSld>
     <p:spTree>
@@ -13754,7 +14793,7 @@
 </p:sld>
 </file>
 
-<file path=ppt/slides/slide15.xml><?xml version="1.0" encoding="utf-8"?>
+<file path=ppt/slides/slide16.xml><?xml version="1.0" encoding="utf-8"?>
 <p:sld xmlns:a="http://schemas.openxmlformats.org/drawingml/2006/main" xmlns:r="http://schemas.openxmlformats.org/officeDocument/2006/relationships" xmlns:p="http://schemas.openxmlformats.org/presentationml/2006/main">
   <p:cSld>
     <p:spTree>
@@ -14645,7 +15684,7 @@
 </p:sld>
 </file>
 
-<file path=ppt/slides/slide16.xml><?xml version="1.0" encoding="utf-8"?>
+<file path=ppt/slides/slide17.xml><?xml version="1.0" encoding="utf-8"?>
 <p:sld xmlns:a="http://schemas.openxmlformats.org/drawingml/2006/main" xmlns:r="http://schemas.openxmlformats.org/officeDocument/2006/relationships" xmlns:p="http://schemas.openxmlformats.org/presentationml/2006/main">
   <p:cSld>
     <p:spTree>
@@ -14836,7 +15875,7 @@
 </p:sld>
 </file>
 
-<file path=ppt/slides/slide17.xml><?xml version="1.0" encoding="utf-8"?>
+<file path=ppt/slides/slide18.xml><?xml version="1.0" encoding="utf-8"?>
 <p:sld xmlns:a="http://schemas.openxmlformats.org/drawingml/2006/main" xmlns:r="http://schemas.openxmlformats.org/officeDocument/2006/relationships" xmlns:p="http://schemas.openxmlformats.org/presentationml/2006/main">
   <p:cSld>
     <p:spTree>
@@ -15343,7 +16382,7 @@
 </p:sld>
 </file>
 
-<file path=ppt/slides/slide18.xml><?xml version="1.0" encoding="utf-8"?>
+<file path=ppt/slides/slide19.xml><?xml version="1.0" encoding="utf-8"?>
 <p:sld xmlns:a="http://schemas.openxmlformats.org/drawingml/2006/main" xmlns:r="http://schemas.openxmlformats.org/officeDocument/2006/relationships" xmlns:p="http://schemas.openxmlformats.org/presentationml/2006/main">
   <p:cSld>
     <p:spTree>
@@ -15945,7 +16984,254 @@
 </p:sld>
 </file>
 
-<file path=ppt/slides/slide19.xml><?xml version="1.0" encoding="utf-8"?>
+<file path=ppt/slides/slide2.xml><?xml version="1.0" encoding="utf-8"?>
+<p:sld xmlns:a="http://schemas.openxmlformats.org/drawingml/2006/main" xmlns:r="http://schemas.openxmlformats.org/officeDocument/2006/relationships" xmlns:p="http://schemas.openxmlformats.org/presentationml/2006/main">
+  <p:cSld>
+    <p:spTree>
+      <p:nvGrpSpPr>
+        <p:cNvPr id="1" name="Shape 59"/>
+        <p:cNvGrpSpPr/>
+        <p:nvPr/>
+      </p:nvGrpSpPr>
+      <p:grpSpPr>
+        <a:xfrm>
+          <a:off x="0" y="0"/>
+          <a:ext cx="0" cy="0"/>
+          <a:chOff x="0" y="0"/>
+          <a:chExt cx="0" cy="0"/>
+        </a:xfrm>
+      </p:grpSpPr>
+      <p:sp>
+        <p:nvSpPr>
+          <p:cNvPr id="60" name="Google Shape;60;p14"/>
+          <p:cNvSpPr txBox="1">
+            <a:spLocks noGrp="1"/>
+          </p:cNvSpPr>
+          <p:nvPr>
+            <p:ph type="title"/>
+          </p:nvPr>
+        </p:nvSpPr>
+        <p:spPr>
+          <a:xfrm>
+            <a:off x="311700" y="311675"/>
+            <a:ext cx="8520600" cy="572700"/>
+          </a:xfrm>
+          <a:prstGeom prst="rect">
+            <a:avLst/>
+          </a:prstGeom>
+        </p:spPr>
+        <p:txBody>
+          <a:bodyPr spcFirstLastPara="1" wrap="square" lIns="91425" tIns="91425" rIns="91425" bIns="91425" anchor="t" anchorCtr="0">
+            <a:normAutofit fontScale="90000"/>
+          </a:bodyPr>
+          <a:lstStyle/>
+          <a:p>
+            <a:pPr marL="0" lvl="0" indent="0" algn="l" rtl="0">
+              <a:spcBef>
+                <a:spcPts val="0"/>
+              </a:spcBef>
+              <a:spcAft>
+                <a:spcPts val="0"/>
+              </a:spcAft>
+              <a:buNone/>
+            </a:pPr>
+            <a:r>
+              <a:rPr lang="pt-BR" dirty="0"/>
+              <a:t>Lembrando sobre o Projeto</a:t>
+            </a:r>
+            <a:endParaRPr dirty="0"/>
+          </a:p>
+        </p:txBody>
+      </p:sp>
+      <p:sp>
+        <p:nvSpPr>
+          <p:cNvPr id="61" name="Google Shape;61;p14"/>
+          <p:cNvSpPr txBox="1">
+            <a:spLocks noGrp="1"/>
+          </p:cNvSpPr>
+          <p:nvPr>
+            <p:ph type="body" idx="1"/>
+          </p:nvPr>
+        </p:nvSpPr>
+        <p:spPr>
+          <a:xfrm>
+            <a:off x="311700" y="884375"/>
+            <a:ext cx="8520600" cy="3890825"/>
+          </a:xfrm>
+          <a:prstGeom prst="rect">
+            <a:avLst/>
+          </a:prstGeom>
+        </p:spPr>
+        <p:txBody>
+          <a:bodyPr spcFirstLastPara="1" wrap="square" lIns="91425" tIns="91425" rIns="91425" bIns="91425" anchor="t" anchorCtr="0">
+            <a:normAutofit/>
+          </a:bodyPr>
+          <a:lstStyle/>
+          <a:p>
+            <a:pPr marL="114300" lvl="0" indent="0" algn="l" rtl="0">
+              <a:spcBef>
+                <a:spcPts val="0"/>
+              </a:spcBef>
+              <a:spcAft>
+                <a:spcPts val="0"/>
+              </a:spcAft>
+              <a:buSzPts val="1800"/>
+              <a:buNone/>
+            </a:pPr>
+            <a:r>
+              <a:rPr lang="pt-BR" sz="1600" dirty="0"/>
+              <a:t>Objetivo:</a:t>
+            </a:r>
+          </a:p>
+          <a:p>
+            <a:pPr marL="457200" lvl="0" indent="-342900" algn="l" rtl="0">
+              <a:spcBef>
+                <a:spcPts val="0"/>
+              </a:spcBef>
+              <a:spcAft>
+                <a:spcPts val="0"/>
+              </a:spcAft>
+              <a:buSzPts val="1800"/>
+              <a:buChar char="-"/>
+            </a:pPr>
+            <a:r>
+              <a:rPr lang="pt-BR" sz="1600" dirty="0"/>
+              <a:t>Verificar o impacto que ruídos na query causam na efetividade da busca, em alguns mecanismos: Baseline (BM25),  </a:t>
+            </a:r>
+            <a:r>
+              <a:rPr lang="pt-BR" sz="1600" dirty="0" err="1"/>
+              <a:t>Rerank</a:t>
+            </a:r>
+            <a:r>
+              <a:rPr lang="pt-BR" sz="1600" dirty="0"/>
+              <a:t> (BM25 + MonoT5) e busca densa</a:t>
+            </a:r>
+          </a:p>
+          <a:p>
+            <a:pPr marL="139700" indent="0">
+              <a:spcBef>
+                <a:spcPts val="1000"/>
+              </a:spcBef>
+              <a:buSzPts val="1400"/>
+              <a:buNone/>
+            </a:pPr>
+            <a:r>
+              <a:rPr lang="pt-BR" sz="1600" dirty="0"/>
+              <a:t>Métrica base de comparação:</a:t>
+            </a:r>
+          </a:p>
+          <a:p>
+            <a:pPr indent="-317500">
+              <a:spcBef>
+                <a:spcPts val="1000"/>
+              </a:spcBef>
+              <a:buSzPts val="1400"/>
+              <a:buChar char="-"/>
+            </a:pPr>
+            <a:r>
+              <a:rPr lang="pt-BR" sz="1600" dirty="0"/>
+              <a:t>nDCG@10 - </a:t>
+            </a:r>
+            <a:r>
+              <a:rPr lang="pt-BR" sz="1600" dirty="0" err="1"/>
+              <a:t>Normalized</a:t>
+            </a:r>
+            <a:r>
+              <a:rPr lang="pt-BR" sz="1600" dirty="0"/>
+              <a:t> </a:t>
+            </a:r>
+            <a:r>
+              <a:rPr lang="pt-BR" sz="1600" dirty="0" err="1"/>
+              <a:t>Discounted</a:t>
+            </a:r>
+            <a:r>
+              <a:rPr lang="pt-BR" sz="1600" dirty="0"/>
+              <a:t> </a:t>
+            </a:r>
+            <a:r>
+              <a:rPr lang="pt-BR" sz="1600" dirty="0" err="1"/>
+              <a:t>Cumulative</a:t>
+            </a:r>
+            <a:r>
+              <a:rPr lang="pt-BR" sz="1600" dirty="0"/>
+              <a:t> </a:t>
+            </a:r>
+            <a:r>
+              <a:rPr lang="pt-BR" sz="1600" dirty="0" err="1"/>
+              <a:t>Grain</a:t>
+            </a:r>
+            <a:r>
+              <a:rPr lang="pt-BR" sz="1600" dirty="0"/>
+              <a:t> com recorte de 10.</a:t>
+            </a:r>
+          </a:p>
+          <a:p>
+            <a:pPr marL="139700" indent="0">
+              <a:spcBef>
+                <a:spcPts val="1000"/>
+              </a:spcBef>
+              <a:buSzPts val="1400"/>
+              <a:buNone/>
+            </a:pPr>
+            <a:r>
+              <a:rPr lang="pt-BR" sz="1600" dirty="0" err="1"/>
+              <a:t>Dataset</a:t>
+            </a:r>
+            <a:r>
+              <a:rPr lang="pt-BR" sz="1600" dirty="0"/>
+              <a:t>:</a:t>
+            </a:r>
+          </a:p>
+          <a:p>
+            <a:pPr indent="-317500">
+              <a:spcBef>
+                <a:spcPts val="1000"/>
+              </a:spcBef>
+              <a:buSzPts val="1400"/>
+              <a:buChar char="-"/>
+            </a:pPr>
+            <a:r>
+              <a:rPr lang="pt-BR" sz="1600" dirty="0"/>
+              <a:t>TREC 2020 DL </a:t>
+            </a:r>
+            <a:r>
+              <a:rPr lang="pt-BR" sz="1600" dirty="0" err="1"/>
+              <a:t>passage</a:t>
+            </a:r>
+            <a:r>
+              <a:rPr lang="pt-BR" sz="1600" dirty="0"/>
+              <a:t>, contendo 54 queries avaliadas sobre a base do MSMARCO </a:t>
+            </a:r>
+            <a:r>
+              <a:rPr lang="pt-BR" sz="1600" dirty="0" err="1"/>
+              <a:t>passage</a:t>
+            </a:r>
+            <a:r>
+              <a:rPr lang="pt-BR" sz="1600" dirty="0"/>
+              <a:t> corpus, e uma média de 210,9 julgamentos por query.</a:t>
+            </a:r>
+          </a:p>
+          <a:p>
+            <a:pPr marL="139700" indent="0">
+              <a:spcBef>
+                <a:spcPts val="1000"/>
+              </a:spcBef>
+              <a:buSzPts val="1400"/>
+              <a:buNone/>
+            </a:pPr>
+            <a:endParaRPr lang="pt-BR" sz="1600" dirty="0"/>
+          </a:p>
+        </p:txBody>
+      </p:sp>
+    </p:spTree>
+  </p:cSld>
+  <p:clrMapOvr>
+    <a:masterClrMapping/>
+  </p:clrMapOvr>
+</p:sld>
+</file>
+
+<file path=ppt/slides/slide20.xml><?xml version="1.0" encoding="utf-8"?>
 <p:sld xmlns:a="http://schemas.openxmlformats.org/drawingml/2006/main" xmlns:r="http://schemas.openxmlformats.org/officeDocument/2006/relationships" xmlns:p="http://schemas.openxmlformats.org/presentationml/2006/main">
   <p:cSld>
     <p:spTree>
@@ -18112,352 +19398,6 @@
 </p:sld>
 </file>
 
-<file path=ppt/slides/slide2.xml><?xml version="1.0" encoding="utf-8"?>
-<p:sld xmlns:a="http://schemas.openxmlformats.org/drawingml/2006/main" xmlns:r="http://schemas.openxmlformats.org/officeDocument/2006/relationships" xmlns:p="http://schemas.openxmlformats.org/presentationml/2006/main">
-  <p:cSld>
-    <p:spTree>
-      <p:nvGrpSpPr>
-        <p:cNvPr id="1" name="Shape 59"/>
-        <p:cNvGrpSpPr/>
-        <p:nvPr/>
-      </p:nvGrpSpPr>
-      <p:grpSpPr>
-        <a:xfrm>
-          <a:off x="0" y="0"/>
-          <a:ext cx="0" cy="0"/>
-          <a:chOff x="0" y="0"/>
-          <a:chExt cx="0" cy="0"/>
-        </a:xfrm>
-      </p:grpSpPr>
-      <p:sp>
-        <p:nvSpPr>
-          <p:cNvPr id="60" name="Google Shape;60;p14"/>
-          <p:cNvSpPr txBox="1">
-            <a:spLocks noGrp="1"/>
-          </p:cNvSpPr>
-          <p:nvPr>
-            <p:ph type="title"/>
-          </p:nvPr>
-        </p:nvSpPr>
-        <p:spPr>
-          <a:xfrm>
-            <a:off x="311700" y="311675"/>
-            <a:ext cx="8520600" cy="572700"/>
-          </a:xfrm>
-          <a:prstGeom prst="rect">
-            <a:avLst/>
-          </a:prstGeom>
-        </p:spPr>
-        <p:txBody>
-          <a:bodyPr spcFirstLastPara="1" wrap="square" lIns="91425" tIns="91425" rIns="91425" bIns="91425" anchor="t" anchorCtr="0">
-            <a:normAutofit fontScale="90000"/>
-          </a:bodyPr>
-          <a:lstStyle/>
-          <a:p>
-            <a:pPr marL="0" lvl="0" indent="0" algn="l" rtl="0">
-              <a:spcBef>
-                <a:spcPts val="0"/>
-              </a:spcBef>
-              <a:spcAft>
-                <a:spcPts val="0"/>
-              </a:spcAft>
-              <a:buNone/>
-            </a:pPr>
-            <a:r>
-              <a:rPr lang="pt-BR" dirty="0"/>
-              <a:t>Lembrando sobre o Projeto</a:t>
-            </a:r>
-            <a:endParaRPr dirty="0"/>
-          </a:p>
-        </p:txBody>
-      </p:sp>
-      <p:sp>
-        <p:nvSpPr>
-          <p:cNvPr id="61" name="Google Shape;61;p14"/>
-          <p:cNvSpPr txBox="1">
-            <a:spLocks noGrp="1"/>
-          </p:cNvSpPr>
-          <p:nvPr>
-            <p:ph type="body" idx="1"/>
-          </p:nvPr>
-        </p:nvSpPr>
-        <p:spPr>
-          <a:xfrm>
-            <a:off x="311700" y="884375"/>
-            <a:ext cx="8520600" cy="3890825"/>
-          </a:xfrm>
-          <a:prstGeom prst="rect">
-            <a:avLst/>
-          </a:prstGeom>
-        </p:spPr>
-        <p:txBody>
-          <a:bodyPr spcFirstLastPara="1" wrap="square" lIns="91425" tIns="91425" rIns="91425" bIns="91425" anchor="t" anchorCtr="0">
-            <a:normAutofit/>
-          </a:bodyPr>
-          <a:lstStyle/>
-          <a:p>
-            <a:pPr marL="114300" lvl="0" indent="0" algn="l" rtl="0">
-              <a:spcBef>
-                <a:spcPts val="0"/>
-              </a:spcBef>
-              <a:spcAft>
-                <a:spcPts val="0"/>
-              </a:spcAft>
-              <a:buSzPts val="1800"/>
-              <a:buNone/>
-            </a:pPr>
-            <a:r>
-              <a:rPr lang="pt-BR" sz="1600" dirty="0"/>
-              <a:t>Objetivo:</a:t>
-            </a:r>
-          </a:p>
-          <a:p>
-            <a:pPr marL="457200" lvl="0" indent="-342900" algn="l" rtl="0">
-              <a:spcBef>
-                <a:spcPts val="0"/>
-              </a:spcBef>
-              <a:spcAft>
-                <a:spcPts val="0"/>
-              </a:spcAft>
-              <a:buSzPts val="1800"/>
-              <a:buChar char="-"/>
-            </a:pPr>
-            <a:r>
-              <a:rPr lang="pt-BR" sz="1600" dirty="0"/>
-              <a:t>Verificar o impacto que ruídos na query causam na efetividade da busca, em alguns mecanismos: Baseline (BM25),  </a:t>
-            </a:r>
-            <a:r>
-              <a:rPr lang="pt-BR" sz="1600" dirty="0" err="1"/>
-              <a:t>Rerank</a:t>
-            </a:r>
-            <a:r>
-              <a:rPr lang="pt-BR" sz="1600" dirty="0"/>
-              <a:t> (BM25 + MonoT5) e busca densa</a:t>
-            </a:r>
-          </a:p>
-          <a:p>
-            <a:pPr marL="139700" indent="0">
-              <a:spcBef>
-                <a:spcPts val="1000"/>
-              </a:spcBef>
-              <a:buSzPts val="1400"/>
-              <a:buNone/>
-            </a:pPr>
-            <a:r>
-              <a:rPr lang="pt-BR" sz="1600" dirty="0"/>
-              <a:t>Métrica base de comparação:</a:t>
-            </a:r>
-          </a:p>
-          <a:p>
-            <a:pPr indent="-317500">
-              <a:spcBef>
-                <a:spcPts val="1000"/>
-              </a:spcBef>
-              <a:buSzPts val="1400"/>
-              <a:buChar char="-"/>
-            </a:pPr>
-            <a:r>
-              <a:rPr lang="pt-BR" sz="1600" dirty="0"/>
-              <a:t>nDCG@10 - </a:t>
-            </a:r>
-            <a:r>
-              <a:rPr lang="pt-BR" sz="1600" dirty="0" err="1"/>
-              <a:t>Normalized</a:t>
-            </a:r>
-            <a:r>
-              <a:rPr lang="pt-BR" sz="1600" dirty="0"/>
-              <a:t> </a:t>
-            </a:r>
-            <a:r>
-              <a:rPr lang="pt-BR" sz="1600" dirty="0" err="1"/>
-              <a:t>Discounted</a:t>
-            </a:r>
-            <a:r>
-              <a:rPr lang="pt-BR" sz="1600" dirty="0"/>
-              <a:t> </a:t>
-            </a:r>
-            <a:r>
-              <a:rPr lang="pt-BR" sz="1600" dirty="0" err="1"/>
-              <a:t>Cumulative</a:t>
-            </a:r>
-            <a:r>
-              <a:rPr lang="pt-BR" sz="1600" dirty="0"/>
-              <a:t> </a:t>
-            </a:r>
-            <a:r>
-              <a:rPr lang="pt-BR" sz="1600" dirty="0" err="1"/>
-              <a:t>Grain</a:t>
-            </a:r>
-            <a:r>
-              <a:rPr lang="pt-BR" sz="1600" dirty="0"/>
-              <a:t> com recorte de 10.</a:t>
-            </a:r>
-          </a:p>
-          <a:p>
-            <a:pPr marL="139700" indent="0">
-              <a:spcBef>
-                <a:spcPts val="1000"/>
-              </a:spcBef>
-              <a:buSzPts val="1400"/>
-              <a:buNone/>
-            </a:pPr>
-            <a:r>
-              <a:rPr lang="pt-BR" sz="1600" dirty="0" err="1"/>
-              <a:t>Dataset</a:t>
-            </a:r>
-            <a:r>
-              <a:rPr lang="pt-BR" sz="1600" dirty="0"/>
-              <a:t>:</a:t>
-            </a:r>
-          </a:p>
-          <a:p>
-            <a:pPr indent="-317500">
-              <a:spcBef>
-                <a:spcPts val="1000"/>
-              </a:spcBef>
-              <a:buSzPts val="1400"/>
-              <a:buChar char="-"/>
-            </a:pPr>
-            <a:r>
-              <a:rPr lang="pt-BR" sz="1600" dirty="0"/>
-              <a:t>TREC 2020 DL </a:t>
-            </a:r>
-            <a:r>
-              <a:rPr lang="pt-BR" sz="1600" dirty="0" err="1"/>
-              <a:t>passage</a:t>
-            </a:r>
-            <a:r>
-              <a:rPr lang="pt-BR" sz="1600" dirty="0"/>
-              <a:t>, contendo 54 queries avaliadas sobre a base do MSMARCO </a:t>
-            </a:r>
-            <a:r>
-              <a:rPr lang="pt-BR" sz="1600" dirty="0" err="1"/>
-              <a:t>passage</a:t>
-            </a:r>
-            <a:r>
-              <a:rPr lang="pt-BR" sz="1600" dirty="0"/>
-              <a:t> corpus, e uma média de 210,9 julgamentos por query.</a:t>
-            </a:r>
-          </a:p>
-          <a:p>
-            <a:pPr marL="139700" indent="0">
-              <a:spcBef>
-                <a:spcPts val="1000"/>
-              </a:spcBef>
-              <a:buSzPts val="1400"/>
-              <a:buNone/>
-            </a:pPr>
-            <a:endParaRPr lang="pt-BR" sz="1600" dirty="0"/>
-          </a:p>
-        </p:txBody>
-      </p:sp>
-    </p:spTree>
-  </p:cSld>
-  <p:clrMapOvr>
-    <a:masterClrMapping/>
-  </p:clrMapOvr>
-</p:sld>
-</file>
-
-<file path=ppt/slides/slide20.xml><?xml version="1.0" encoding="utf-8"?>
-<p:sld xmlns:a="http://schemas.openxmlformats.org/drawingml/2006/main" xmlns:r="http://schemas.openxmlformats.org/officeDocument/2006/relationships" xmlns:p="http://schemas.openxmlformats.org/presentationml/2006/main">
-  <p:cSld>
-    <p:spTree>
-      <p:nvGrpSpPr>
-        <p:cNvPr id="1" name="Shape 53"/>
-        <p:cNvGrpSpPr/>
-        <p:nvPr/>
-      </p:nvGrpSpPr>
-      <p:grpSpPr>
-        <a:xfrm>
-          <a:off x="0" y="0"/>
-          <a:ext cx="0" cy="0"/>
-          <a:chOff x="0" y="0"/>
-          <a:chExt cx="0" cy="0"/>
-        </a:xfrm>
-      </p:grpSpPr>
-      <p:sp>
-        <p:nvSpPr>
-          <p:cNvPr id="54" name="Google Shape;54;p13"/>
-          <p:cNvSpPr txBox="1">
-            <a:spLocks noGrp="1"/>
-          </p:cNvSpPr>
-          <p:nvPr>
-            <p:ph type="ctrTitle"/>
-          </p:nvPr>
-        </p:nvSpPr>
-        <p:spPr>
-          <a:xfrm>
-            <a:off x="-609600" y="1551093"/>
-            <a:ext cx="6522585" cy="1652482"/>
-          </a:xfrm>
-          <a:prstGeom prst="rect">
-            <a:avLst/>
-          </a:prstGeom>
-        </p:spPr>
-        <p:txBody>
-          <a:bodyPr spcFirstLastPara="1" wrap="square" lIns="91425" tIns="91425" rIns="91425" bIns="91425" anchor="b" anchorCtr="0">
-            <a:noAutofit/>
-          </a:bodyPr>
-          <a:lstStyle/>
-          <a:p>
-            <a:pPr marL="0" lvl="0" indent="0" algn="ctr" rtl="0">
-              <a:spcBef>
-                <a:spcPts val="0"/>
-              </a:spcBef>
-              <a:spcAft>
-                <a:spcPts val="0"/>
-              </a:spcAft>
-              <a:buNone/>
-            </a:pPr>
-            <a:r>
-              <a:rPr lang="pt-BR" sz="3200" dirty="0"/>
-              <a:t>Análise de Robustez de</a:t>
-            </a:r>
-            <a:br>
-              <a:rPr lang="pt-BR" sz="3200" dirty="0"/>
-            </a:br>
-            <a:r>
-              <a:rPr lang="pt-BR" sz="3200" dirty="0"/>
-              <a:t> </a:t>
-            </a:r>
-            <a:r>
-              <a:rPr lang="pt-BR" sz="3600" b="1" dirty="0"/>
-              <a:t>Mecanismos de Busca</a:t>
-            </a:r>
-            <a:endParaRPr sz="3200" b="1" dirty="0"/>
-          </a:p>
-          <a:p>
-            <a:pPr marL="0" lvl="0" indent="0" algn="ctr" rtl="0">
-              <a:spcBef>
-                <a:spcPts val="0"/>
-              </a:spcBef>
-              <a:spcAft>
-                <a:spcPts val="0"/>
-              </a:spcAft>
-              <a:buNone/>
-            </a:pPr>
-            <a:r>
-              <a:rPr lang="pt-BR" sz="3200" dirty="0"/>
-              <a:t>quanto a Ruídos em Queries</a:t>
-            </a:r>
-            <a:endParaRPr sz="4200" dirty="0"/>
-          </a:p>
-        </p:txBody>
-      </p:sp>
-    </p:spTree>
-    <p:extLst>
-      <p:ext uri="{BB962C8B-B14F-4D97-AF65-F5344CB8AC3E}">
-        <p14:creationId xmlns:p14="http://schemas.microsoft.com/office/powerpoint/2010/main" val="4293986737"/>
-      </p:ext>
-    </p:extLst>
-  </p:cSld>
-  <p:clrMapOvr>
-    <a:masterClrMapping/>
-  </p:clrMapOvr>
-</p:sld>
-</file>
-
 <file path=ppt/slides/slide21.xml><?xml version="1.0" encoding="utf-8"?>
 <p:sld xmlns:a="http://schemas.openxmlformats.org/drawingml/2006/main" xmlns:r="http://schemas.openxmlformats.org/officeDocument/2006/relationships" xmlns:p="http://schemas.openxmlformats.org/presentationml/2006/main">
   <p:cSld>
@@ -18544,6 +19484,105 @@
           </a:p>
         </p:txBody>
       </p:sp>
+    </p:spTree>
+    <p:extLst>
+      <p:ext uri="{BB962C8B-B14F-4D97-AF65-F5344CB8AC3E}">
+        <p14:creationId xmlns:p14="http://schemas.microsoft.com/office/powerpoint/2010/main" val="4293986737"/>
+      </p:ext>
+    </p:extLst>
+  </p:cSld>
+  <p:clrMapOvr>
+    <a:masterClrMapping/>
+  </p:clrMapOvr>
+</p:sld>
+</file>
+
+<file path=ppt/slides/slide22.xml><?xml version="1.0" encoding="utf-8"?>
+<p:sld xmlns:a="http://schemas.openxmlformats.org/drawingml/2006/main" xmlns:r="http://schemas.openxmlformats.org/officeDocument/2006/relationships" xmlns:p="http://schemas.openxmlformats.org/presentationml/2006/main">
+  <p:cSld>
+    <p:spTree>
+      <p:nvGrpSpPr>
+        <p:cNvPr id="1" name="Shape 53"/>
+        <p:cNvGrpSpPr/>
+        <p:nvPr/>
+      </p:nvGrpSpPr>
+      <p:grpSpPr>
+        <a:xfrm>
+          <a:off x="0" y="0"/>
+          <a:ext cx="0" cy="0"/>
+          <a:chOff x="0" y="0"/>
+          <a:chExt cx="0" cy="0"/>
+        </a:xfrm>
+      </p:grpSpPr>
+      <p:sp>
+        <p:nvSpPr>
+          <p:cNvPr id="54" name="Google Shape;54;p13"/>
+          <p:cNvSpPr txBox="1">
+            <a:spLocks noGrp="1"/>
+          </p:cNvSpPr>
+          <p:nvPr>
+            <p:ph type="ctrTitle"/>
+          </p:nvPr>
+        </p:nvSpPr>
+        <p:spPr>
+          <a:xfrm>
+            <a:off x="-609600" y="1551093"/>
+            <a:ext cx="6522585" cy="1652482"/>
+          </a:xfrm>
+          <a:prstGeom prst="rect">
+            <a:avLst/>
+          </a:prstGeom>
+        </p:spPr>
+        <p:txBody>
+          <a:bodyPr spcFirstLastPara="1" wrap="square" lIns="91425" tIns="91425" rIns="91425" bIns="91425" anchor="b" anchorCtr="0">
+            <a:noAutofit/>
+          </a:bodyPr>
+          <a:lstStyle/>
+          <a:p>
+            <a:pPr marL="0" lvl="0" indent="0" algn="ctr" rtl="0">
+              <a:spcBef>
+                <a:spcPts val="0"/>
+              </a:spcBef>
+              <a:spcAft>
+                <a:spcPts val="0"/>
+              </a:spcAft>
+              <a:buNone/>
+            </a:pPr>
+            <a:r>
+              <a:rPr lang="pt-BR" sz="3200" dirty="0"/>
+              <a:t>Análise de Robustez de</a:t>
+            </a:r>
+            <a:br>
+              <a:rPr lang="pt-BR" sz="3200" dirty="0"/>
+            </a:br>
+            <a:r>
+              <a:rPr lang="pt-BR" sz="3200" dirty="0"/>
+              <a:t> </a:t>
+            </a:r>
+            <a:r>
+              <a:rPr lang="pt-BR" sz="3600" b="1" dirty="0"/>
+              <a:t>Mecanismos de Busca</a:t>
+            </a:r>
+            <a:endParaRPr sz="3200" b="1" dirty="0"/>
+          </a:p>
+          <a:p>
+            <a:pPr marL="0" lvl="0" indent="0" algn="ctr" rtl="0">
+              <a:spcBef>
+                <a:spcPts val="0"/>
+              </a:spcBef>
+              <a:spcAft>
+                <a:spcPts val="0"/>
+              </a:spcAft>
+              <a:buNone/>
+            </a:pPr>
+            <a:r>
+              <a:rPr lang="pt-BR" sz="3200" dirty="0"/>
+              <a:t>quanto a Ruídos em Queries</a:t>
+            </a:r>
+            <a:endParaRPr sz="4200" dirty="0"/>
+          </a:p>
+        </p:txBody>
+      </p:sp>
       <p:sp>
         <p:nvSpPr>
           <p:cNvPr id="3" name="CaixaDeTexto 2">
@@ -18574,11 +19613,15 @@
           <a:p>
             <a:r>
               <a:rPr lang="pt-BR" sz="2400" b="1" dirty="0"/>
-              <a:t>= Funções de </a:t>
+              <a:t>= “Ranking </a:t>
             </a:r>
             <a:r>
               <a:rPr lang="pt-BR" sz="2400" b="1" dirty="0" err="1"/>
-              <a:t>Rankeamento</a:t>
+              <a:t>Function</a:t>
+            </a:r>
+            <a:r>
+              <a:rPr lang="pt-BR" sz="2400" b="1" dirty="0"/>
+              <a:t> / Model”</a:t>
             </a:r>
             <a:endParaRPr lang="pt-BR" sz="2000" b="1" dirty="0"/>
           </a:p>
@@ -18607,7 +19650,7 @@
           <a:prstGeom prst="straightConnector1">
             <a:avLst/>
           </a:prstGeom>
-          <a:ln>
+          <a:ln w="47625">
             <a:prstDash val="sysDot"/>
             <a:tailEnd type="triangle"/>
           </a:ln>
@@ -18640,7 +19683,7 @@
 </p:sld>
 </file>
 
-<file path=ppt/slides/slide22.xml><?xml version="1.0" encoding="utf-8"?>
+<file path=ppt/slides/slide23.xml><?xml version="1.0" encoding="utf-8"?>
 <p:sld xmlns:a="http://schemas.openxmlformats.org/drawingml/2006/main" xmlns:r="http://schemas.openxmlformats.org/officeDocument/2006/relationships" xmlns:p="http://schemas.openxmlformats.org/presentationml/2006/main">
   <p:cSld>
     <p:spTree>
@@ -18707,7 +19750,7 @@
 </p:sld>
 </file>
 
-<file path=ppt/slides/slide23.xml><?xml version="1.0" encoding="utf-8"?>
+<file path=ppt/slides/slide24.xml><?xml version="1.0" encoding="utf-8"?>
 <p:sld xmlns:a="http://schemas.openxmlformats.org/drawingml/2006/main" xmlns:r="http://schemas.openxmlformats.org/officeDocument/2006/relationships" xmlns:p="http://schemas.openxmlformats.org/presentationml/2006/main">
   <p:cSld>
     <p:spTree>
@@ -18825,7 +19868,7 @@
 </p:sld>
 </file>
 
-<file path=ppt/slides/slide24.xml><?xml version="1.0" encoding="utf-8"?>
+<file path=ppt/slides/slide25.xml><?xml version="1.0" encoding="utf-8"?>
 <p:sld xmlns:a="http://schemas.openxmlformats.org/drawingml/2006/main" xmlns:r="http://schemas.openxmlformats.org/officeDocument/2006/relationships" xmlns:p="http://schemas.openxmlformats.org/presentationml/2006/main">
   <p:cSld>
     <p:spTree>
@@ -18943,7 +19986,7 @@
 </p:sld>
 </file>
 
-<file path=ppt/slides/slide25.xml><?xml version="1.0" encoding="utf-8"?>
+<file path=ppt/slides/slide26.xml><?xml version="1.0" encoding="utf-8"?>
 <p:sld xmlns:a="http://schemas.openxmlformats.org/drawingml/2006/main" xmlns:r="http://schemas.openxmlformats.org/officeDocument/2006/relationships" xmlns:p="http://schemas.openxmlformats.org/presentationml/2006/main">
   <p:cSld>
     <p:spTree>
@@ -19061,7 +20104,7 @@
 </p:sld>
 </file>
 
-<file path=ppt/slides/slide26.xml><?xml version="1.0" encoding="utf-8"?>
+<file path=ppt/slides/slide27.xml><?xml version="1.0" encoding="utf-8"?>
 <p:sld xmlns:a="http://schemas.openxmlformats.org/drawingml/2006/main" xmlns:r="http://schemas.openxmlformats.org/officeDocument/2006/relationships" xmlns:p="http://schemas.openxmlformats.org/presentationml/2006/main">
   <p:cSld>
     <p:spTree>
@@ -19179,7 +20222,7 @@
 </p:sld>
 </file>
 
-<file path=ppt/slides/slide27.xml><?xml version="1.0" encoding="utf-8"?>
+<file path=ppt/slides/slide28.xml><?xml version="1.0" encoding="utf-8"?>
 <p:sld xmlns:a="http://schemas.openxmlformats.org/drawingml/2006/main" xmlns:r="http://schemas.openxmlformats.org/officeDocument/2006/relationships" xmlns:p="http://schemas.openxmlformats.org/presentationml/2006/main">
   <p:cSld>
     <p:spTree>
@@ -19297,7 +20340,7 @@
 </p:sld>
 </file>
 
-<file path=ppt/slides/slide28.xml><?xml version="1.0" encoding="utf-8"?>
+<file path=ppt/slides/slide29.xml><?xml version="1.0" encoding="utf-8"?>
 <p:sld xmlns:a="http://schemas.openxmlformats.org/drawingml/2006/main" xmlns:r="http://schemas.openxmlformats.org/officeDocument/2006/relationships" xmlns:p="http://schemas.openxmlformats.org/presentationml/2006/main">
   <p:cSld>
     <p:spTree>
@@ -19415,7 +20458,228 @@
 </p:sld>
 </file>
 
-<file path=ppt/slides/slide29.xml><?xml version="1.0" encoding="utf-8"?>
+<file path=ppt/slides/slide3.xml><?xml version="1.0" encoding="utf-8"?>
+<p:sld xmlns:a="http://schemas.openxmlformats.org/drawingml/2006/main" xmlns:r="http://schemas.openxmlformats.org/officeDocument/2006/relationships" xmlns:p="http://schemas.openxmlformats.org/presentationml/2006/main">
+  <p:cSld>
+    <p:spTree>
+      <p:nvGrpSpPr>
+        <p:cNvPr id="1" name="Shape 65"/>
+        <p:cNvGrpSpPr/>
+        <p:nvPr/>
+      </p:nvGrpSpPr>
+      <p:grpSpPr>
+        <a:xfrm>
+          <a:off x="0" y="0"/>
+          <a:ext cx="0" cy="0"/>
+          <a:chOff x="0" y="0"/>
+          <a:chExt cx="0" cy="0"/>
+        </a:xfrm>
+      </p:grpSpPr>
+      <p:sp>
+        <p:nvSpPr>
+          <p:cNvPr id="66" name="Google Shape;66;p15"/>
+          <p:cNvSpPr txBox="1">
+            <a:spLocks noGrp="1"/>
+          </p:cNvSpPr>
+          <p:nvPr>
+            <p:ph type="title"/>
+          </p:nvPr>
+        </p:nvSpPr>
+        <p:spPr>
+          <a:xfrm>
+            <a:off x="311700" y="445025"/>
+            <a:ext cx="8520600" cy="572700"/>
+          </a:xfrm>
+          <a:prstGeom prst="rect">
+            <a:avLst/>
+          </a:prstGeom>
+        </p:spPr>
+        <p:txBody>
+          <a:bodyPr spcFirstLastPara="1" wrap="square" lIns="91425" tIns="91425" rIns="91425" bIns="91425" anchor="t" anchorCtr="0">
+            <a:normAutofit fontScale="90000"/>
+          </a:bodyPr>
+          <a:lstStyle/>
+          <a:p>
+            <a:pPr marL="0" lvl="0" indent="0" algn="l" rtl="0">
+              <a:spcBef>
+                <a:spcPts val="0"/>
+              </a:spcBef>
+              <a:spcAft>
+                <a:spcPts val="0"/>
+              </a:spcAft>
+              <a:buNone/>
+            </a:pPr>
+            <a:r>
+              <a:rPr lang="pt-BR" dirty="0"/>
+              <a:t>Plano</a:t>
+            </a:r>
+            <a:endParaRPr dirty="0"/>
+          </a:p>
+        </p:txBody>
+      </p:sp>
+      <p:sp>
+        <p:nvSpPr>
+          <p:cNvPr id="67" name="Google Shape;67;p15"/>
+          <p:cNvSpPr txBox="1">
+            <a:spLocks noGrp="1"/>
+          </p:cNvSpPr>
+          <p:nvPr>
+            <p:ph type="body" idx="1"/>
+          </p:nvPr>
+        </p:nvSpPr>
+        <p:spPr>
+          <a:xfrm>
+            <a:off x="311700" y="1152475"/>
+            <a:ext cx="8520600" cy="3416400"/>
+          </a:xfrm>
+          <a:prstGeom prst="rect">
+            <a:avLst/>
+          </a:prstGeom>
+        </p:spPr>
+        <p:txBody>
+          <a:bodyPr spcFirstLastPara="1" wrap="square" lIns="91425" tIns="91425" rIns="91425" bIns="91425" anchor="t" anchorCtr="0">
+            <a:normAutofit/>
+          </a:bodyPr>
+          <a:lstStyle/>
+          <a:p>
+            <a:pPr marL="0" lvl="0" indent="0" algn="l" rtl="0">
+              <a:spcBef>
+                <a:spcPts val="1000"/>
+              </a:spcBef>
+              <a:spcAft>
+                <a:spcPts val="0"/>
+              </a:spcAft>
+              <a:buNone/>
+            </a:pPr>
+            <a:r>
+              <a:rPr lang="pt-BR" dirty="0">
+                <a:solidFill>
+                  <a:schemeClr val="bg2"/>
+                </a:solidFill>
+              </a:rPr>
+              <a:t>(Feito) </a:t>
+            </a:r>
+            <a:r>
+              <a:rPr lang="pt-BR" dirty="0"/>
+              <a:t>Cálculo das métricas para as queries originais; </a:t>
+            </a:r>
+            <a:endParaRPr dirty="0"/>
+          </a:p>
+          <a:p>
+            <a:pPr marL="0" indent="0">
+              <a:spcBef>
+                <a:spcPts val="1200"/>
+              </a:spcBef>
+              <a:buNone/>
+            </a:pPr>
+            <a:r>
+              <a:rPr lang="pt-BR" dirty="0">
+                <a:solidFill>
+                  <a:schemeClr val="accent1"/>
+                </a:solidFill>
+              </a:rPr>
+              <a:t>(Feito) </a:t>
+            </a:r>
+            <a:r>
+              <a:rPr lang="pt-BR" dirty="0"/>
+              <a:t>Programação dos ruídos e geração de “</a:t>
+            </a:r>
+            <a:r>
+              <a:rPr lang="pt-BR" dirty="0" err="1"/>
+              <a:t>noisy</a:t>
+            </a:r>
+            <a:r>
+              <a:rPr lang="pt-BR" dirty="0"/>
+              <a:t> queries”;</a:t>
+            </a:r>
+          </a:p>
+          <a:p>
+            <a:pPr marL="0" indent="0">
+              <a:spcBef>
+                <a:spcPts val="1200"/>
+              </a:spcBef>
+              <a:buNone/>
+            </a:pPr>
+            <a:r>
+              <a:rPr lang="pt-BR" dirty="0">
+                <a:solidFill>
+                  <a:schemeClr val="accent1"/>
+                </a:solidFill>
+              </a:rPr>
+              <a:t>(Feito) </a:t>
+            </a:r>
+            <a:r>
+              <a:rPr lang="pt-BR" dirty="0"/>
+              <a:t>Execução sobre as queries com ruído;</a:t>
+            </a:r>
+          </a:p>
+          <a:p>
+            <a:pPr marL="0" lvl="0" indent="0" algn="l" rtl="0">
+              <a:spcBef>
+                <a:spcPts val="1200"/>
+              </a:spcBef>
+              <a:spcAft>
+                <a:spcPts val="1200"/>
+              </a:spcAft>
+              <a:buNone/>
+            </a:pPr>
+            <a:r>
+              <a:rPr lang="pt-BR" dirty="0">
+                <a:solidFill>
+                  <a:schemeClr val="accent4">
+                    <a:lumMod val="50000"/>
+                  </a:schemeClr>
+                </a:solidFill>
+              </a:rPr>
+              <a:t>(Em andamento) </a:t>
+            </a:r>
+            <a:r>
+              <a:rPr lang="pt-BR" dirty="0"/>
+              <a:t>Análise comparativa da perda/ganho de efetividade agregada por tipo de ruído e mecanismo de busca.</a:t>
+            </a:r>
+          </a:p>
+          <a:p>
+            <a:pPr marL="0" indent="0">
+              <a:spcBef>
+                <a:spcPts val="1200"/>
+              </a:spcBef>
+              <a:spcAft>
+                <a:spcPts val="1200"/>
+              </a:spcAft>
+              <a:buNone/>
+            </a:pPr>
+            <a:r>
+              <a:rPr lang="pt-BR" sz="1800" dirty="0">
+                <a:solidFill>
+                  <a:srgbClr val="00B050"/>
+                </a:solidFill>
+              </a:rPr>
+              <a:t>(se der tempo) </a:t>
+            </a:r>
+            <a:r>
+              <a:rPr lang="pt-BR" sz="1800" dirty="0"/>
+              <a:t>Repetir as análises com </a:t>
+            </a:r>
+            <a:r>
+              <a:rPr lang="pt-BR" sz="1800" dirty="0" err="1"/>
+              <a:t>dataset</a:t>
+            </a:r>
+            <a:r>
+              <a:rPr lang="pt-BR" sz="1800" dirty="0"/>
+              <a:t> em português.</a:t>
+            </a:r>
+          </a:p>
+        </p:txBody>
+      </p:sp>
+    </p:spTree>
+  </p:cSld>
+  <p:clrMapOvr>
+    <a:masterClrMapping/>
+  </p:clrMapOvr>
+</p:sld>
+</file>
+
+<file path=ppt/slides/slide30.xml><?xml version="1.0" encoding="utf-8"?>
 <p:sld xmlns:a="http://schemas.openxmlformats.org/drawingml/2006/main" xmlns:r="http://schemas.openxmlformats.org/officeDocument/2006/relationships" xmlns:p="http://schemas.openxmlformats.org/presentationml/2006/main">
   <p:cSld>
     <p:spTree>
@@ -19533,228 +20797,7 @@
 </p:sld>
 </file>
 
-<file path=ppt/slides/slide3.xml><?xml version="1.0" encoding="utf-8"?>
-<p:sld xmlns:a="http://schemas.openxmlformats.org/drawingml/2006/main" xmlns:r="http://schemas.openxmlformats.org/officeDocument/2006/relationships" xmlns:p="http://schemas.openxmlformats.org/presentationml/2006/main">
-  <p:cSld>
-    <p:spTree>
-      <p:nvGrpSpPr>
-        <p:cNvPr id="1" name="Shape 65"/>
-        <p:cNvGrpSpPr/>
-        <p:nvPr/>
-      </p:nvGrpSpPr>
-      <p:grpSpPr>
-        <a:xfrm>
-          <a:off x="0" y="0"/>
-          <a:ext cx="0" cy="0"/>
-          <a:chOff x="0" y="0"/>
-          <a:chExt cx="0" cy="0"/>
-        </a:xfrm>
-      </p:grpSpPr>
-      <p:sp>
-        <p:nvSpPr>
-          <p:cNvPr id="66" name="Google Shape;66;p15"/>
-          <p:cNvSpPr txBox="1">
-            <a:spLocks noGrp="1"/>
-          </p:cNvSpPr>
-          <p:nvPr>
-            <p:ph type="title"/>
-          </p:nvPr>
-        </p:nvSpPr>
-        <p:spPr>
-          <a:xfrm>
-            <a:off x="311700" y="445025"/>
-            <a:ext cx="8520600" cy="572700"/>
-          </a:xfrm>
-          <a:prstGeom prst="rect">
-            <a:avLst/>
-          </a:prstGeom>
-        </p:spPr>
-        <p:txBody>
-          <a:bodyPr spcFirstLastPara="1" wrap="square" lIns="91425" tIns="91425" rIns="91425" bIns="91425" anchor="t" anchorCtr="0">
-            <a:normAutofit fontScale="90000"/>
-          </a:bodyPr>
-          <a:lstStyle/>
-          <a:p>
-            <a:pPr marL="0" lvl="0" indent="0" algn="l" rtl="0">
-              <a:spcBef>
-                <a:spcPts val="0"/>
-              </a:spcBef>
-              <a:spcAft>
-                <a:spcPts val="0"/>
-              </a:spcAft>
-              <a:buNone/>
-            </a:pPr>
-            <a:r>
-              <a:rPr lang="pt-BR" dirty="0"/>
-              <a:t>Plano</a:t>
-            </a:r>
-            <a:endParaRPr dirty="0"/>
-          </a:p>
-        </p:txBody>
-      </p:sp>
-      <p:sp>
-        <p:nvSpPr>
-          <p:cNvPr id="67" name="Google Shape;67;p15"/>
-          <p:cNvSpPr txBox="1">
-            <a:spLocks noGrp="1"/>
-          </p:cNvSpPr>
-          <p:nvPr>
-            <p:ph type="body" idx="1"/>
-          </p:nvPr>
-        </p:nvSpPr>
-        <p:spPr>
-          <a:xfrm>
-            <a:off x="311700" y="1152475"/>
-            <a:ext cx="8520600" cy="3416400"/>
-          </a:xfrm>
-          <a:prstGeom prst="rect">
-            <a:avLst/>
-          </a:prstGeom>
-        </p:spPr>
-        <p:txBody>
-          <a:bodyPr spcFirstLastPara="1" wrap="square" lIns="91425" tIns="91425" rIns="91425" bIns="91425" anchor="t" anchorCtr="0">
-            <a:normAutofit/>
-          </a:bodyPr>
-          <a:lstStyle/>
-          <a:p>
-            <a:pPr marL="0" lvl="0" indent="0" algn="l" rtl="0">
-              <a:spcBef>
-                <a:spcPts val="1000"/>
-              </a:spcBef>
-              <a:spcAft>
-                <a:spcPts val="0"/>
-              </a:spcAft>
-              <a:buNone/>
-            </a:pPr>
-            <a:r>
-              <a:rPr lang="pt-BR" dirty="0">
-                <a:solidFill>
-                  <a:schemeClr val="bg2"/>
-                </a:solidFill>
-              </a:rPr>
-              <a:t>(Feito) </a:t>
-            </a:r>
-            <a:r>
-              <a:rPr lang="pt-BR" dirty="0"/>
-              <a:t>Cálculo das métricas para as queries originais; </a:t>
-            </a:r>
-            <a:endParaRPr dirty="0"/>
-          </a:p>
-          <a:p>
-            <a:pPr marL="0" indent="0">
-              <a:spcBef>
-                <a:spcPts val="1200"/>
-              </a:spcBef>
-              <a:buNone/>
-            </a:pPr>
-            <a:r>
-              <a:rPr lang="pt-BR" dirty="0">
-                <a:solidFill>
-                  <a:schemeClr val="accent1"/>
-                </a:solidFill>
-              </a:rPr>
-              <a:t>(Feito) </a:t>
-            </a:r>
-            <a:r>
-              <a:rPr lang="pt-BR" dirty="0"/>
-              <a:t>Programação dos ruídos e geração de “</a:t>
-            </a:r>
-            <a:r>
-              <a:rPr lang="pt-BR" dirty="0" err="1"/>
-              <a:t>noisy</a:t>
-            </a:r>
-            <a:r>
-              <a:rPr lang="pt-BR" dirty="0"/>
-              <a:t> queries”;</a:t>
-            </a:r>
-          </a:p>
-          <a:p>
-            <a:pPr marL="0" indent="0">
-              <a:spcBef>
-                <a:spcPts val="1200"/>
-              </a:spcBef>
-              <a:buNone/>
-            </a:pPr>
-            <a:r>
-              <a:rPr lang="pt-BR" dirty="0">
-                <a:solidFill>
-                  <a:schemeClr val="accent1"/>
-                </a:solidFill>
-              </a:rPr>
-              <a:t>(Feito) </a:t>
-            </a:r>
-            <a:r>
-              <a:rPr lang="pt-BR" dirty="0"/>
-              <a:t>Execução sobre as queries com ruído;</a:t>
-            </a:r>
-          </a:p>
-          <a:p>
-            <a:pPr marL="0" lvl="0" indent="0" algn="l" rtl="0">
-              <a:spcBef>
-                <a:spcPts val="1200"/>
-              </a:spcBef>
-              <a:spcAft>
-                <a:spcPts val="1200"/>
-              </a:spcAft>
-              <a:buNone/>
-            </a:pPr>
-            <a:r>
-              <a:rPr lang="pt-BR" dirty="0">
-                <a:solidFill>
-                  <a:schemeClr val="accent4">
-                    <a:lumMod val="50000"/>
-                  </a:schemeClr>
-                </a:solidFill>
-              </a:rPr>
-              <a:t>(Em andamento) </a:t>
-            </a:r>
-            <a:r>
-              <a:rPr lang="pt-BR" dirty="0"/>
-              <a:t>Análise comparativa da perda/ganho de efetividade agregada por tipo de ruído e mecanismo de busca.</a:t>
-            </a:r>
-          </a:p>
-          <a:p>
-            <a:pPr marL="0" indent="0">
-              <a:spcBef>
-                <a:spcPts val="1200"/>
-              </a:spcBef>
-              <a:spcAft>
-                <a:spcPts val="1200"/>
-              </a:spcAft>
-              <a:buNone/>
-            </a:pPr>
-            <a:r>
-              <a:rPr lang="pt-BR" sz="1800" dirty="0">
-                <a:solidFill>
-                  <a:srgbClr val="00B050"/>
-                </a:solidFill>
-              </a:rPr>
-              <a:t>(se der tempo) </a:t>
-            </a:r>
-            <a:r>
-              <a:rPr lang="pt-BR" sz="1800" dirty="0"/>
-              <a:t>Repetir as análises com </a:t>
-            </a:r>
-            <a:r>
-              <a:rPr lang="pt-BR" sz="1800" dirty="0" err="1"/>
-              <a:t>dataset</a:t>
-            </a:r>
-            <a:r>
-              <a:rPr lang="pt-BR" sz="1800" dirty="0"/>
-              <a:t> em português.</a:t>
-            </a:r>
-          </a:p>
-        </p:txBody>
-      </p:sp>
-    </p:spTree>
-  </p:cSld>
-  <p:clrMapOvr>
-    <a:masterClrMapping/>
-  </p:clrMapOvr>
-</p:sld>
-</file>
-
-<file path=ppt/slides/slide30.xml><?xml version="1.0" encoding="utf-8"?>
+<file path=ppt/slides/slide31.xml><?xml version="1.0" encoding="utf-8"?>
 <p:sld xmlns:a="http://schemas.openxmlformats.org/drawingml/2006/main" xmlns:r="http://schemas.openxmlformats.org/officeDocument/2006/relationships" xmlns:p="http://schemas.openxmlformats.org/presentationml/2006/main">
   <p:cSld>
     <p:spTree>

--- a/docs/presentations/Apresentação 3 - 20211124.pptx
+++ b/docs/presentations/Apresentação 3 - 20211124.pptx
@@ -5,7 +5,7 @@
     <p:sldMasterId id="2147483659" r:id="rId1"/>
   </p:sldMasterIdLst>
   <p:notesMasterIdLst>
-    <p:notesMasterId r:id="rId33"/>
+    <p:notesMasterId r:id="rId34"/>
   </p:notesMasterIdLst>
   <p:sldIdLst>
     <p:sldId id="256" r:id="rId2"/>
@@ -21,24 +21,25 @@
     <p:sldId id="268" r:id="rId12"/>
     <p:sldId id="276" r:id="rId13"/>
     <p:sldId id="296" r:id="rId14"/>
-    <p:sldId id="277" r:id="rId15"/>
-    <p:sldId id="283" r:id="rId16"/>
-    <p:sldId id="278" r:id="rId17"/>
-    <p:sldId id="270" r:id="rId18"/>
-    <p:sldId id="284" r:id="rId19"/>
-    <p:sldId id="279" r:id="rId20"/>
-    <p:sldId id="280" r:id="rId21"/>
-    <p:sldId id="292" r:id="rId22"/>
-    <p:sldId id="295" r:id="rId23"/>
-    <p:sldId id="261" r:id="rId24"/>
-    <p:sldId id="285" r:id="rId25"/>
-    <p:sldId id="286" r:id="rId26"/>
-    <p:sldId id="290" r:id="rId27"/>
-    <p:sldId id="288" r:id="rId28"/>
-    <p:sldId id="287" r:id="rId29"/>
-    <p:sldId id="289" r:id="rId30"/>
-    <p:sldId id="291" r:id="rId31"/>
-    <p:sldId id="281" r:id="rId32"/>
+    <p:sldId id="297" r:id="rId15"/>
+    <p:sldId id="277" r:id="rId16"/>
+    <p:sldId id="283" r:id="rId17"/>
+    <p:sldId id="278" r:id="rId18"/>
+    <p:sldId id="270" r:id="rId19"/>
+    <p:sldId id="284" r:id="rId20"/>
+    <p:sldId id="279" r:id="rId21"/>
+    <p:sldId id="280" r:id="rId22"/>
+    <p:sldId id="292" r:id="rId23"/>
+    <p:sldId id="295" r:id="rId24"/>
+    <p:sldId id="261" r:id="rId25"/>
+    <p:sldId id="285" r:id="rId26"/>
+    <p:sldId id="286" r:id="rId27"/>
+    <p:sldId id="290" r:id="rId28"/>
+    <p:sldId id="288" r:id="rId29"/>
+    <p:sldId id="287" r:id="rId30"/>
+    <p:sldId id="289" r:id="rId31"/>
+    <p:sldId id="291" r:id="rId32"/>
+    <p:sldId id="281" r:id="rId33"/>
   </p:sldIdLst>
   <p:sldSz cx="9144000" cy="5143500" type="screen16x9"/>
   <p:notesSz cx="6858000" cy="9144000"/>
@@ -1476,7 +1477,7 @@
     </p:spTree>
     <p:extLst>
       <p:ext uri="{BB962C8B-B14F-4D97-AF65-F5344CB8AC3E}">
-        <p14:creationId xmlns:p14="http://schemas.microsoft.com/office/powerpoint/2010/main" val="988342255"/>
+        <p14:creationId xmlns:p14="http://schemas.microsoft.com/office/powerpoint/2010/main" val="3802667571"/>
       </p:ext>
     </p:extLst>
   </p:cSld>
@@ -1601,7 +1602,7 @@
     </p:spTree>
     <p:extLst>
       <p:ext uri="{BB962C8B-B14F-4D97-AF65-F5344CB8AC3E}">
-        <p14:creationId xmlns:p14="http://schemas.microsoft.com/office/powerpoint/2010/main" val="3249866708"/>
+        <p14:creationId xmlns:p14="http://schemas.microsoft.com/office/powerpoint/2010/main" val="988342255"/>
       </p:ext>
     </p:extLst>
   </p:cSld>
@@ -1726,7 +1727,7 @@
     </p:spTree>
     <p:extLst>
       <p:ext uri="{BB962C8B-B14F-4D97-AF65-F5344CB8AC3E}">
-        <p14:creationId xmlns:p14="http://schemas.microsoft.com/office/powerpoint/2010/main" val="3169816372"/>
+        <p14:creationId xmlns:p14="http://schemas.microsoft.com/office/powerpoint/2010/main" val="3249866708"/>
       </p:ext>
     </p:extLst>
   </p:cSld>
@@ -1851,7 +1852,7 @@
     </p:spTree>
     <p:extLst>
       <p:ext uri="{BB962C8B-B14F-4D97-AF65-F5344CB8AC3E}">
-        <p14:creationId xmlns:p14="http://schemas.microsoft.com/office/powerpoint/2010/main" val="1302580726"/>
+        <p14:creationId xmlns:p14="http://schemas.microsoft.com/office/powerpoint/2010/main" val="3169816372"/>
       </p:ext>
     </p:extLst>
   </p:cSld>
@@ -1976,7 +1977,7 @@
     </p:spTree>
     <p:extLst>
       <p:ext uri="{BB962C8B-B14F-4D97-AF65-F5344CB8AC3E}">
-        <p14:creationId xmlns:p14="http://schemas.microsoft.com/office/powerpoint/2010/main" val="1067953188"/>
+        <p14:creationId xmlns:p14="http://schemas.microsoft.com/office/powerpoint/2010/main" val="1302580726"/>
       </p:ext>
     </p:extLst>
   </p:cSld>
@@ -2101,7 +2102,7 @@
     </p:spTree>
     <p:extLst>
       <p:ext uri="{BB962C8B-B14F-4D97-AF65-F5344CB8AC3E}">
-        <p14:creationId xmlns:p14="http://schemas.microsoft.com/office/powerpoint/2010/main" val="1078611158"/>
+        <p14:creationId xmlns:p14="http://schemas.microsoft.com/office/powerpoint/2010/main" val="1067953188"/>
       </p:ext>
     </p:extLst>
   </p:cSld>
@@ -2345,7 +2346,7 @@
     </p:spTree>
     <p:extLst>
       <p:ext uri="{BB962C8B-B14F-4D97-AF65-F5344CB8AC3E}">
-        <p14:creationId xmlns:p14="http://schemas.microsoft.com/office/powerpoint/2010/main" val="1446919248"/>
+        <p14:creationId xmlns:p14="http://schemas.microsoft.com/office/powerpoint/2010/main" val="1078611158"/>
       </p:ext>
     </p:extLst>
   </p:cSld>
@@ -2360,7 +2361,7 @@
   <p:cSld>
     <p:spTree>
       <p:nvGrpSpPr>
-        <p:cNvPr id="1" name="Shape 50"/>
+        <p:cNvPr id="1" name="Shape 62"/>
         <p:cNvGrpSpPr/>
         <p:nvPr/>
       </p:nvGrpSpPr>
@@ -2374,7 +2375,7 @@
       </p:grpSpPr>
       <p:sp>
         <p:nvSpPr>
-          <p:cNvPr id="51" name="Google Shape;51;p:notes"/>
+          <p:cNvPr id="63" name="Google Shape;63;gf6254c5e42_0_5:notes"/>
           <p:cNvSpPr>
             <a:spLocks noGrp="1" noRot="1" noChangeAspect="1"/>
           </p:cNvSpPr>
@@ -2415,7 +2416,7 @@
       </p:sp>
       <p:sp>
         <p:nvSpPr>
-          <p:cNvPr id="52" name="Google Shape;52;p:notes"/>
+          <p:cNvPr id="64" name="Google Shape;64;gf6254c5e42_0_5:notes"/>
           <p:cNvSpPr txBox="1">
             <a:spLocks noGrp="1"/>
           </p:cNvSpPr>
@@ -2438,12 +2439,15 @@
           </a:bodyPr>
           <a:lstStyle/>
           <a:p>
-            <a:pPr marL="0" lvl="0" indent="0" algn="ctr" rtl="0">
+            <a:pPr marL="0" lvl="0" indent="0" algn="l" rtl="0">
+              <a:lnSpc>
+                <a:spcPct val="115000"/>
+              </a:lnSpc>
               <a:spcBef>
                 <a:spcPts val="0"/>
               </a:spcBef>
               <a:spcAft>
-                <a:spcPts val="0"/>
+                <a:spcPts val="1200"/>
               </a:spcAft>
               <a:buClr>
                 <a:schemeClr val="dk1"/>
@@ -2453,29 +2457,21 @@
               <a:buNone/>
             </a:pPr>
             <a:r>
-              <a:rPr lang="pt-BR" sz="1200">
-                <a:solidFill>
-                  <a:schemeClr val="dk1"/>
-                </a:solidFill>
-              </a:rPr>
-              <a:t>Título do Projeto + </a:t>
-            </a:r>
-            <a:r>
-              <a:rPr lang="pt-BR" sz="1200">
+              <a:rPr lang="pt-BR" sz="1800">
                 <a:solidFill>
                   <a:srgbClr val="595959"/>
                 </a:solidFill>
               </a:rPr>
-              <a:t>membro(s)</a:t>
+              <a:t>Como resolver o problema ou confirmar/refutar a hipótese?</a:t>
             </a:r>
-            <a:endParaRPr sz="1200"/>
+            <a:endParaRPr/>
           </a:p>
         </p:txBody>
       </p:sp>
     </p:spTree>
     <p:extLst>
       <p:ext uri="{BB962C8B-B14F-4D97-AF65-F5344CB8AC3E}">
-        <p14:creationId xmlns:p14="http://schemas.microsoft.com/office/powerpoint/2010/main" val="734116320"/>
+        <p14:creationId xmlns:p14="http://schemas.microsoft.com/office/powerpoint/2010/main" val="1446919248"/>
       </p:ext>
     </p:extLst>
   </p:cSld>
@@ -2605,7 +2601,7 @@
     </p:spTree>
     <p:extLst>
       <p:ext uri="{BB962C8B-B14F-4D97-AF65-F5344CB8AC3E}">
-        <p14:creationId xmlns:p14="http://schemas.microsoft.com/office/powerpoint/2010/main" val="3067299365"/>
+        <p14:creationId xmlns:p14="http://schemas.microsoft.com/office/powerpoint/2010/main" val="734116320"/>
       </p:ext>
     </p:extLst>
   </p:cSld>
@@ -2620,7 +2616,7 @@
   <p:cSld>
     <p:spTree>
       <p:nvGrpSpPr>
-        <p:cNvPr id="1" name="Shape 80"/>
+        <p:cNvPr id="1" name="Shape 50"/>
         <p:cNvGrpSpPr/>
         <p:nvPr/>
       </p:nvGrpSpPr>
@@ -2634,7 +2630,7 @@
       </p:grpSpPr>
       <p:sp>
         <p:nvSpPr>
-          <p:cNvPr id="81" name="Google Shape;81;gf6254c5e42_0_30:notes"/>
+          <p:cNvPr id="51" name="Google Shape;51;p:notes"/>
           <p:cNvSpPr>
             <a:spLocks noGrp="1" noRot="1" noChangeAspect="1"/>
           </p:cNvSpPr>
@@ -2675,7 +2671,7 @@
       </p:sp>
       <p:sp>
         <p:nvSpPr>
-          <p:cNvPr id="82" name="Google Shape;82;gf6254c5e42_0_30:notes"/>
+          <p:cNvPr id="52" name="Google Shape;52;p:notes"/>
           <p:cNvSpPr txBox="1">
             <a:spLocks noGrp="1"/>
           </p:cNvSpPr>
@@ -2698,31 +2694,46 @@
           </a:bodyPr>
           <a:lstStyle/>
           <a:p>
-            <a:pPr marL="457200" lvl="0" indent="0" algn="l" rtl="0">
-              <a:lnSpc>
-                <a:spcPct val="115000"/>
-              </a:lnSpc>
+            <a:pPr marL="0" lvl="0" indent="0" algn="ctr" rtl="0">
               <a:spcBef>
                 <a:spcPts val="0"/>
               </a:spcBef>
               <a:spcAft>
-                <a:spcPts val="1200"/>
+                <a:spcPts val="0"/>
               </a:spcAft>
+              <a:buClr>
+                <a:schemeClr val="dk1"/>
+              </a:buClr>
+              <a:buSzPts val="1100"/>
+              <a:buFont typeface="Arial"/>
               <a:buNone/>
             </a:pPr>
             <a:r>
-              <a:rPr lang="pt-BR" sz="1800">
+              <a:rPr lang="pt-BR" sz="1200">
+                <a:solidFill>
+                  <a:schemeClr val="dk1"/>
+                </a:solidFill>
+              </a:rPr>
+              <a:t>Título do Projeto + </a:t>
+            </a:r>
+            <a:r>
+              <a:rPr lang="pt-BR" sz="1200">
                 <a:solidFill>
                   <a:srgbClr val="595959"/>
                 </a:solidFill>
               </a:rPr>
-              <a:t>Link para o github</a:t>
+              <a:t>membro(s)</a:t>
             </a:r>
-            <a:endParaRPr/>
+            <a:endParaRPr sz="1200"/>
           </a:p>
         </p:txBody>
       </p:sp>
     </p:spTree>
+    <p:extLst>
+      <p:ext uri="{BB962C8B-B14F-4D97-AF65-F5344CB8AC3E}">
+        <p14:creationId xmlns:p14="http://schemas.microsoft.com/office/powerpoint/2010/main" val="3067299365"/>
+      </p:ext>
+    </p:extLst>
   </p:cSld>
   <p:clrMapOvr>
     <a:masterClrMapping/>
@@ -2838,11 +2849,6 @@
         </p:txBody>
       </p:sp>
     </p:spTree>
-    <p:extLst>
-      <p:ext uri="{BB962C8B-B14F-4D97-AF65-F5344CB8AC3E}">
-        <p14:creationId xmlns:p14="http://schemas.microsoft.com/office/powerpoint/2010/main" val="1212036858"/>
-      </p:ext>
-    </p:extLst>
   </p:cSld>
   <p:clrMapOvr>
     <a:masterClrMapping/>
@@ -2960,7 +2966,7 @@
     </p:spTree>
     <p:extLst>
       <p:ext uri="{BB962C8B-B14F-4D97-AF65-F5344CB8AC3E}">
-        <p14:creationId xmlns:p14="http://schemas.microsoft.com/office/powerpoint/2010/main" val="897458232"/>
+        <p14:creationId xmlns:p14="http://schemas.microsoft.com/office/powerpoint/2010/main" val="1212036858"/>
       </p:ext>
     </p:extLst>
   </p:cSld>
@@ -3080,7 +3086,7 @@
     </p:spTree>
     <p:extLst>
       <p:ext uri="{BB962C8B-B14F-4D97-AF65-F5344CB8AC3E}">
-        <p14:creationId xmlns:p14="http://schemas.microsoft.com/office/powerpoint/2010/main" val="331900894"/>
+        <p14:creationId xmlns:p14="http://schemas.microsoft.com/office/powerpoint/2010/main" val="897458232"/>
       </p:ext>
     </p:extLst>
   </p:cSld>
@@ -3200,7 +3206,7 @@
     </p:spTree>
     <p:extLst>
       <p:ext uri="{BB962C8B-B14F-4D97-AF65-F5344CB8AC3E}">
-        <p14:creationId xmlns:p14="http://schemas.microsoft.com/office/powerpoint/2010/main" val="455712853"/>
+        <p14:creationId xmlns:p14="http://schemas.microsoft.com/office/powerpoint/2010/main" val="331900894"/>
       </p:ext>
     </p:extLst>
   </p:cSld>
@@ -3320,7 +3326,7 @@
     </p:spTree>
     <p:extLst>
       <p:ext uri="{BB962C8B-B14F-4D97-AF65-F5344CB8AC3E}">
-        <p14:creationId xmlns:p14="http://schemas.microsoft.com/office/powerpoint/2010/main" val="2481974844"/>
+        <p14:creationId xmlns:p14="http://schemas.microsoft.com/office/powerpoint/2010/main" val="455712853"/>
       </p:ext>
     </p:extLst>
   </p:cSld>
@@ -3440,7 +3446,7 @@
     </p:spTree>
     <p:extLst>
       <p:ext uri="{BB962C8B-B14F-4D97-AF65-F5344CB8AC3E}">
-        <p14:creationId xmlns:p14="http://schemas.microsoft.com/office/powerpoint/2010/main" val="3468540351"/>
+        <p14:creationId xmlns:p14="http://schemas.microsoft.com/office/powerpoint/2010/main" val="2481974844"/>
       </p:ext>
     </p:extLst>
   </p:cSld>
@@ -3680,6 +3686,126 @@
     </p:spTree>
     <p:extLst>
       <p:ext uri="{BB962C8B-B14F-4D97-AF65-F5344CB8AC3E}">
+        <p14:creationId xmlns:p14="http://schemas.microsoft.com/office/powerpoint/2010/main" val="3468540351"/>
+      </p:ext>
+    </p:extLst>
+  </p:cSld>
+  <p:clrMapOvr>
+    <a:masterClrMapping/>
+  </p:clrMapOvr>
+</p:notes>
+</file>
+
+<file path=ppt/notesSlides/notesSlide31.xml><?xml version="1.0" encoding="utf-8"?>
+<p:notes xmlns:a="http://schemas.openxmlformats.org/drawingml/2006/main" xmlns:r="http://schemas.openxmlformats.org/officeDocument/2006/relationships" xmlns:p="http://schemas.openxmlformats.org/presentationml/2006/main" showMasterSp="0" showMasterPhAnim="0">
+  <p:cSld>
+    <p:spTree>
+      <p:nvGrpSpPr>
+        <p:cNvPr id="1" name="Shape 80"/>
+        <p:cNvGrpSpPr/>
+        <p:nvPr/>
+      </p:nvGrpSpPr>
+      <p:grpSpPr>
+        <a:xfrm>
+          <a:off x="0" y="0"/>
+          <a:ext cx="0" cy="0"/>
+          <a:chOff x="0" y="0"/>
+          <a:chExt cx="0" cy="0"/>
+        </a:xfrm>
+      </p:grpSpPr>
+      <p:sp>
+        <p:nvSpPr>
+          <p:cNvPr id="81" name="Google Shape;81;gf6254c5e42_0_30:notes"/>
+          <p:cNvSpPr>
+            <a:spLocks noGrp="1" noRot="1" noChangeAspect="1"/>
+          </p:cNvSpPr>
+          <p:nvPr>
+            <p:ph type="sldImg" idx="2"/>
+          </p:nvPr>
+        </p:nvSpPr>
+        <p:spPr>
+          <a:xfrm>
+            <a:off x="381000" y="685800"/>
+            <a:ext cx="6096000" cy="3429000"/>
+          </a:xfrm>
+          <a:custGeom>
+            <a:avLst/>
+            <a:gdLst/>
+            <a:ahLst/>
+            <a:cxnLst/>
+            <a:rect l="l" t="t" r="r" b="b"/>
+            <a:pathLst>
+              <a:path w="120000" h="120000" extrusionOk="0">
+                <a:moveTo>
+                  <a:pt x="0" y="0"/>
+                </a:moveTo>
+                <a:lnTo>
+                  <a:pt x="120000" y="0"/>
+                </a:lnTo>
+                <a:lnTo>
+                  <a:pt x="120000" y="120000"/>
+                </a:lnTo>
+                <a:lnTo>
+                  <a:pt x="0" y="120000"/>
+                </a:lnTo>
+                <a:close/>
+              </a:path>
+            </a:pathLst>
+          </a:custGeom>
+        </p:spPr>
+      </p:sp>
+      <p:sp>
+        <p:nvSpPr>
+          <p:cNvPr id="82" name="Google Shape;82;gf6254c5e42_0_30:notes"/>
+          <p:cNvSpPr txBox="1">
+            <a:spLocks noGrp="1"/>
+          </p:cNvSpPr>
+          <p:nvPr>
+            <p:ph type="body" idx="1"/>
+          </p:nvPr>
+        </p:nvSpPr>
+        <p:spPr>
+          <a:xfrm>
+            <a:off x="685800" y="4343400"/>
+            <a:ext cx="5486400" cy="4114800"/>
+          </a:xfrm>
+          <a:prstGeom prst="rect">
+            <a:avLst/>
+          </a:prstGeom>
+        </p:spPr>
+        <p:txBody>
+          <a:bodyPr spcFirstLastPara="1" wrap="square" lIns="91425" tIns="91425" rIns="91425" bIns="91425" anchor="t" anchorCtr="0">
+            <a:noAutofit/>
+          </a:bodyPr>
+          <a:lstStyle/>
+          <a:p>
+            <a:pPr marL="457200" lvl="0" indent="0" algn="l" rtl="0">
+              <a:lnSpc>
+                <a:spcPct val="115000"/>
+              </a:lnSpc>
+              <a:spcBef>
+                <a:spcPts val="0"/>
+              </a:spcBef>
+              <a:spcAft>
+                <a:spcPts val="1200"/>
+              </a:spcAft>
+              <a:buNone/>
+            </a:pPr>
+            <a:r>
+              <a:rPr lang="pt-BR" sz="1800">
+                <a:solidFill>
+                  <a:srgbClr val="595959"/>
+                </a:solidFill>
+              </a:rPr>
+              <a:t>Link para o github</a:t>
+            </a:r>
+            <a:endParaRPr/>
+          </a:p>
+        </p:txBody>
+      </p:sp>
+    </p:spTree>
+    <p:extLst>
+      <p:ext uri="{BB962C8B-B14F-4D97-AF65-F5344CB8AC3E}">
         <p14:creationId xmlns:p14="http://schemas.microsoft.com/office/powerpoint/2010/main" val="3291798661"/>
       </p:ext>
     </p:extLst>
@@ -3690,7 +3816,7 @@
 </p:notes>
 </file>
 
-<file path=ppt/notesSlides/notesSlide31.xml><?xml version="1.0" encoding="utf-8"?>
+<file path=ppt/notesSlides/notesSlide32.xml><?xml version="1.0" encoding="utf-8"?>
 <p:notes xmlns:a="http://schemas.openxmlformats.org/drawingml/2006/main" xmlns:r="http://schemas.openxmlformats.org/officeDocument/2006/relationships" xmlns:p="http://schemas.openxmlformats.org/presentationml/2006/main" showMasterSp="0" showMasterPhAnim="0">
   <p:cSld>
     <p:spTree>
@@ -11666,137 +11792,6 @@
           <a:chExt cx="0" cy="0"/>
         </a:xfrm>
       </p:grpSpPr>
-      <p:sp>
-        <p:nvSpPr>
-          <p:cNvPr id="3" name="Espaço Reservado para Texto 2">
-            <a:extLst>
-              <a:ext uri="{FF2B5EF4-FFF2-40B4-BE49-F238E27FC236}">
-                <a16:creationId xmlns:a16="http://schemas.microsoft.com/office/drawing/2014/main" id="{DC5B0E1F-9176-4AA7-A701-2CBEED3B9B06}"/>
-              </a:ext>
-            </a:extLst>
-          </p:cNvPr>
-          <p:cNvSpPr>
-            <a:spLocks noGrp="1"/>
-          </p:cNvSpPr>
-          <p:nvPr>
-            <p:ph type="body" idx="1"/>
-          </p:nvPr>
-        </p:nvSpPr>
-        <p:spPr>
-          <a:xfrm>
-            <a:off x="678828" y="167943"/>
-            <a:ext cx="7852851" cy="562187"/>
-          </a:xfrm>
-        </p:spPr>
-        <p:txBody>
-          <a:bodyPr>
-            <a:normAutofit fontScale="70000" lnSpcReduction="20000"/>
-          </a:bodyPr>
-          <a:lstStyle/>
-          <a:p>
-            <a:pPr marL="114300" indent="0">
-              <a:buNone/>
-            </a:pPr>
-            <a:r>
-              <a:rPr lang="pt-BR" sz="2400" dirty="0">
-                <a:solidFill>
-                  <a:srgbClr val="000000"/>
-                </a:solidFill>
-                <a:latin typeface="Verdana" panose="020B0604030504040204" pitchFamily="34" charset="0"/>
-              </a:rPr>
-              <a:t>Contextos de pesquisa: modelo evolui com o amadurecimento</a:t>
-            </a:r>
-          </a:p>
-          <a:p>
-            <a:pPr marL="114300" indent="0">
-              <a:buNone/>
-            </a:pPr>
-            <a:endParaRPr lang="pt-BR" sz="2400" dirty="0">
-              <a:solidFill>
-                <a:srgbClr val="000000"/>
-              </a:solidFill>
-              <a:latin typeface="Verdana" panose="020B0604030504040204" pitchFamily="34" charset="0"/>
-            </a:endParaRPr>
-          </a:p>
-          <a:p>
-            <a:pPr marL="114300" indent="0">
-              <a:buNone/>
-            </a:pPr>
-            <a:endParaRPr lang="pt-BR" sz="2400" dirty="0">
-              <a:solidFill>
-                <a:srgbClr val="000000"/>
-              </a:solidFill>
-              <a:latin typeface="Verdana" panose="020B0604030504040204" pitchFamily="34" charset="0"/>
-            </a:endParaRPr>
-          </a:p>
-          <a:p>
-            <a:pPr marL="114300" indent="0">
-              <a:buNone/>
-            </a:pPr>
-            <a:endParaRPr lang="pt-BR" sz="2400" dirty="0">
-              <a:solidFill>
-                <a:srgbClr val="000000"/>
-              </a:solidFill>
-              <a:latin typeface="Verdana" panose="020B0604030504040204" pitchFamily="34" charset="0"/>
-            </a:endParaRPr>
-          </a:p>
-          <a:p>
-            <a:pPr marL="114300" indent="0">
-              <a:buNone/>
-            </a:pPr>
-            <a:endParaRPr lang="pt-BR" sz="2400" dirty="0">
-              <a:solidFill>
-                <a:srgbClr val="000000"/>
-              </a:solidFill>
-              <a:latin typeface="Verdana" panose="020B0604030504040204" pitchFamily="34" charset="0"/>
-            </a:endParaRPr>
-          </a:p>
-          <a:p>
-            <a:pPr marL="114300" indent="0">
-              <a:buNone/>
-            </a:pPr>
-            <a:endParaRPr lang="pt-BR" sz="2400" dirty="0">
-              <a:solidFill>
-                <a:srgbClr val="000000"/>
-              </a:solidFill>
-              <a:latin typeface="Verdana" panose="020B0604030504040204" pitchFamily="34" charset="0"/>
-            </a:endParaRPr>
-          </a:p>
-          <a:p>
-            <a:pPr marL="114300" indent="0">
-              <a:buNone/>
-            </a:pPr>
-            <a:endParaRPr lang="pt-BR" sz="2400" dirty="0">
-              <a:solidFill>
-                <a:srgbClr val="000000"/>
-              </a:solidFill>
-              <a:latin typeface="Verdana" panose="020B0604030504040204" pitchFamily="34" charset="0"/>
-            </a:endParaRPr>
-          </a:p>
-          <a:p>
-            <a:pPr marL="114300" indent="0">
-              <a:buNone/>
-            </a:pPr>
-            <a:endParaRPr lang="pt-BR" sz="2400" dirty="0">
-              <a:solidFill>
-                <a:srgbClr val="000000"/>
-              </a:solidFill>
-              <a:latin typeface="Verdana" panose="020B0604030504040204" pitchFamily="34" charset="0"/>
-            </a:endParaRPr>
-          </a:p>
-          <a:p>
-            <a:pPr marL="114300" indent="0">
-              <a:buNone/>
-            </a:pPr>
-            <a:endParaRPr lang="pt-BR" sz="2400" dirty="0">
-              <a:solidFill>
-                <a:srgbClr val="000000"/>
-              </a:solidFill>
-              <a:latin typeface="Verdana" panose="020B0604030504040204" pitchFamily="34" charset="0"/>
-            </a:endParaRPr>
-          </a:p>
-        </p:txBody>
-      </p:sp>
       <p:pic>
         <p:nvPicPr>
           <p:cNvPr id="7" name="Imagem 6">
@@ -11827,6 +11822,137 @@
           </a:prstGeom>
         </p:spPr>
       </p:pic>
+      <p:sp>
+        <p:nvSpPr>
+          <p:cNvPr id="3" name="Espaço Reservado para Texto 2">
+            <a:extLst>
+              <a:ext uri="{FF2B5EF4-FFF2-40B4-BE49-F238E27FC236}">
+                <a16:creationId xmlns:a16="http://schemas.microsoft.com/office/drawing/2014/main" id="{DC5B0E1F-9176-4AA7-A701-2CBEED3B9B06}"/>
+              </a:ext>
+            </a:extLst>
+          </p:cNvPr>
+          <p:cNvSpPr>
+            <a:spLocks noGrp="1"/>
+          </p:cNvSpPr>
+          <p:nvPr>
+            <p:ph type="body" idx="1"/>
+          </p:nvPr>
+        </p:nvSpPr>
+        <p:spPr>
+          <a:xfrm>
+            <a:off x="678828" y="167943"/>
+            <a:ext cx="7852851" cy="562187"/>
+          </a:xfrm>
+        </p:spPr>
+        <p:txBody>
+          <a:bodyPr>
+            <a:normAutofit fontScale="70000" lnSpcReduction="20000"/>
+          </a:bodyPr>
+          <a:lstStyle/>
+          <a:p>
+            <a:pPr marL="114300" indent="0">
+              <a:buNone/>
+            </a:pPr>
+            <a:r>
+              <a:rPr lang="pt-BR" sz="2400" dirty="0">
+                <a:solidFill>
+                  <a:srgbClr val="000000"/>
+                </a:solidFill>
+                <a:latin typeface="Verdana" panose="020B0604030504040204" pitchFamily="34" charset="0"/>
+              </a:rPr>
+              <a:t>Contextos de pesquisa: modelo evolui com o amadurecimento</a:t>
+            </a:r>
+          </a:p>
+          <a:p>
+            <a:pPr marL="114300" indent="0">
+              <a:buNone/>
+            </a:pPr>
+            <a:endParaRPr lang="pt-BR" sz="2400" dirty="0">
+              <a:solidFill>
+                <a:srgbClr val="000000"/>
+              </a:solidFill>
+              <a:latin typeface="Verdana" panose="020B0604030504040204" pitchFamily="34" charset="0"/>
+            </a:endParaRPr>
+          </a:p>
+          <a:p>
+            <a:pPr marL="114300" indent="0">
+              <a:buNone/>
+            </a:pPr>
+            <a:endParaRPr lang="pt-BR" sz="2400" dirty="0">
+              <a:solidFill>
+                <a:srgbClr val="000000"/>
+              </a:solidFill>
+              <a:latin typeface="Verdana" panose="020B0604030504040204" pitchFamily="34" charset="0"/>
+            </a:endParaRPr>
+          </a:p>
+          <a:p>
+            <a:pPr marL="114300" indent="0">
+              <a:buNone/>
+            </a:pPr>
+            <a:endParaRPr lang="pt-BR" sz="2400" dirty="0">
+              <a:solidFill>
+                <a:srgbClr val="000000"/>
+              </a:solidFill>
+              <a:latin typeface="Verdana" panose="020B0604030504040204" pitchFamily="34" charset="0"/>
+            </a:endParaRPr>
+          </a:p>
+          <a:p>
+            <a:pPr marL="114300" indent="0">
+              <a:buNone/>
+            </a:pPr>
+            <a:endParaRPr lang="pt-BR" sz="2400" dirty="0">
+              <a:solidFill>
+                <a:srgbClr val="000000"/>
+              </a:solidFill>
+              <a:latin typeface="Verdana" panose="020B0604030504040204" pitchFamily="34" charset="0"/>
+            </a:endParaRPr>
+          </a:p>
+          <a:p>
+            <a:pPr marL="114300" indent="0">
+              <a:buNone/>
+            </a:pPr>
+            <a:endParaRPr lang="pt-BR" sz="2400" dirty="0">
+              <a:solidFill>
+                <a:srgbClr val="000000"/>
+              </a:solidFill>
+              <a:latin typeface="Verdana" panose="020B0604030504040204" pitchFamily="34" charset="0"/>
+            </a:endParaRPr>
+          </a:p>
+          <a:p>
+            <a:pPr marL="114300" indent="0">
+              <a:buNone/>
+            </a:pPr>
+            <a:endParaRPr lang="pt-BR" sz="2400" dirty="0">
+              <a:solidFill>
+                <a:srgbClr val="000000"/>
+              </a:solidFill>
+              <a:latin typeface="Verdana" panose="020B0604030504040204" pitchFamily="34" charset="0"/>
+            </a:endParaRPr>
+          </a:p>
+          <a:p>
+            <a:pPr marL="114300" indent="0">
+              <a:buNone/>
+            </a:pPr>
+            <a:endParaRPr lang="pt-BR" sz="2400" dirty="0">
+              <a:solidFill>
+                <a:srgbClr val="000000"/>
+              </a:solidFill>
+              <a:latin typeface="Verdana" panose="020B0604030504040204" pitchFamily="34" charset="0"/>
+            </a:endParaRPr>
+          </a:p>
+          <a:p>
+            <a:pPr marL="114300" indent="0">
+              <a:buNone/>
+            </a:pPr>
+            <a:endParaRPr lang="pt-BR" sz="2400" dirty="0">
+              <a:solidFill>
+                <a:srgbClr val="000000"/>
+              </a:solidFill>
+              <a:latin typeface="Verdana" panose="020B0604030504040204" pitchFamily="34" charset="0"/>
+            </a:endParaRPr>
+          </a:p>
+        </p:txBody>
+      </p:sp>
       <p:cxnSp>
         <p:nvCxnSpPr>
           <p:cNvPr id="8" name="Conector de Seta Reta 7">
@@ -11851,101 +11977,6 @@
           </a:prstGeom>
           <a:ln>
             <a:prstDash val="sysDot"/>
-            <a:tailEnd type="triangle"/>
-          </a:ln>
-        </p:spPr>
-        <p:style>
-          <a:lnRef idx="1">
-            <a:schemeClr val="accent1"/>
-          </a:lnRef>
-          <a:fillRef idx="0">
-            <a:schemeClr val="accent1"/>
-          </a:fillRef>
-          <a:effectRef idx="0">
-            <a:schemeClr val="accent1"/>
-          </a:effectRef>
-          <a:fontRef idx="minor">
-            <a:schemeClr val="tx1"/>
-          </a:fontRef>
-        </p:style>
-      </p:cxnSp>
-      <p:sp>
-        <p:nvSpPr>
-          <p:cNvPr id="2" name="Retângulo 1" descr="Modelo">
-            <a:extLst>
-              <a:ext uri="{FF2B5EF4-FFF2-40B4-BE49-F238E27FC236}">
-                <a16:creationId xmlns:a16="http://schemas.microsoft.com/office/drawing/2014/main" id="{1D907C84-79A9-40A3-933D-06C98C888AEF}"/>
-              </a:ext>
-            </a:extLst>
-          </p:cNvPr>
-          <p:cNvSpPr/>
-          <p:nvPr/>
-        </p:nvSpPr>
-        <p:spPr>
-          <a:xfrm>
-            <a:off x="1649186" y="4690565"/>
-            <a:ext cx="865414" cy="434940"/>
-          </a:xfrm>
-          <a:prstGeom prst="rect">
-            <a:avLst/>
-          </a:prstGeom>
-          <a:solidFill>
-            <a:schemeClr val="accent6">
-              <a:lumMod val="50000"/>
-            </a:schemeClr>
-          </a:solidFill>
-        </p:spPr>
-        <p:style>
-          <a:lnRef idx="2">
-            <a:schemeClr val="accent1">
-              <a:shade val="50000"/>
-            </a:schemeClr>
-          </a:lnRef>
-          <a:fillRef idx="1">
-            <a:schemeClr val="accent1"/>
-          </a:fillRef>
-          <a:effectRef idx="0">
-            <a:schemeClr val="accent1"/>
-          </a:effectRef>
-          <a:fontRef idx="minor">
-            <a:schemeClr val="lt1"/>
-          </a:fontRef>
-        </p:style>
-        <p:txBody>
-          <a:bodyPr rtlCol="0" anchor="ctr"/>
-          <a:lstStyle/>
-          <a:p>
-            <a:pPr algn="ctr"/>
-            <a:r>
-              <a:rPr lang="pt-BR" dirty="0"/>
-              <a:t>Model</a:t>
-            </a:r>
-          </a:p>
-        </p:txBody>
-      </p:sp>
-      <p:cxnSp>
-        <p:nvCxnSpPr>
-          <p:cNvPr id="5" name="Conector de Seta Reta 4">
-            <a:extLst>
-              <a:ext uri="{FF2B5EF4-FFF2-40B4-BE49-F238E27FC236}">
-                <a16:creationId xmlns:a16="http://schemas.microsoft.com/office/drawing/2014/main" id="{36C9EC24-1F4D-4394-84A7-D401801C5D3E}"/>
-              </a:ext>
-            </a:extLst>
-          </p:cNvPr>
-          <p:cNvCxnSpPr>
-            <a:cxnSpLocks/>
-          </p:cNvCxnSpPr>
-          <p:nvPr/>
-        </p:nvCxnSpPr>
-        <p:spPr>
-          <a:xfrm flipH="1">
-            <a:off x="2218645" y="4457696"/>
-            <a:ext cx="338818" cy="208377"/>
-          </a:xfrm>
-          <a:prstGeom prst="straightConnector1">
-            <a:avLst/>
-          </a:prstGeom>
-          <a:ln>
             <a:tailEnd type="triangle"/>
           </a:ln>
         </p:spPr>
@@ -12539,6 +12570,946 @@
 </file>
 
 <file path=ppt/slides/slide14.xml><?xml version="1.0" encoding="utf-8"?>
+<p:sld xmlns:a="http://schemas.openxmlformats.org/drawingml/2006/main" xmlns:r="http://schemas.openxmlformats.org/officeDocument/2006/relationships" xmlns:p="http://schemas.openxmlformats.org/presentationml/2006/main">
+  <p:cSld>
+    <p:spTree>
+      <p:nvGrpSpPr>
+        <p:cNvPr id="1" name="Shape 65"/>
+        <p:cNvGrpSpPr/>
+        <p:nvPr/>
+      </p:nvGrpSpPr>
+      <p:grpSpPr>
+        <a:xfrm>
+          <a:off x="0" y="0"/>
+          <a:ext cx="0" cy="0"/>
+          <a:chOff x="0" y="0"/>
+          <a:chExt cx="0" cy="0"/>
+        </a:xfrm>
+      </p:grpSpPr>
+      <p:pic>
+        <p:nvPicPr>
+          <p:cNvPr id="7" name="Imagem 6">
+            <a:extLst>
+              <a:ext uri="{FF2B5EF4-FFF2-40B4-BE49-F238E27FC236}">
+                <a16:creationId xmlns:a16="http://schemas.microsoft.com/office/drawing/2014/main" id="{BA6FC271-60AE-490A-82BE-0A6D926741BD}"/>
+              </a:ext>
+            </a:extLst>
+          </p:cNvPr>
+          <p:cNvPicPr>
+            <a:picLocks noChangeAspect="1"/>
+          </p:cNvPicPr>
+          <p:nvPr/>
+        </p:nvPicPr>
+        <p:blipFill>
+          <a:blip r:embed="rId3"/>
+          <a:stretch>
+            <a:fillRect/>
+          </a:stretch>
+        </p:blipFill>
+        <p:spPr>
+          <a:xfrm>
+            <a:off x="198663" y="857250"/>
+            <a:ext cx="3369129" cy="3616779"/>
+          </a:xfrm>
+          <a:prstGeom prst="rect">
+            <a:avLst/>
+          </a:prstGeom>
+        </p:spPr>
+      </p:pic>
+      <p:sp>
+        <p:nvSpPr>
+          <p:cNvPr id="20" name="Elipse 19">
+            <a:extLst>
+              <a:ext uri="{FF2B5EF4-FFF2-40B4-BE49-F238E27FC236}">
+                <a16:creationId xmlns:a16="http://schemas.microsoft.com/office/drawing/2014/main" id="{E506D905-459D-49A6-A7C8-79EC78287A38}"/>
+              </a:ext>
+            </a:extLst>
+          </p:cNvPr>
+          <p:cNvSpPr/>
+          <p:nvPr/>
+        </p:nvSpPr>
+        <p:spPr>
+          <a:xfrm>
+            <a:off x="2760124" y="2571750"/>
+            <a:ext cx="2195597" cy="963386"/>
+          </a:xfrm>
+          <a:prstGeom prst="ellipse">
+            <a:avLst/>
+          </a:prstGeom>
+          <a:solidFill>
+            <a:srgbClr val="92D050"/>
+          </a:solidFill>
+          <a:ln>
+            <a:solidFill>
+              <a:schemeClr val="accent1">
+                <a:shade val="50000"/>
+                <a:alpha val="9000"/>
+              </a:schemeClr>
+            </a:solidFill>
+          </a:ln>
+        </p:spPr>
+        <p:style>
+          <a:lnRef idx="2">
+            <a:schemeClr val="accent1">
+              <a:shade val="50000"/>
+            </a:schemeClr>
+          </a:lnRef>
+          <a:fillRef idx="1">
+            <a:schemeClr val="accent1"/>
+          </a:fillRef>
+          <a:effectRef idx="0">
+            <a:schemeClr val="accent1"/>
+          </a:effectRef>
+          <a:fontRef idx="minor">
+            <a:schemeClr val="lt1"/>
+          </a:fontRef>
+        </p:style>
+        <p:txBody>
+          <a:bodyPr rtlCol="0" anchor="ctr"/>
+          <a:lstStyle/>
+          <a:p>
+            <a:pPr algn="ctr"/>
+            <a:endParaRPr lang="pt-BR"/>
+          </a:p>
+        </p:txBody>
+      </p:sp>
+      <p:sp>
+        <p:nvSpPr>
+          <p:cNvPr id="3" name="Espaço Reservado para Texto 2">
+            <a:extLst>
+              <a:ext uri="{FF2B5EF4-FFF2-40B4-BE49-F238E27FC236}">
+                <a16:creationId xmlns:a16="http://schemas.microsoft.com/office/drawing/2014/main" id="{DC5B0E1F-9176-4AA7-A701-2CBEED3B9B06}"/>
+              </a:ext>
+            </a:extLst>
+          </p:cNvPr>
+          <p:cNvSpPr>
+            <a:spLocks noGrp="1"/>
+          </p:cNvSpPr>
+          <p:nvPr>
+            <p:ph type="body" idx="1"/>
+          </p:nvPr>
+        </p:nvSpPr>
+        <p:spPr>
+          <a:xfrm>
+            <a:off x="678828" y="167943"/>
+            <a:ext cx="7852851" cy="562187"/>
+          </a:xfrm>
+        </p:spPr>
+        <p:txBody>
+          <a:bodyPr>
+            <a:normAutofit fontScale="70000" lnSpcReduction="20000"/>
+          </a:bodyPr>
+          <a:lstStyle/>
+          <a:p>
+            <a:pPr marL="114300" indent="0">
+              <a:buNone/>
+            </a:pPr>
+            <a:r>
+              <a:rPr lang="pt-BR" sz="2400" dirty="0">
+                <a:solidFill>
+                  <a:srgbClr val="000000"/>
+                </a:solidFill>
+                <a:latin typeface="Verdana" panose="020B0604030504040204" pitchFamily="34" charset="0"/>
+              </a:rPr>
+              <a:t>Contextos de pesquisa: modelo evolui com o amadurecimento</a:t>
+            </a:r>
+          </a:p>
+          <a:p>
+            <a:pPr marL="114300" indent="0">
+              <a:buNone/>
+            </a:pPr>
+            <a:endParaRPr lang="pt-BR" sz="2400" dirty="0">
+              <a:solidFill>
+                <a:srgbClr val="000000"/>
+              </a:solidFill>
+              <a:latin typeface="Verdana" panose="020B0604030504040204" pitchFamily="34" charset="0"/>
+            </a:endParaRPr>
+          </a:p>
+          <a:p>
+            <a:pPr marL="114300" indent="0">
+              <a:buNone/>
+            </a:pPr>
+            <a:endParaRPr lang="pt-BR" sz="2400" dirty="0">
+              <a:solidFill>
+                <a:srgbClr val="000000"/>
+              </a:solidFill>
+              <a:latin typeface="Verdana" panose="020B0604030504040204" pitchFamily="34" charset="0"/>
+            </a:endParaRPr>
+          </a:p>
+          <a:p>
+            <a:pPr marL="114300" indent="0">
+              <a:buNone/>
+            </a:pPr>
+            <a:endParaRPr lang="pt-BR" sz="2400" dirty="0">
+              <a:solidFill>
+                <a:srgbClr val="000000"/>
+              </a:solidFill>
+              <a:latin typeface="Verdana" panose="020B0604030504040204" pitchFamily="34" charset="0"/>
+            </a:endParaRPr>
+          </a:p>
+          <a:p>
+            <a:pPr marL="114300" indent="0">
+              <a:buNone/>
+            </a:pPr>
+            <a:endParaRPr lang="pt-BR" sz="2400" dirty="0">
+              <a:solidFill>
+                <a:srgbClr val="000000"/>
+              </a:solidFill>
+              <a:latin typeface="Verdana" panose="020B0604030504040204" pitchFamily="34" charset="0"/>
+            </a:endParaRPr>
+          </a:p>
+          <a:p>
+            <a:pPr marL="114300" indent="0">
+              <a:buNone/>
+            </a:pPr>
+            <a:endParaRPr lang="pt-BR" sz="2400" dirty="0">
+              <a:solidFill>
+                <a:srgbClr val="000000"/>
+              </a:solidFill>
+              <a:latin typeface="Verdana" panose="020B0604030504040204" pitchFamily="34" charset="0"/>
+            </a:endParaRPr>
+          </a:p>
+          <a:p>
+            <a:pPr marL="114300" indent="0">
+              <a:buNone/>
+            </a:pPr>
+            <a:endParaRPr lang="pt-BR" sz="2400" dirty="0">
+              <a:solidFill>
+                <a:srgbClr val="000000"/>
+              </a:solidFill>
+              <a:latin typeface="Verdana" panose="020B0604030504040204" pitchFamily="34" charset="0"/>
+            </a:endParaRPr>
+          </a:p>
+          <a:p>
+            <a:pPr marL="114300" indent="0">
+              <a:buNone/>
+            </a:pPr>
+            <a:endParaRPr lang="pt-BR" sz="2400" dirty="0">
+              <a:solidFill>
+                <a:srgbClr val="000000"/>
+              </a:solidFill>
+              <a:latin typeface="Verdana" panose="020B0604030504040204" pitchFamily="34" charset="0"/>
+            </a:endParaRPr>
+          </a:p>
+          <a:p>
+            <a:pPr marL="114300" indent="0">
+              <a:buNone/>
+            </a:pPr>
+            <a:endParaRPr lang="pt-BR" sz="2400" dirty="0">
+              <a:solidFill>
+                <a:srgbClr val="000000"/>
+              </a:solidFill>
+              <a:latin typeface="Verdana" panose="020B0604030504040204" pitchFamily="34" charset="0"/>
+            </a:endParaRPr>
+          </a:p>
+        </p:txBody>
+      </p:sp>
+      <p:cxnSp>
+        <p:nvCxnSpPr>
+          <p:cNvPr id="8" name="Conector de Seta Reta 7">
+            <a:extLst>
+              <a:ext uri="{FF2B5EF4-FFF2-40B4-BE49-F238E27FC236}">
+                <a16:creationId xmlns:a16="http://schemas.microsoft.com/office/drawing/2014/main" id="{2F3BF97E-4FF4-44F2-86CF-E0981011EDA6}"/>
+              </a:ext>
+            </a:extLst>
+          </p:cNvPr>
+          <p:cNvCxnSpPr>
+            <a:cxnSpLocks/>
+          </p:cNvCxnSpPr>
+          <p:nvPr/>
+        </p:nvCxnSpPr>
+        <p:spPr>
+          <a:xfrm>
+            <a:off x="2955471" y="4474029"/>
+            <a:ext cx="710293" cy="216536"/>
+          </a:xfrm>
+          <a:prstGeom prst="straightConnector1">
+            <a:avLst/>
+          </a:prstGeom>
+          <a:ln>
+            <a:prstDash val="sysDot"/>
+            <a:tailEnd type="triangle"/>
+          </a:ln>
+        </p:spPr>
+        <p:style>
+          <a:lnRef idx="1">
+            <a:schemeClr val="accent1"/>
+          </a:lnRef>
+          <a:fillRef idx="0">
+            <a:schemeClr val="accent1"/>
+          </a:fillRef>
+          <a:effectRef idx="0">
+            <a:schemeClr val="accent1"/>
+          </a:effectRef>
+          <a:fontRef idx="minor">
+            <a:schemeClr val="tx1"/>
+          </a:fontRef>
+        </p:style>
+      </p:cxnSp>
+      <p:sp>
+        <p:nvSpPr>
+          <p:cNvPr id="2" name="Retângulo 1" descr="Modelo">
+            <a:extLst>
+              <a:ext uri="{FF2B5EF4-FFF2-40B4-BE49-F238E27FC236}">
+                <a16:creationId xmlns:a16="http://schemas.microsoft.com/office/drawing/2014/main" id="{1D907C84-79A9-40A3-933D-06C98C888AEF}"/>
+              </a:ext>
+            </a:extLst>
+          </p:cNvPr>
+          <p:cNvSpPr/>
+          <p:nvPr/>
+        </p:nvSpPr>
+        <p:spPr>
+          <a:xfrm>
+            <a:off x="3837215" y="2897955"/>
+            <a:ext cx="865414" cy="434940"/>
+          </a:xfrm>
+          <a:prstGeom prst="rect">
+            <a:avLst/>
+          </a:prstGeom>
+          <a:solidFill>
+            <a:schemeClr val="accent6">
+              <a:lumMod val="50000"/>
+            </a:schemeClr>
+          </a:solidFill>
+        </p:spPr>
+        <p:style>
+          <a:lnRef idx="2">
+            <a:schemeClr val="accent1">
+              <a:shade val="50000"/>
+            </a:schemeClr>
+          </a:lnRef>
+          <a:fillRef idx="1">
+            <a:schemeClr val="accent1"/>
+          </a:fillRef>
+          <a:effectRef idx="0">
+            <a:schemeClr val="accent1"/>
+          </a:effectRef>
+          <a:fontRef idx="minor">
+            <a:schemeClr val="lt1"/>
+          </a:fontRef>
+        </p:style>
+        <p:txBody>
+          <a:bodyPr rtlCol="0" anchor="ctr"/>
+          <a:lstStyle/>
+          <a:p>
+            <a:pPr algn="ctr"/>
+            <a:r>
+              <a:rPr lang="pt-BR" dirty="0"/>
+              <a:t>Model</a:t>
+            </a:r>
+          </a:p>
+        </p:txBody>
+      </p:sp>
+      <p:cxnSp>
+        <p:nvCxnSpPr>
+          <p:cNvPr id="5" name="Conector de Seta Reta 4">
+            <a:extLst>
+              <a:ext uri="{FF2B5EF4-FFF2-40B4-BE49-F238E27FC236}">
+                <a16:creationId xmlns:a16="http://schemas.microsoft.com/office/drawing/2014/main" id="{36C9EC24-1F4D-4394-84A7-D401801C5D3E}"/>
+              </a:ext>
+            </a:extLst>
+          </p:cNvPr>
+          <p:cNvCxnSpPr>
+            <a:cxnSpLocks/>
+          </p:cNvCxnSpPr>
+          <p:nvPr/>
+        </p:nvCxnSpPr>
+        <p:spPr>
+          <a:xfrm>
+            <a:off x="2760124" y="2903154"/>
+            <a:ext cx="1085255" cy="142125"/>
+          </a:xfrm>
+          <a:prstGeom prst="straightConnector1">
+            <a:avLst/>
+          </a:prstGeom>
+          <a:ln>
+            <a:tailEnd type="triangle"/>
+          </a:ln>
+        </p:spPr>
+        <p:style>
+          <a:lnRef idx="1">
+            <a:schemeClr val="accent1"/>
+          </a:lnRef>
+          <a:fillRef idx="0">
+            <a:schemeClr val="accent1"/>
+          </a:fillRef>
+          <a:effectRef idx="0">
+            <a:schemeClr val="accent1"/>
+          </a:effectRef>
+          <a:fontRef idx="minor">
+            <a:schemeClr val="tx1"/>
+          </a:fontRef>
+        </p:style>
+      </p:cxnSp>
+      <p:graphicFrame>
+        <p:nvGraphicFramePr>
+          <p:cNvPr id="13" name="Tabela 12">
+            <a:extLst>
+              <a:ext uri="{FF2B5EF4-FFF2-40B4-BE49-F238E27FC236}">
+                <a16:creationId xmlns:a16="http://schemas.microsoft.com/office/drawing/2014/main" id="{908C5DE2-A26F-4D07-B14C-24BDF161436B}"/>
+              </a:ext>
+            </a:extLst>
+          </p:cNvPr>
+          <p:cNvGraphicFramePr>
+            <a:graphicFrameLocks noGrp="1"/>
+          </p:cNvGraphicFramePr>
+          <p:nvPr/>
+        </p:nvGraphicFramePr>
+        <p:xfrm>
+          <a:off x="3732471" y="3924788"/>
+          <a:ext cx="5378873" cy="1201897"/>
+        </p:xfrm>
+        <a:graphic>
+          <a:graphicData uri="http://schemas.openxmlformats.org/drawingml/2006/table">
+            <a:tbl>
+              <a:tblPr>
+                <a:tableStyleId>{5C22544A-7EE6-4342-B048-85BDC9FD1C3A}</a:tableStyleId>
+              </a:tblPr>
+              <a:tblGrid>
+                <a:gridCol w="893348">
+                  <a:extLst>
+                    <a:ext uri="{9D8B030D-6E8A-4147-A177-3AD203B41FA5}">
+                      <a16:colId xmlns:a16="http://schemas.microsoft.com/office/drawing/2014/main" val="1158550172"/>
+                    </a:ext>
+                  </a:extLst>
+                </a:gridCol>
+                <a:gridCol w="4485525">
+                  <a:extLst>
+                    <a:ext uri="{9D8B030D-6E8A-4147-A177-3AD203B41FA5}">
+                      <a16:colId xmlns:a16="http://schemas.microsoft.com/office/drawing/2014/main" val="2619315378"/>
+                    </a:ext>
+                  </a:extLst>
+                </a:gridCol>
+              </a:tblGrid>
+              <a:tr h="156282">
+                <a:tc>
+                  <a:txBody>
+                    <a:bodyPr/>
+                    <a:lstStyle/>
+                    <a:p>
+                      <a:pPr algn="l" fontAlgn="b"/>
+                      <a:r>
+                        <a:rPr lang="pt-BR" sz="1000" b="1" u="none" strike="noStrike" dirty="0" err="1">
+                          <a:effectLst/>
+                        </a:rPr>
+                        <a:t>abbreviation</a:t>
+                      </a:r>
+                      <a:endParaRPr lang="pt-BR" sz="1000" b="1" i="0" u="none" strike="noStrike" dirty="0">
+                        <a:solidFill>
+                          <a:srgbClr val="FFFFFF"/>
+                        </a:solidFill>
+                        <a:effectLst/>
+                        <a:latin typeface="Calibri" panose="020F0502020204030204" pitchFamily="34" charset="0"/>
+                      </a:endParaRPr>
+                    </a:p>
+                  </a:txBody>
+                  <a:tcPr marL="5910" marR="5910" marT="5910" marB="0" anchor="b"/>
+                </a:tc>
+                <a:tc>
+                  <a:txBody>
+                    <a:bodyPr/>
+                    <a:lstStyle/>
+                    <a:p>
+                      <a:pPr algn="l" fontAlgn="b"/>
+                      <a:r>
+                        <a:rPr lang="pt-BR" sz="1000" b="1" u="none" strike="noStrike" dirty="0" err="1">
+                          <a:effectLst/>
+                        </a:rPr>
+                        <a:t>descr</a:t>
+                      </a:r>
+                      <a:endParaRPr lang="pt-BR" sz="1000" b="1" i="0" u="none" strike="noStrike" dirty="0">
+                        <a:solidFill>
+                          <a:srgbClr val="FFFFFF"/>
+                        </a:solidFill>
+                        <a:effectLst/>
+                        <a:latin typeface="Calibri" panose="020F0502020204030204" pitchFamily="34" charset="0"/>
+                      </a:endParaRPr>
+                    </a:p>
+                  </a:txBody>
+                  <a:tcPr marL="5910" marR="5910" marT="5910" marB="0" anchor="b"/>
+                </a:tc>
+                <a:extLst>
+                  <a:ext uri="{0D108BD9-81ED-4DB2-BD59-A6C34878D82A}">
+                    <a16:rowId xmlns:a16="http://schemas.microsoft.com/office/drawing/2014/main" val="2790168752"/>
+                  </a:ext>
+                </a:extLst>
+              </a:tr>
+              <a:tr h="263857">
+                <a:tc>
+                  <a:txBody>
+                    <a:bodyPr/>
+                    <a:lstStyle/>
+                    <a:p>
+                      <a:pPr algn="l" fontAlgn="b"/>
+                      <a:r>
+                        <a:rPr lang="pt-BR" sz="1000" u="none" strike="noStrike">
+                          <a:effectLst/>
+                        </a:rPr>
+                        <a:t>ReRank@1000</a:t>
+                      </a:r>
+                      <a:endParaRPr lang="pt-BR" sz="1000" b="0" i="0" u="none" strike="noStrike">
+                        <a:solidFill>
+                          <a:srgbClr val="000000"/>
+                        </a:solidFill>
+                        <a:effectLst/>
+                        <a:latin typeface="Calibri" panose="020F0502020204030204" pitchFamily="34" charset="0"/>
+                      </a:endParaRPr>
+                    </a:p>
+                  </a:txBody>
+                  <a:tcPr marL="5910" marR="5910" marT="5910" marB="0" anchor="b"/>
+                </a:tc>
+                <a:tc>
+                  <a:txBody>
+                    <a:bodyPr/>
+                    <a:lstStyle/>
+                    <a:p>
+                      <a:pPr algn="l" fontAlgn="b"/>
+                      <a:r>
+                        <a:rPr lang="en-US" sz="1000" u="none" strike="noStrike" dirty="0" err="1">
+                          <a:effectLst/>
+                        </a:rPr>
+                        <a:t>ReRank</a:t>
+                      </a:r>
+                      <a:r>
+                        <a:rPr lang="en-US" sz="1000" u="none" strike="noStrike" dirty="0">
+                          <a:effectLst/>
+                        </a:rPr>
+                        <a:t> using </a:t>
+                      </a:r>
+                      <a:r>
+                        <a:rPr lang="en-US" sz="1000" u="none" strike="noStrike" dirty="0">
+                          <a:solidFill>
+                            <a:schemeClr val="accent1"/>
+                          </a:solidFill>
+                          <a:effectLst/>
+                        </a:rPr>
+                        <a:t>MonoT5</a:t>
+                      </a:r>
+                      <a:r>
+                        <a:rPr lang="en-US" sz="1000" u="none" strike="noStrike" dirty="0">
+                          <a:effectLst/>
+                        </a:rPr>
+                        <a:t> over 1000 first retrieval using BM25 </a:t>
+                      </a:r>
+                      <a:endParaRPr lang="en-US" sz="1000" b="0" i="0" u="none" strike="noStrike" dirty="0">
+                        <a:solidFill>
+                          <a:srgbClr val="000000"/>
+                        </a:solidFill>
+                        <a:effectLst/>
+                        <a:latin typeface="Calibri" panose="020F0502020204030204" pitchFamily="34" charset="0"/>
+                      </a:endParaRPr>
+                    </a:p>
+                  </a:txBody>
+                  <a:tcPr marL="5910" marR="5910" marT="5910" marB="0" anchor="b"/>
+                </a:tc>
+                <a:extLst>
+                  <a:ext uri="{0D108BD9-81ED-4DB2-BD59-A6C34878D82A}">
+                    <a16:rowId xmlns:a16="http://schemas.microsoft.com/office/drawing/2014/main" val="86871933"/>
+                  </a:ext>
+                </a:extLst>
+              </a:tr>
+              <a:tr h="156282">
+                <a:tc>
+                  <a:txBody>
+                    <a:bodyPr/>
+                    <a:lstStyle/>
+                    <a:p>
+                      <a:pPr algn="l" fontAlgn="b"/>
+                      <a:r>
+                        <a:rPr lang="pt-BR" sz="1000" u="none" strike="noStrike">
+                          <a:effectLst/>
+                        </a:rPr>
+                        <a:t>BM25</a:t>
+                      </a:r>
+                      <a:endParaRPr lang="pt-BR" sz="1000" b="0" i="0" u="none" strike="noStrike">
+                        <a:solidFill>
+                          <a:srgbClr val="000000"/>
+                        </a:solidFill>
+                        <a:effectLst/>
+                        <a:latin typeface="Calibri" panose="020F0502020204030204" pitchFamily="34" charset="0"/>
+                      </a:endParaRPr>
+                    </a:p>
+                  </a:txBody>
+                  <a:tcPr marL="5910" marR="5910" marT="5910" marB="0" anchor="b"/>
+                </a:tc>
+                <a:tc>
+                  <a:txBody>
+                    <a:bodyPr/>
+                    <a:lstStyle/>
+                    <a:p>
+                      <a:pPr algn="l" fontAlgn="b"/>
+                      <a:r>
+                        <a:rPr lang="pt-BR" sz="1000" u="none" strike="noStrike" dirty="0">
+                          <a:effectLst/>
+                        </a:rPr>
+                        <a:t>Best </a:t>
+                      </a:r>
+                      <a:r>
+                        <a:rPr lang="pt-BR" sz="1000" u="none" strike="noStrike" dirty="0" err="1">
+                          <a:effectLst/>
+                        </a:rPr>
+                        <a:t>Matching</a:t>
+                      </a:r>
+                      <a:r>
+                        <a:rPr lang="pt-BR" sz="1000" u="none" strike="noStrike" dirty="0">
+                          <a:effectLst/>
+                        </a:rPr>
+                        <a:t> </a:t>
+                      </a:r>
+                      <a:r>
+                        <a:rPr lang="en-US" sz="1000" u="none" strike="noStrike" dirty="0">
+                          <a:effectLst/>
+                        </a:rPr>
+                        <a:t>based on </a:t>
+                      </a:r>
+                      <a:r>
+                        <a:rPr lang="en-US" sz="1000" u="none" strike="noStrike" dirty="0">
+                          <a:solidFill>
+                            <a:schemeClr val="accent1"/>
+                          </a:solidFill>
+                          <a:effectLst/>
+                        </a:rPr>
+                        <a:t>probabilistic relevance model by (Robertson and Jones, 1976)</a:t>
+                      </a:r>
+                      <a:r>
+                        <a:rPr lang="en-US" sz="1000" u="none" strike="noStrike" dirty="0">
+                          <a:effectLst/>
+                        </a:rPr>
+                        <a:t>.</a:t>
+                      </a:r>
+                      <a:endParaRPr lang="pt-BR" sz="1000" b="0" i="0" u="none" strike="noStrike" dirty="0">
+                        <a:solidFill>
+                          <a:srgbClr val="000000"/>
+                        </a:solidFill>
+                        <a:effectLst/>
+                        <a:latin typeface="Calibri" panose="020F0502020204030204" pitchFamily="34" charset="0"/>
+                      </a:endParaRPr>
+                    </a:p>
+                  </a:txBody>
+                  <a:tcPr marL="5910" marR="5910" marT="5910" marB="0" anchor="b"/>
+                </a:tc>
+                <a:extLst>
+                  <a:ext uri="{0D108BD9-81ED-4DB2-BD59-A6C34878D82A}">
+                    <a16:rowId xmlns:a16="http://schemas.microsoft.com/office/drawing/2014/main" val="1711625633"/>
+                  </a:ext>
+                </a:extLst>
+              </a:tr>
+              <a:tr h="306730">
+                <a:tc>
+                  <a:txBody>
+                    <a:bodyPr/>
+                    <a:lstStyle/>
+                    <a:p>
+                      <a:pPr algn="l" fontAlgn="b"/>
+                      <a:r>
+                        <a:rPr lang="pt-BR" sz="1000" u="none" strike="noStrike">
+                          <a:effectLst/>
+                        </a:rPr>
+                        <a:t>DPR</a:t>
+                      </a:r>
+                      <a:endParaRPr lang="pt-BR" sz="1000" b="0" i="0" u="none" strike="noStrike">
+                        <a:solidFill>
+                          <a:srgbClr val="000000"/>
+                        </a:solidFill>
+                        <a:effectLst/>
+                        <a:latin typeface="Calibri" panose="020F0502020204030204" pitchFamily="34" charset="0"/>
+                      </a:endParaRPr>
+                    </a:p>
+                  </a:txBody>
+                  <a:tcPr marL="5910" marR="5910" marT="5910" marB="0" anchor="b"/>
+                </a:tc>
+                <a:tc>
+                  <a:txBody>
+                    <a:bodyPr/>
+                    <a:lstStyle/>
+                    <a:p>
+                      <a:pPr algn="l" fontAlgn="b"/>
+                      <a:r>
+                        <a:rPr lang="pt-BR" sz="1000" u="none" strike="noStrike" dirty="0" err="1">
+                          <a:effectLst/>
+                        </a:rPr>
+                        <a:t>Dense</a:t>
+                      </a:r>
+                      <a:r>
+                        <a:rPr lang="pt-BR" sz="1000" u="none" strike="noStrike" dirty="0">
+                          <a:effectLst/>
+                        </a:rPr>
+                        <a:t> </a:t>
+                      </a:r>
+                      <a:r>
+                        <a:rPr lang="pt-BR" sz="1000" u="none" strike="noStrike" dirty="0" err="1">
+                          <a:effectLst/>
+                        </a:rPr>
+                        <a:t>Retrieval</a:t>
+                      </a:r>
+                      <a:r>
+                        <a:rPr lang="pt-BR" sz="1000" u="none" strike="noStrike" dirty="0">
+                          <a:effectLst/>
+                        </a:rPr>
+                        <a:t> </a:t>
+                      </a:r>
+                      <a:r>
+                        <a:rPr lang="pt-BR" sz="1000" u="none" strike="noStrike" dirty="0" err="1">
+                          <a:effectLst/>
+                        </a:rPr>
+                        <a:t>with</a:t>
+                      </a:r>
+                      <a:r>
+                        <a:rPr lang="pt-BR" sz="1000" u="none" strike="noStrike" dirty="0">
+                          <a:effectLst/>
+                        </a:rPr>
+                        <a:t> </a:t>
+                      </a:r>
+                      <a:r>
+                        <a:rPr lang="pt-BR" sz="1000" u="none" strike="noStrike" dirty="0" err="1">
+                          <a:effectLst/>
+                        </a:rPr>
+                        <a:t>haystack.retriever</a:t>
+                      </a:r>
+                      <a:r>
+                        <a:rPr lang="pt-BR" sz="1000" u="none" strike="noStrike" dirty="0">
+                          <a:effectLst/>
+                        </a:rPr>
+                        <a:t> </a:t>
+                      </a:r>
+                      <a:r>
+                        <a:rPr lang="pt-BR" sz="1000" u="none" strike="noStrike" dirty="0" err="1">
+                          <a:effectLst/>
+                        </a:rPr>
+                        <a:t>and</a:t>
+                      </a:r>
+                      <a:r>
+                        <a:rPr lang="pt-BR" sz="1000" u="none" strike="noStrike" dirty="0">
+                          <a:effectLst/>
+                        </a:rPr>
+                        <a:t> </a:t>
+                      </a:r>
+                      <a:r>
+                        <a:rPr lang="pt-BR" sz="1000" u="none" strike="noStrike" dirty="0">
+                          <a:solidFill>
+                            <a:schemeClr val="accent1"/>
+                          </a:solidFill>
+                          <a:effectLst/>
+                        </a:rPr>
+                        <a:t>model (</a:t>
+                      </a:r>
+                      <a:r>
+                        <a:rPr lang="pt-BR" sz="1000" u="none" strike="noStrike" dirty="0" err="1">
+                          <a:solidFill>
+                            <a:schemeClr val="accent1"/>
+                          </a:solidFill>
+                          <a:effectLst/>
+                        </a:rPr>
+                        <a:t>transformer</a:t>
+                      </a:r>
+                      <a:r>
+                        <a:rPr lang="pt-BR" sz="1000" u="none" strike="noStrike" dirty="0">
+                          <a:solidFill>
+                            <a:schemeClr val="accent1"/>
+                          </a:solidFill>
+                          <a:effectLst/>
+                        </a:rPr>
+                        <a:t>): </a:t>
+                      </a:r>
+                      <a:r>
+                        <a:rPr lang="pt-BR" sz="1000" u="none" strike="noStrike" dirty="0" err="1">
+                          <a:solidFill>
+                            <a:schemeClr val="accent1"/>
+                          </a:solidFill>
+                          <a:effectLst/>
+                        </a:rPr>
+                        <a:t>facebook</a:t>
+                      </a:r>
+                      <a:r>
+                        <a:rPr lang="pt-BR" sz="1000" u="none" strike="noStrike" dirty="0">
+                          <a:solidFill>
+                            <a:schemeClr val="accent1"/>
+                          </a:solidFill>
+                          <a:effectLst/>
+                        </a:rPr>
+                        <a:t>/</a:t>
+                      </a:r>
+                      <a:r>
+                        <a:rPr lang="pt-BR" sz="1000" u="none" strike="noStrike" dirty="0" err="1">
+                          <a:solidFill>
+                            <a:schemeClr val="accent1"/>
+                          </a:solidFill>
+                          <a:effectLst/>
+                        </a:rPr>
+                        <a:t>dpr</a:t>
+                      </a:r>
+                      <a:r>
+                        <a:rPr lang="pt-BR" sz="1000" u="none" strike="noStrike" dirty="0">
+                          <a:solidFill>
+                            <a:schemeClr val="accent1"/>
+                          </a:solidFill>
+                          <a:effectLst/>
+                        </a:rPr>
+                        <a:t>-</a:t>
+                      </a:r>
+                      <a:r>
+                        <a:rPr lang="pt-BR" sz="1000" u="none" strike="noStrike" dirty="0" err="1">
+                          <a:solidFill>
+                            <a:schemeClr val="accent1"/>
+                          </a:solidFill>
+                          <a:effectLst/>
+                        </a:rPr>
+                        <a:t>question_encoder</a:t>
+                      </a:r>
+                      <a:r>
+                        <a:rPr lang="pt-BR" sz="1000" u="none" strike="noStrike" dirty="0">
+                          <a:solidFill>
+                            <a:schemeClr val="accent1"/>
+                          </a:solidFill>
+                          <a:effectLst/>
+                        </a:rPr>
+                        <a:t>-single-</a:t>
+                      </a:r>
+                      <a:r>
+                        <a:rPr lang="pt-BR" sz="1000" u="none" strike="noStrike" dirty="0" err="1">
+                          <a:solidFill>
+                            <a:schemeClr val="accent1"/>
+                          </a:solidFill>
+                          <a:effectLst/>
+                        </a:rPr>
+                        <a:t>nq</a:t>
+                      </a:r>
+                      <a:r>
+                        <a:rPr lang="pt-BR" sz="1000" u="none" strike="noStrike" dirty="0">
+                          <a:solidFill>
+                            <a:schemeClr val="accent1"/>
+                          </a:solidFill>
+                          <a:effectLst/>
+                        </a:rPr>
+                        <a:t>-base (e </a:t>
+                      </a:r>
+                      <a:r>
+                        <a:rPr lang="pt-BR" sz="1000" u="none" strike="noStrike" dirty="0" err="1">
+                          <a:solidFill>
+                            <a:schemeClr val="accent1"/>
+                          </a:solidFill>
+                          <a:effectLst/>
+                        </a:rPr>
+                        <a:t>dpr-ctx_encoder</a:t>
+                      </a:r>
+                      <a:r>
+                        <a:rPr lang="pt-BR" sz="1000" u="none" strike="noStrike" dirty="0">
+                          <a:solidFill>
+                            <a:schemeClr val="accent1"/>
+                          </a:solidFill>
+                          <a:effectLst/>
+                        </a:rPr>
+                        <a:t>)</a:t>
+                      </a:r>
+                      <a:endParaRPr lang="pt-BR" sz="1000" b="0" i="0" u="none" strike="noStrike" dirty="0">
+                        <a:solidFill>
+                          <a:schemeClr val="accent1"/>
+                        </a:solidFill>
+                        <a:effectLst/>
+                        <a:latin typeface="Calibri" panose="020F0502020204030204" pitchFamily="34" charset="0"/>
+                      </a:endParaRPr>
+                    </a:p>
+                  </a:txBody>
+                  <a:tcPr marL="5910" marR="5910" marT="5910" marB="0" anchor="b"/>
+                </a:tc>
+                <a:extLst>
+                  <a:ext uri="{0D108BD9-81ED-4DB2-BD59-A6C34878D82A}">
+                    <a16:rowId xmlns:a16="http://schemas.microsoft.com/office/drawing/2014/main" val="831951840"/>
+                  </a:ext>
+                </a:extLst>
+              </a:tr>
+              <a:tr h="156282">
+                <a:tc>
+                  <a:txBody>
+                    <a:bodyPr/>
+                    <a:lstStyle/>
+                    <a:p>
+                      <a:pPr algn="l" fontAlgn="b"/>
+                      <a:r>
+                        <a:rPr lang="pt-BR" sz="1000" u="none" strike="noStrike">
+                          <a:effectLst/>
+                        </a:rPr>
+                        <a:t>ReRank@100</a:t>
+                      </a:r>
+                      <a:endParaRPr lang="pt-BR" sz="1000" b="0" i="0" u="none" strike="noStrike">
+                        <a:solidFill>
+                          <a:srgbClr val="000000"/>
+                        </a:solidFill>
+                        <a:effectLst/>
+                        <a:latin typeface="Calibri" panose="020F0502020204030204" pitchFamily="34" charset="0"/>
+                      </a:endParaRPr>
+                    </a:p>
+                  </a:txBody>
+                  <a:tcPr marL="5910" marR="5910" marT="5910" marB="0" anchor="b"/>
+                </a:tc>
+                <a:tc>
+                  <a:txBody>
+                    <a:bodyPr/>
+                    <a:lstStyle/>
+                    <a:p>
+                      <a:pPr algn="l" fontAlgn="b"/>
+                      <a:r>
+                        <a:rPr lang="en-US" sz="1000" u="none" strike="noStrike" dirty="0" err="1">
+                          <a:effectLst/>
+                        </a:rPr>
+                        <a:t>ReRank</a:t>
+                      </a:r>
+                      <a:r>
+                        <a:rPr lang="en-US" sz="1000" u="none" strike="noStrike" dirty="0">
+                          <a:effectLst/>
+                        </a:rPr>
+                        <a:t> using </a:t>
+                      </a:r>
+                      <a:r>
+                        <a:rPr lang="en-US" sz="1000" u="none" strike="noStrike" dirty="0">
+                          <a:solidFill>
+                            <a:schemeClr val="accent1"/>
+                          </a:solidFill>
+                          <a:effectLst/>
+                        </a:rPr>
+                        <a:t>MonoT5</a:t>
+                      </a:r>
+                      <a:r>
+                        <a:rPr lang="en-US" sz="1000" u="none" strike="noStrike" dirty="0">
+                          <a:effectLst/>
+                        </a:rPr>
+                        <a:t> over 100 first retrieval using BM25 </a:t>
+                      </a:r>
+                      <a:endParaRPr lang="en-US" sz="1000" b="0" i="0" u="none" strike="noStrike" dirty="0">
+                        <a:solidFill>
+                          <a:srgbClr val="000000"/>
+                        </a:solidFill>
+                        <a:effectLst/>
+                        <a:latin typeface="Calibri" panose="020F0502020204030204" pitchFamily="34" charset="0"/>
+                      </a:endParaRPr>
+                    </a:p>
+                  </a:txBody>
+                  <a:tcPr marL="5910" marR="5910" marT="5910" marB="0" anchor="b"/>
+                </a:tc>
+                <a:extLst>
+                  <a:ext uri="{0D108BD9-81ED-4DB2-BD59-A6C34878D82A}">
+                    <a16:rowId xmlns:a16="http://schemas.microsoft.com/office/drawing/2014/main" val="3279311363"/>
+                  </a:ext>
+                </a:extLst>
+              </a:tr>
+            </a:tbl>
+          </a:graphicData>
+        </a:graphic>
+      </p:graphicFrame>
+    </p:spTree>
+    <p:extLst>
+      <p:ext uri="{BB962C8B-B14F-4D97-AF65-F5344CB8AC3E}">
+        <p14:creationId xmlns:p14="http://schemas.microsoft.com/office/powerpoint/2010/main" val="3491244975"/>
+      </p:ext>
+    </p:extLst>
+  </p:cSld>
+  <p:clrMapOvr>
+    <a:masterClrMapping/>
+  </p:clrMapOvr>
+</p:sld>
+</file>
+
+<file path=ppt/slides/slide15.xml><?xml version="1.0" encoding="utf-8"?>
 <p:sld xmlns:a="http://schemas.openxmlformats.org/drawingml/2006/main" xmlns:r="http://schemas.openxmlformats.org/officeDocument/2006/relationships" xmlns:p="http://schemas.openxmlformats.org/presentationml/2006/main">
   <p:cSld>
     <p:spTree>
@@ -13505,7 +14476,7 @@
 </p:sld>
 </file>
 
-<file path=ppt/slides/slide15.xml><?xml version="1.0" encoding="utf-8"?>
+<file path=ppt/slides/slide16.xml><?xml version="1.0" encoding="utf-8"?>
 <p:sld xmlns:a="http://schemas.openxmlformats.org/drawingml/2006/main" xmlns:r="http://schemas.openxmlformats.org/officeDocument/2006/relationships" xmlns:p="http://schemas.openxmlformats.org/presentationml/2006/main">
   <p:cSld>
     <p:spTree>
@@ -14793,7 +15764,7 @@
 </p:sld>
 </file>
 
-<file path=ppt/slides/slide16.xml><?xml version="1.0" encoding="utf-8"?>
+<file path=ppt/slides/slide17.xml><?xml version="1.0" encoding="utf-8"?>
 <p:sld xmlns:a="http://schemas.openxmlformats.org/drawingml/2006/main" xmlns:r="http://schemas.openxmlformats.org/officeDocument/2006/relationships" xmlns:p="http://schemas.openxmlformats.org/presentationml/2006/main">
   <p:cSld>
     <p:spTree>
@@ -15684,7 +16655,7 @@
 </p:sld>
 </file>
 
-<file path=ppt/slides/slide17.xml><?xml version="1.0" encoding="utf-8"?>
+<file path=ppt/slides/slide18.xml><?xml version="1.0" encoding="utf-8"?>
 <p:sld xmlns:a="http://schemas.openxmlformats.org/drawingml/2006/main" xmlns:r="http://schemas.openxmlformats.org/officeDocument/2006/relationships" xmlns:p="http://schemas.openxmlformats.org/presentationml/2006/main">
   <p:cSld>
     <p:spTree>
@@ -15875,7 +16846,7 @@
 </p:sld>
 </file>
 
-<file path=ppt/slides/slide18.xml><?xml version="1.0" encoding="utf-8"?>
+<file path=ppt/slides/slide19.xml><?xml version="1.0" encoding="utf-8"?>
 <p:sld xmlns:a="http://schemas.openxmlformats.org/drawingml/2006/main" xmlns:r="http://schemas.openxmlformats.org/officeDocument/2006/relationships" xmlns:p="http://schemas.openxmlformats.org/presentationml/2006/main">
   <p:cSld>
     <p:spTree>
@@ -16382,7 +17353,254 @@
 </p:sld>
 </file>
 
-<file path=ppt/slides/slide19.xml><?xml version="1.0" encoding="utf-8"?>
+<file path=ppt/slides/slide2.xml><?xml version="1.0" encoding="utf-8"?>
+<p:sld xmlns:a="http://schemas.openxmlformats.org/drawingml/2006/main" xmlns:r="http://schemas.openxmlformats.org/officeDocument/2006/relationships" xmlns:p="http://schemas.openxmlformats.org/presentationml/2006/main">
+  <p:cSld>
+    <p:spTree>
+      <p:nvGrpSpPr>
+        <p:cNvPr id="1" name="Shape 59"/>
+        <p:cNvGrpSpPr/>
+        <p:nvPr/>
+      </p:nvGrpSpPr>
+      <p:grpSpPr>
+        <a:xfrm>
+          <a:off x="0" y="0"/>
+          <a:ext cx="0" cy="0"/>
+          <a:chOff x="0" y="0"/>
+          <a:chExt cx="0" cy="0"/>
+        </a:xfrm>
+      </p:grpSpPr>
+      <p:sp>
+        <p:nvSpPr>
+          <p:cNvPr id="60" name="Google Shape;60;p14"/>
+          <p:cNvSpPr txBox="1">
+            <a:spLocks noGrp="1"/>
+          </p:cNvSpPr>
+          <p:nvPr>
+            <p:ph type="title"/>
+          </p:nvPr>
+        </p:nvSpPr>
+        <p:spPr>
+          <a:xfrm>
+            <a:off x="311700" y="311675"/>
+            <a:ext cx="8520600" cy="572700"/>
+          </a:xfrm>
+          <a:prstGeom prst="rect">
+            <a:avLst/>
+          </a:prstGeom>
+        </p:spPr>
+        <p:txBody>
+          <a:bodyPr spcFirstLastPara="1" wrap="square" lIns="91425" tIns="91425" rIns="91425" bIns="91425" anchor="t" anchorCtr="0">
+            <a:normAutofit fontScale="90000"/>
+          </a:bodyPr>
+          <a:lstStyle/>
+          <a:p>
+            <a:pPr marL="0" lvl="0" indent="0" algn="l" rtl="0">
+              <a:spcBef>
+                <a:spcPts val="0"/>
+              </a:spcBef>
+              <a:spcAft>
+                <a:spcPts val="0"/>
+              </a:spcAft>
+              <a:buNone/>
+            </a:pPr>
+            <a:r>
+              <a:rPr lang="pt-BR" dirty="0"/>
+              <a:t>Lembrando sobre o Projeto</a:t>
+            </a:r>
+            <a:endParaRPr dirty="0"/>
+          </a:p>
+        </p:txBody>
+      </p:sp>
+      <p:sp>
+        <p:nvSpPr>
+          <p:cNvPr id="61" name="Google Shape;61;p14"/>
+          <p:cNvSpPr txBox="1">
+            <a:spLocks noGrp="1"/>
+          </p:cNvSpPr>
+          <p:nvPr>
+            <p:ph type="body" idx="1"/>
+          </p:nvPr>
+        </p:nvSpPr>
+        <p:spPr>
+          <a:xfrm>
+            <a:off x="311700" y="884375"/>
+            <a:ext cx="8520600" cy="3890825"/>
+          </a:xfrm>
+          <a:prstGeom prst="rect">
+            <a:avLst/>
+          </a:prstGeom>
+        </p:spPr>
+        <p:txBody>
+          <a:bodyPr spcFirstLastPara="1" wrap="square" lIns="91425" tIns="91425" rIns="91425" bIns="91425" anchor="t" anchorCtr="0">
+            <a:normAutofit/>
+          </a:bodyPr>
+          <a:lstStyle/>
+          <a:p>
+            <a:pPr marL="114300" lvl="0" indent="0" algn="l" rtl="0">
+              <a:spcBef>
+                <a:spcPts val="0"/>
+              </a:spcBef>
+              <a:spcAft>
+                <a:spcPts val="0"/>
+              </a:spcAft>
+              <a:buSzPts val="1800"/>
+              <a:buNone/>
+            </a:pPr>
+            <a:r>
+              <a:rPr lang="pt-BR" sz="1600" dirty="0"/>
+              <a:t>Objetivo:</a:t>
+            </a:r>
+          </a:p>
+          <a:p>
+            <a:pPr marL="457200" lvl="0" indent="-342900" algn="l" rtl="0">
+              <a:spcBef>
+                <a:spcPts val="0"/>
+              </a:spcBef>
+              <a:spcAft>
+                <a:spcPts val="0"/>
+              </a:spcAft>
+              <a:buSzPts val="1800"/>
+              <a:buChar char="-"/>
+            </a:pPr>
+            <a:r>
+              <a:rPr lang="pt-BR" sz="1600" dirty="0"/>
+              <a:t>Verificar o impacto que ruídos na query causam na efetividade da busca, em alguns mecanismos: Baseline (BM25),  </a:t>
+            </a:r>
+            <a:r>
+              <a:rPr lang="pt-BR" sz="1600" dirty="0" err="1"/>
+              <a:t>Rerank</a:t>
+            </a:r>
+            <a:r>
+              <a:rPr lang="pt-BR" sz="1600" dirty="0"/>
+              <a:t> (BM25 + MonoT5) e busca densa</a:t>
+            </a:r>
+          </a:p>
+          <a:p>
+            <a:pPr marL="139700" indent="0">
+              <a:spcBef>
+                <a:spcPts val="1000"/>
+              </a:spcBef>
+              <a:buSzPts val="1400"/>
+              <a:buNone/>
+            </a:pPr>
+            <a:r>
+              <a:rPr lang="pt-BR" sz="1600" dirty="0"/>
+              <a:t>Métrica base de comparação:</a:t>
+            </a:r>
+          </a:p>
+          <a:p>
+            <a:pPr indent="-317500">
+              <a:spcBef>
+                <a:spcPts val="1000"/>
+              </a:spcBef>
+              <a:buSzPts val="1400"/>
+              <a:buChar char="-"/>
+            </a:pPr>
+            <a:r>
+              <a:rPr lang="pt-BR" sz="1600" dirty="0"/>
+              <a:t>nDCG@10 - </a:t>
+            </a:r>
+            <a:r>
+              <a:rPr lang="pt-BR" sz="1600" dirty="0" err="1"/>
+              <a:t>Normalized</a:t>
+            </a:r>
+            <a:r>
+              <a:rPr lang="pt-BR" sz="1600" dirty="0"/>
+              <a:t> </a:t>
+            </a:r>
+            <a:r>
+              <a:rPr lang="pt-BR" sz="1600" dirty="0" err="1"/>
+              <a:t>Discounted</a:t>
+            </a:r>
+            <a:r>
+              <a:rPr lang="pt-BR" sz="1600" dirty="0"/>
+              <a:t> </a:t>
+            </a:r>
+            <a:r>
+              <a:rPr lang="pt-BR" sz="1600" dirty="0" err="1"/>
+              <a:t>Cumulative</a:t>
+            </a:r>
+            <a:r>
+              <a:rPr lang="pt-BR" sz="1600" dirty="0"/>
+              <a:t> </a:t>
+            </a:r>
+            <a:r>
+              <a:rPr lang="pt-BR" sz="1600" dirty="0" err="1"/>
+              <a:t>Grain</a:t>
+            </a:r>
+            <a:r>
+              <a:rPr lang="pt-BR" sz="1600" dirty="0"/>
+              <a:t> com recorte de 10.</a:t>
+            </a:r>
+          </a:p>
+          <a:p>
+            <a:pPr marL="139700" indent="0">
+              <a:spcBef>
+                <a:spcPts val="1000"/>
+              </a:spcBef>
+              <a:buSzPts val="1400"/>
+              <a:buNone/>
+            </a:pPr>
+            <a:r>
+              <a:rPr lang="pt-BR" sz="1600" dirty="0" err="1"/>
+              <a:t>Dataset</a:t>
+            </a:r>
+            <a:r>
+              <a:rPr lang="pt-BR" sz="1600" dirty="0"/>
+              <a:t>:</a:t>
+            </a:r>
+          </a:p>
+          <a:p>
+            <a:pPr indent="-317500">
+              <a:spcBef>
+                <a:spcPts val="1000"/>
+              </a:spcBef>
+              <a:buSzPts val="1400"/>
+              <a:buChar char="-"/>
+            </a:pPr>
+            <a:r>
+              <a:rPr lang="pt-BR" sz="1600" dirty="0"/>
+              <a:t>TREC 2020 DL </a:t>
+            </a:r>
+            <a:r>
+              <a:rPr lang="pt-BR" sz="1600" dirty="0" err="1"/>
+              <a:t>passage</a:t>
+            </a:r>
+            <a:r>
+              <a:rPr lang="pt-BR" sz="1600" dirty="0"/>
+              <a:t>, contendo 54 queries avaliadas sobre a base do MSMARCO </a:t>
+            </a:r>
+            <a:r>
+              <a:rPr lang="pt-BR" sz="1600" dirty="0" err="1"/>
+              <a:t>passage</a:t>
+            </a:r>
+            <a:r>
+              <a:rPr lang="pt-BR" sz="1600" dirty="0"/>
+              <a:t> corpus, e uma média de 210,9 julgamentos por query.</a:t>
+            </a:r>
+          </a:p>
+          <a:p>
+            <a:pPr marL="139700" indent="0">
+              <a:spcBef>
+                <a:spcPts val="1000"/>
+              </a:spcBef>
+              <a:buSzPts val="1400"/>
+              <a:buNone/>
+            </a:pPr>
+            <a:endParaRPr lang="pt-BR" sz="1600" dirty="0"/>
+          </a:p>
+        </p:txBody>
+      </p:sp>
+    </p:spTree>
+  </p:cSld>
+  <p:clrMapOvr>
+    <a:masterClrMapping/>
+  </p:clrMapOvr>
+</p:sld>
+</file>
+
+<file path=ppt/slides/slide20.xml><?xml version="1.0" encoding="utf-8"?>
 <p:sld xmlns:a="http://schemas.openxmlformats.org/drawingml/2006/main" xmlns:r="http://schemas.openxmlformats.org/officeDocument/2006/relationships" xmlns:p="http://schemas.openxmlformats.org/presentationml/2006/main">
   <p:cSld>
     <p:spTree>
@@ -16984,254 +18202,7 @@
 </p:sld>
 </file>
 
-<file path=ppt/slides/slide2.xml><?xml version="1.0" encoding="utf-8"?>
-<p:sld xmlns:a="http://schemas.openxmlformats.org/drawingml/2006/main" xmlns:r="http://schemas.openxmlformats.org/officeDocument/2006/relationships" xmlns:p="http://schemas.openxmlformats.org/presentationml/2006/main">
-  <p:cSld>
-    <p:spTree>
-      <p:nvGrpSpPr>
-        <p:cNvPr id="1" name="Shape 59"/>
-        <p:cNvGrpSpPr/>
-        <p:nvPr/>
-      </p:nvGrpSpPr>
-      <p:grpSpPr>
-        <a:xfrm>
-          <a:off x="0" y="0"/>
-          <a:ext cx="0" cy="0"/>
-          <a:chOff x="0" y="0"/>
-          <a:chExt cx="0" cy="0"/>
-        </a:xfrm>
-      </p:grpSpPr>
-      <p:sp>
-        <p:nvSpPr>
-          <p:cNvPr id="60" name="Google Shape;60;p14"/>
-          <p:cNvSpPr txBox="1">
-            <a:spLocks noGrp="1"/>
-          </p:cNvSpPr>
-          <p:nvPr>
-            <p:ph type="title"/>
-          </p:nvPr>
-        </p:nvSpPr>
-        <p:spPr>
-          <a:xfrm>
-            <a:off x="311700" y="311675"/>
-            <a:ext cx="8520600" cy="572700"/>
-          </a:xfrm>
-          <a:prstGeom prst="rect">
-            <a:avLst/>
-          </a:prstGeom>
-        </p:spPr>
-        <p:txBody>
-          <a:bodyPr spcFirstLastPara="1" wrap="square" lIns="91425" tIns="91425" rIns="91425" bIns="91425" anchor="t" anchorCtr="0">
-            <a:normAutofit fontScale="90000"/>
-          </a:bodyPr>
-          <a:lstStyle/>
-          <a:p>
-            <a:pPr marL="0" lvl="0" indent="0" algn="l" rtl="0">
-              <a:spcBef>
-                <a:spcPts val="0"/>
-              </a:spcBef>
-              <a:spcAft>
-                <a:spcPts val="0"/>
-              </a:spcAft>
-              <a:buNone/>
-            </a:pPr>
-            <a:r>
-              <a:rPr lang="pt-BR" dirty="0"/>
-              <a:t>Lembrando sobre o Projeto</a:t>
-            </a:r>
-            <a:endParaRPr dirty="0"/>
-          </a:p>
-        </p:txBody>
-      </p:sp>
-      <p:sp>
-        <p:nvSpPr>
-          <p:cNvPr id="61" name="Google Shape;61;p14"/>
-          <p:cNvSpPr txBox="1">
-            <a:spLocks noGrp="1"/>
-          </p:cNvSpPr>
-          <p:nvPr>
-            <p:ph type="body" idx="1"/>
-          </p:nvPr>
-        </p:nvSpPr>
-        <p:spPr>
-          <a:xfrm>
-            <a:off x="311700" y="884375"/>
-            <a:ext cx="8520600" cy="3890825"/>
-          </a:xfrm>
-          <a:prstGeom prst="rect">
-            <a:avLst/>
-          </a:prstGeom>
-        </p:spPr>
-        <p:txBody>
-          <a:bodyPr spcFirstLastPara="1" wrap="square" lIns="91425" tIns="91425" rIns="91425" bIns="91425" anchor="t" anchorCtr="0">
-            <a:normAutofit/>
-          </a:bodyPr>
-          <a:lstStyle/>
-          <a:p>
-            <a:pPr marL="114300" lvl="0" indent="0" algn="l" rtl="0">
-              <a:spcBef>
-                <a:spcPts val="0"/>
-              </a:spcBef>
-              <a:spcAft>
-                <a:spcPts val="0"/>
-              </a:spcAft>
-              <a:buSzPts val="1800"/>
-              <a:buNone/>
-            </a:pPr>
-            <a:r>
-              <a:rPr lang="pt-BR" sz="1600" dirty="0"/>
-              <a:t>Objetivo:</a:t>
-            </a:r>
-          </a:p>
-          <a:p>
-            <a:pPr marL="457200" lvl="0" indent="-342900" algn="l" rtl="0">
-              <a:spcBef>
-                <a:spcPts val="0"/>
-              </a:spcBef>
-              <a:spcAft>
-                <a:spcPts val="0"/>
-              </a:spcAft>
-              <a:buSzPts val="1800"/>
-              <a:buChar char="-"/>
-            </a:pPr>
-            <a:r>
-              <a:rPr lang="pt-BR" sz="1600" dirty="0"/>
-              <a:t>Verificar o impacto que ruídos na query causam na efetividade da busca, em alguns mecanismos: Baseline (BM25),  </a:t>
-            </a:r>
-            <a:r>
-              <a:rPr lang="pt-BR" sz="1600" dirty="0" err="1"/>
-              <a:t>Rerank</a:t>
-            </a:r>
-            <a:r>
-              <a:rPr lang="pt-BR" sz="1600" dirty="0"/>
-              <a:t> (BM25 + MonoT5) e busca densa</a:t>
-            </a:r>
-          </a:p>
-          <a:p>
-            <a:pPr marL="139700" indent="0">
-              <a:spcBef>
-                <a:spcPts val="1000"/>
-              </a:spcBef>
-              <a:buSzPts val="1400"/>
-              <a:buNone/>
-            </a:pPr>
-            <a:r>
-              <a:rPr lang="pt-BR" sz="1600" dirty="0"/>
-              <a:t>Métrica base de comparação:</a:t>
-            </a:r>
-          </a:p>
-          <a:p>
-            <a:pPr indent="-317500">
-              <a:spcBef>
-                <a:spcPts val="1000"/>
-              </a:spcBef>
-              <a:buSzPts val="1400"/>
-              <a:buChar char="-"/>
-            </a:pPr>
-            <a:r>
-              <a:rPr lang="pt-BR" sz="1600" dirty="0"/>
-              <a:t>nDCG@10 - </a:t>
-            </a:r>
-            <a:r>
-              <a:rPr lang="pt-BR" sz="1600" dirty="0" err="1"/>
-              <a:t>Normalized</a:t>
-            </a:r>
-            <a:r>
-              <a:rPr lang="pt-BR" sz="1600" dirty="0"/>
-              <a:t> </a:t>
-            </a:r>
-            <a:r>
-              <a:rPr lang="pt-BR" sz="1600" dirty="0" err="1"/>
-              <a:t>Discounted</a:t>
-            </a:r>
-            <a:r>
-              <a:rPr lang="pt-BR" sz="1600" dirty="0"/>
-              <a:t> </a:t>
-            </a:r>
-            <a:r>
-              <a:rPr lang="pt-BR" sz="1600" dirty="0" err="1"/>
-              <a:t>Cumulative</a:t>
-            </a:r>
-            <a:r>
-              <a:rPr lang="pt-BR" sz="1600" dirty="0"/>
-              <a:t> </a:t>
-            </a:r>
-            <a:r>
-              <a:rPr lang="pt-BR" sz="1600" dirty="0" err="1"/>
-              <a:t>Grain</a:t>
-            </a:r>
-            <a:r>
-              <a:rPr lang="pt-BR" sz="1600" dirty="0"/>
-              <a:t> com recorte de 10.</a:t>
-            </a:r>
-          </a:p>
-          <a:p>
-            <a:pPr marL="139700" indent="0">
-              <a:spcBef>
-                <a:spcPts val="1000"/>
-              </a:spcBef>
-              <a:buSzPts val="1400"/>
-              <a:buNone/>
-            </a:pPr>
-            <a:r>
-              <a:rPr lang="pt-BR" sz="1600" dirty="0" err="1"/>
-              <a:t>Dataset</a:t>
-            </a:r>
-            <a:r>
-              <a:rPr lang="pt-BR" sz="1600" dirty="0"/>
-              <a:t>:</a:t>
-            </a:r>
-          </a:p>
-          <a:p>
-            <a:pPr indent="-317500">
-              <a:spcBef>
-                <a:spcPts val="1000"/>
-              </a:spcBef>
-              <a:buSzPts val="1400"/>
-              <a:buChar char="-"/>
-            </a:pPr>
-            <a:r>
-              <a:rPr lang="pt-BR" sz="1600" dirty="0"/>
-              <a:t>TREC 2020 DL </a:t>
-            </a:r>
-            <a:r>
-              <a:rPr lang="pt-BR" sz="1600" dirty="0" err="1"/>
-              <a:t>passage</a:t>
-            </a:r>
-            <a:r>
-              <a:rPr lang="pt-BR" sz="1600" dirty="0"/>
-              <a:t>, contendo 54 queries avaliadas sobre a base do MSMARCO </a:t>
-            </a:r>
-            <a:r>
-              <a:rPr lang="pt-BR" sz="1600" dirty="0" err="1"/>
-              <a:t>passage</a:t>
-            </a:r>
-            <a:r>
-              <a:rPr lang="pt-BR" sz="1600" dirty="0"/>
-              <a:t> corpus, e uma média de 210,9 julgamentos por query.</a:t>
-            </a:r>
-          </a:p>
-          <a:p>
-            <a:pPr marL="139700" indent="0">
-              <a:spcBef>
-                <a:spcPts val="1000"/>
-              </a:spcBef>
-              <a:buSzPts val="1400"/>
-              <a:buNone/>
-            </a:pPr>
-            <a:endParaRPr lang="pt-BR" sz="1600" dirty="0"/>
-          </a:p>
-        </p:txBody>
-      </p:sp>
-    </p:spTree>
-  </p:cSld>
-  <p:clrMapOvr>
-    <a:masterClrMapping/>
-  </p:clrMapOvr>
-</p:sld>
-</file>
-
-<file path=ppt/slides/slide20.xml><?xml version="1.0" encoding="utf-8"?>
+<file path=ppt/slides/slide21.xml><?xml version="1.0" encoding="utf-8"?>
 <p:sld xmlns:a="http://schemas.openxmlformats.org/drawingml/2006/main" xmlns:r="http://schemas.openxmlformats.org/officeDocument/2006/relationships" xmlns:p="http://schemas.openxmlformats.org/presentationml/2006/main">
   <p:cSld>
     <p:spTree>
@@ -19398,105 +20369,6 @@
 </p:sld>
 </file>
 
-<file path=ppt/slides/slide21.xml><?xml version="1.0" encoding="utf-8"?>
-<p:sld xmlns:a="http://schemas.openxmlformats.org/drawingml/2006/main" xmlns:r="http://schemas.openxmlformats.org/officeDocument/2006/relationships" xmlns:p="http://schemas.openxmlformats.org/presentationml/2006/main">
-  <p:cSld>
-    <p:spTree>
-      <p:nvGrpSpPr>
-        <p:cNvPr id="1" name="Shape 53"/>
-        <p:cNvGrpSpPr/>
-        <p:nvPr/>
-      </p:nvGrpSpPr>
-      <p:grpSpPr>
-        <a:xfrm>
-          <a:off x="0" y="0"/>
-          <a:ext cx="0" cy="0"/>
-          <a:chOff x="0" y="0"/>
-          <a:chExt cx="0" cy="0"/>
-        </a:xfrm>
-      </p:grpSpPr>
-      <p:sp>
-        <p:nvSpPr>
-          <p:cNvPr id="54" name="Google Shape;54;p13"/>
-          <p:cNvSpPr txBox="1">
-            <a:spLocks noGrp="1"/>
-          </p:cNvSpPr>
-          <p:nvPr>
-            <p:ph type="ctrTitle"/>
-          </p:nvPr>
-        </p:nvSpPr>
-        <p:spPr>
-          <a:xfrm>
-            <a:off x="-609600" y="1551093"/>
-            <a:ext cx="6522585" cy="1652482"/>
-          </a:xfrm>
-          <a:prstGeom prst="rect">
-            <a:avLst/>
-          </a:prstGeom>
-        </p:spPr>
-        <p:txBody>
-          <a:bodyPr spcFirstLastPara="1" wrap="square" lIns="91425" tIns="91425" rIns="91425" bIns="91425" anchor="b" anchorCtr="0">
-            <a:noAutofit/>
-          </a:bodyPr>
-          <a:lstStyle/>
-          <a:p>
-            <a:pPr marL="0" lvl="0" indent="0" algn="ctr" rtl="0">
-              <a:spcBef>
-                <a:spcPts val="0"/>
-              </a:spcBef>
-              <a:spcAft>
-                <a:spcPts val="0"/>
-              </a:spcAft>
-              <a:buNone/>
-            </a:pPr>
-            <a:r>
-              <a:rPr lang="pt-BR" sz="3200" dirty="0"/>
-              <a:t>Análise de Robustez de</a:t>
-            </a:r>
-            <a:br>
-              <a:rPr lang="pt-BR" sz="3200" dirty="0"/>
-            </a:br>
-            <a:r>
-              <a:rPr lang="pt-BR" sz="3200" dirty="0"/>
-              <a:t> </a:t>
-            </a:r>
-            <a:r>
-              <a:rPr lang="pt-BR" sz="3600" b="1" dirty="0"/>
-              <a:t>Mecanismos de Busca</a:t>
-            </a:r>
-            <a:endParaRPr sz="3200" b="1" dirty="0"/>
-          </a:p>
-          <a:p>
-            <a:pPr marL="0" lvl="0" indent="0" algn="ctr" rtl="0">
-              <a:spcBef>
-                <a:spcPts val="0"/>
-              </a:spcBef>
-              <a:spcAft>
-                <a:spcPts val="0"/>
-              </a:spcAft>
-              <a:buNone/>
-            </a:pPr>
-            <a:r>
-              <a:rPr lang="pt-BR" sz="3200" dirty="0"/>
-              <a:t>quanto a Ruídos em Queries</a:t>
-            </a:r>
-            <a:endParaRPr sz="4200" dirty="0"/>
-          </a:p>
-        </p:txBody>
-      </p:sp>
-    </p:spTree>
-    <p:extLst>
-      <p:ext uri="{BB962C8B-B14F-4D97-AF65-F5344CB8AC3E}">
-        <p14:creationId xmlns:p14="http://schemas.microsoft.com/office/powerpoint/2010/main" val="4293986737"/>
-      </p:ext>
-    </p:extLst>
-  </p:cSld>
-  <p:clrMapOvr>
-    <a:masterClrMapping/>
-  </p:clrMapOvr>
-</p:sld>
-</file>
-
 <file path=ppt/slides/slide22.xml><?xml version="1.0" encoding="utf-8"?>
 <p:sld xmlns:a="http://schemas.openxmlformats.org/drawingml/2006/main" xmlns:r="http://schemas.openxmlformats.org/officeDocument/2006/relationships" xmlns:p="http://schemas.openxmlformats.org/presentationml/2006/main">
   <p:cSld>
@@ -19583,6 +20455,105 @@
           </a:p>
         </p:txBody>
       </p:sp>
+    </p:spTree>
+    <p:extLst>
+      <p:ext uri="{BB962C8B-B14F-4D97-AF65-F5344CB8AC3E}">
+        <p14:creationId xmlns:p14="http://schemas.microsoft.com/office/powerpoint/2010/main" val="4293986737"/>
+      </p:ext>
+    </p:extLst>
+  </p:cSld>
+  <p:clrMapOvr>
+    <a:masterClrMapping/>
+  </p:clrMapOvr>
+</p:sld>
+</file>
+
+<file path=ppt/slides/slide23.xml><?xml version="1.0" encoding="utf-8"?>
+<p:sld xmlns:a="http://schemas.openxmlformats.org/drawingml/2006/main" xmlns:r="http://schemas.openxmlformats.org/officeDocument/2006/relationships" xmlns:p="http://schemas.openxmlformats.org/presentationml/2006/main">
+  <p:cSld>
+    <p:spTree>
+      <p:nvGrpSpPr>
+        <p:cNvPr id="1" name="Shape 53"/>
+        <p:cNvGrpSpPr/>
+        <p:nvPr/>
+      </p:nvGrpSpPr>
+      <p:grpSpPr>
+        <a:xfrm>
+          <a:off x="0" y="0"/>
+          <a:ext cx="0" cy="0"/>
+          <a:chOff x="0" y="0"/>
+          <a:chExt cx="0" cy="0"/>
+        </a:xfrm>
+      </p:grpSpPr>
+      <p:sp>
+        <p:nvSpPr>
+          <p:cNvPr id="54" name="Google Shape;54;p13"/>
+          <p:cNvSpPr txBox="1">
+            <a:spLocks noGrp="1"/>
+          </p:cNvSpPr>
+          <p:nvPr>
+            <p:ph type="ctrTitle"/>
+          </p:nvPr>
+        </p:nvSpPr>
+        <p:spPr>
+          <a:xfrm>
+            <a:off x="-609600" y="1551093"/>
+            <a:ext cx="6522585" cy="1652482"/>
+          </a:xfrm>
+          <a:prstGeom prst="rect">
+            <a:avLst/>
+          </a:prstGeom>
+        </p:spPr>
+        <p:txBody>
+          <a:bodyPr spcFirstLastPara="1" wrap="square" lIns="91425" tIns="91425" rIns="91425" bIns="91425" anchor="b" anchorCtr="0">
+            <a:noAutofit/>
+          </a:bodyPr>
+          <a:lstStyle/>
+          <a:p>
+            <a:pPr marL="0" lvl="0" indent="0" algn="ctr" rtl="0">
+              <a:spcBef>
+                <a:spcPts val="0"/>
+              </a:spcBef>
+              <a:spcAft>
+                <a:spcPts val="0"/>
+              </a:spcAft>
+              <a:buNone/>
+            </a:pPr>
+            <a:r>
+              <a:rPr lang="pt-BR" sz="3200" dirty="0"/>
+              <a:t>Análise de Robustez de</a:t>
+            </a:r>
+            <a:br>
+              <a:rPr lang="pt-BR" sz="3200" dirty="0"/>
+            </a:br>
+            <a:r>
+              <a:rPr lang="pt-BR" sz="3200" dirty="0"/>
+              <a:t> </a:t>
+            </a:r>
+            <a:r>
+              <a:rPr lang="pt-BR" sz="3600" b="1" dirty="0"/>
+              <a:t>Mecanismos de Busca</a:t>
+            </a:r>
+            <a:endParaRPr sz="3200" b="1" dirty="0"/>
+          </a:p>
+          <a:p>
+            <a:pPr marL="0" lvl="0" indent="0" algn="ctr" rtl="0">
+              <a:spcBef>
+                <a:spcPts val="0"/>
+              </a:spcBef>
+              <a:spcAft>
+                <a:spcPts val="0"/>
+              </a:spcAft>
+              <a:buNone/>
+            </a:pPr>
+            <a:r>
+              <a:rPr lang="pt-BR" sz="3200" dirty="0"/>
+              <a:t>quanto a Ruídos em Queries</a:t>
+            </a:r>
+            <a:endParaRPr sz="4200" dirty="0"/>
+          </a:p>
+        </p:txBody>
+      </p:sp>
       <p:sp>
         <p:nvSpPr>
           <p:cNvPr id="3" name="CaixaDeTexto 2">
@@ -19597,8 +20568,8 @@
         </p:nvSpPr>
         <p:spPr>
           <a:xfrm>
-            <a:off x="3359573" y="3737392"/>
-            <a:ext cx="5161280" cy="461665"/>
+            <a:off x="3012621" y="3737392"/>
+            <a:ext cx="5508232" cy="461665"/>
           </a:xfrm>
           <a:prstGeom prst="rect">
             <a:avLst/>
@@ -19621,7 +20592,19 @@
             </a:r>
             <a:r>
               <a:rPr lang="pt-BR" sz="2400" b="1" dirty="0"/>
-              <a:t> / Model”</a:t>
+              <a:t> </a:t>
+            </a:r>
+            <a:r>
+              <a:rPr lang="pt-BR" sz="2400" b="1" dirty="0">
+                <a:solidFill>
+                  <a:schemeClr val="accent1"/>
+                </a:solidFill>
+              </a:rPr>
+              <a:t>(/Model)</a:t>
+            </a:r>
+            <a:r>
+              <a:rPr lang="pt-BR" sz="2400" b="1" dirty="0"/>
+              <a:t>”</a:t>
             </a:r>
             <a:endParaRPr lang="pt-BR" sz="2000" b="1" dirty="0"/>
           </a:p>
@@ -19645,7 +20628,7 @@
         <p:spPr>
           <a:xfrm>
             <a:off x="2465493" y="2571750"/>
-            <a:ext cx="894080" cy="1396475"/>
+            <a:ext cx="547128" cy="1396475"/>
           </a:xfrm>
           <a:prstGeom prst="straightConnector1">
             <a:avLst/>
@@ -19683,7 +20666,7 @@
 </p:sld>
 </file>
 
-<file path=ppt/slides/slide23.xml><?xml version="1.0" encoding="utf-8"?>
+<file path=ppt/slides/slide24.xml><?xml version="1.0" encoding="utf-8"?>
 <p:sld xmlns:a="http://schemas.openxmlformats.org/drawingml/2006/main" xmlns:r="http://schemas.openxmlformats.org/officeDocument/2006/relationships" xmlns:p="http://schemas.openxmlformats.org/presentationml/2006/main">
   <p:cSld>
     <p:spTree>
@@ -19750,7 +20733,7 @@
 </p:sld>
 </file>
 
-<file path=ppt/slides/slide24.xml><?xml version="1.0" encoding="utf-8"?>
+<file path=ppt/slides/slide25.xml><?xml version="1.0" encoding="utf-8"?>
 <p:sld xmlns:a="http://schemas.openxmlformats.org/drawingml/2006/main" xmlns:r="http://schemas.openxmlformats.org/officeDocument/2006/relationships" xmlns:p="http://schemas.openxmlformats.org/presentationml/2006/main">
   <p:cSld>
     <p:spTree>
@@ -19868,7 +20851,7 @@
 </p:sld>
 </file>
 
-<file path=ppt/slides/slide25.xml><?xml version="1.0" encoding="utf-8"?>
+<file path=ppt/slides/slide26.xml><?xml version="1.0" encoding="utf-8"?>
 <p:sld xmlns:a="http://schemas.openxmlformats.org/drawingml/2006/main" xmlns:r="http://schemas.openxmlformats.org/officeDocument/2006/relationships" xmlns:p="http://schemas.openxmlformats.org/presentationml/2006/main">
   <p:cSld>
     <p:spTree>
@@ -19986,7 +20969,7 @@
 </p:sld>
 </file>
 
-<file path=ppt/slides/slide26.xml><?xml version="1.0" encoding="utf-8"?>
+<file path=ppt/slides/slide27.xml><?xml version="1.0" encoding="utf-8"?>
 <p:sld xmlns:a="http://schemas.openxmlformats.org/drawingml/2006/main" xmlns:r="http://schemas.openxmlformats.org/officeDocument/2006/relationships" xmlns:p="http://schemas.openxmlformats.org/presentationml/2006/main">
   <p:cSld>
     <p:spTree>
@@ -20104,7 +21087,7 @@
 </p:sld>
 </file>
 
-<file path=ppt/slides/slide27.xml><?xml version="1.0" encoding="utf-8"?>
+<file path=ppt/slides/slide28.xml><?xml version="1.0" encoding="utf-8"?>
 <p:sld xmlns:a="http://schemas.openxmlformats.org/drawingml/2006/main" xmlns:r="http://schemas.openxmlformats.org/officeDocument/2006/relationships" xmlns:p="http://schemas.openxmlformats.org/presentationml/2006/main">
   <p:cSld>
     <p:spTree>
@@ -20222,7 +21205,7 @@
 </p:sld>
 </file>
 
-<file path=ppt/slides/slide28.xml><?xml version="1.0" encoding="utf-8"?>
+<file path=ppt/slides/slide29.xml><?xml version="1.0" encoding="utf-8"?>
 <p:sld xmlns:a="http://schemas.openxmlformats.org/drawingml/2006/main" xmlns:r="http://schemas.openxmlformats.org/officeDocument/2006/relationships" xmlns:p="http://schemas.openxmlformats.org/presentationml/2006/main">
   <p:cSld>
     <p:spTree>
@@ -20340,7 +21323,228 @@
 </p:sld>
 </file>
 
-<file path=ppt/slides/slide29.xml><?xml version="1.0" encoding="utf-8"?>
+<file path=ppt/slides/slide3.xml><?xml version="1.0" encoding="utf-8"?>
+<p:sld xmlns:a="http://schemas.openxmlformats.org/drawingml/2006/main" xmlns:r="http://schemas.openxmlformats.org/officeDocument/2006/relationships" xmlns:p="http://schemas.openxmlformats.org/presentationml/2006/main">
+  <p:cSld>
+    <p:spTree>
+      <p:nvGrpSpPr>
+        <p:cNvPr id="1" name="Shape 65"/>
+        <p:cNvGrpSpPr/>
+        <p:nvPr/>
+      </p:nvGrpSpPr>
+      <p:grpSpPr>
+        <a:xfrm>
+          <a:off x="0" y="0"/>
+          <a:ext cx="0" cy="0"/>
+          <a:chOff x="0" y="0"/>
+          <a:chExt cx="0" cy="0"/>
+        </a:xfrm>
+      </p:grpSpPr>
+      <p:sp>
+        <p:nvSpPr>
+          <p:cNvPr id="66" name="Google Shape;66;p15"/>
+          <p:cNvSpPr txBox="1">
+            <a:spLocks noGrp="1"/>
+          </p:cNvSpPr>
+          <p:nvPr>
+            <p:ph type="title"/>
+          </p:nvPr>
+        </p:nvSpPr>
+        <p:spPr>
+          <a:xfrm>
+            <a:off x="311700" y="445025"/>
+            <a:ext cx="8520600" cy="572700"/>
+          </a:xfrm>
+          <a:prstGeom prst="rect">
+            <a:avLst/>
+          </a:prstGeom>
+        </p:spPr>
+        <p:txBody>
+          <a:bodyPr spcFirstLastPara="1" wrap="square" lIns="91425" tIns="91425" rIns="91425" bIns="91425" anchor="t" anchorCtr="0">
+            <a:normAutofit fontScale="90000"/>
+          </a:bodyPr>
+          <a:lstStyle/>
+          <a:p>
+            <a:pPr marL="0" lvl="0" indent="0" algn="l" rtl="0">
+              <a:spcBef>
+                <a:spcPts val="0"/>
+              </a:spcBef>
+              <a:spcAft>
+                <a:spcPts val="0"/>
+              </a:spcAft>
+              <a:buNone/>
+            </a:pPr>
+            <a:r>
+              <a:rPr lang="pt-BR" dirty="0"/>
+              <a:t>Plano</a:t>
+            </a:r>
+            <a:endParaRPr dirty="0"/>
+          </a:p>
+        </p:txBody>
+      </p:sp>
+      <p:sp>
+        <p:nvSpPr>
+          <p:cNvPr id="67" name="Google Shape;67;p15"/>
+          <p:cNvSpPr txBox="1">
+            <a:spLocks noGrp="1"/>
+          </p:cNvSpPr>
+          <p:nvPr>
+            <p:ph type="body" idx="1"/>
+          </p:nvPr>
+        </p:nvSpPr>
+        <p:spPr>
+          <a:xfrm>
+            <a:off x="311700" y="1152475"/>
+            <a:ext cx="8520600" cy="3416400"/>
+          </a:xfrm>
+          <a:prstGeom prst="rect">
+            <a:avLst/>
+          </a:prstGeom>
+        </p:spPr>
+        <p:txBody>
+          <a:bodyPr spcFirstLastPara="1" wrap="square" lIns="91425" tIns="91425" rIns="91425" bIns="91425" anchor="t" anchorCtr="0">
+            <a:normAutofit/>
+          </a:bodyPr>
+          <a:lstStyle/>
+          <a:p>
+            <a:pPr marL="0" lvl="0" indent="0" algn="l" rtl="0">
+              <a:spcBef>
+                <a:spcPts val="1000"/>
+              </a:spcBef>
+              <a:spcAft>
+                <a:spcPts val="0"/>
+              </a:spcAft>
+              <a:buNone/>
+            </a:pPr>
+            <a:r>
+              <a:rPr lang="pt-BR" dirty="0">
+                <a:solidFill>
+                  <a:schemeClr val="bg2"/>
+                </a:solidFill>
+              </a:rPr>
+              <a:t>(Feito) </a:t>
+            </a:r>
+            <a:r>
+              <a:rPr lang="pt-BR" dirty="0"/>
+              <a:t>Cálculo das métricas para as queries originais; </a:t>
+            </a:r>
+            <a:endParaRPr dirty="0"/>
+          </a:p>
+          <a:p>
+            <a:pPr marL="0" indent="0">
+              <a:spcBef>
+                <a:spcPts val="1200"/>
+              </a:spcBef>
+              <a:buNone/>
+            </a:pPr>
+            <a:r>
+              <a:rPr lang="pt-BR" dirty="0">
+                <a:solidFill>
+                  <a:schemeClr val="accent1"/>
+                </a:solidFill>
+              </a:rPr>
+              <a:t>(Feito) </a:t>
+            </a:r>
+            <a:r>
+              <a:rPr lang="pt-BR" dirty="0"/>
+              <a:t>Programação dos ruídos e geração de “</a:t>
+            </a:r>
+            <a:r>
+              <a:rPr lang="pt-BR" dirty="0" err="1"/>
+              <a:t>noisy</a:t>
+            </a:r>
+            <a:r>
+              <a:rPr lang="pt-BR" dirty="0"/>
+              <a:t> queries”;</a:t>
+            </a:r>
+          </a:p>
+          <a:p>
+            <a:pPr marL="0" indent="0">
+              <a:spcBef>
+                <a:spcPts val="1200"/>
+              </a:spcBef>
+              <a:buNone/>
+            </a:pPr>
+            <a:r>
+              <a:rPr lang="pt-BR" dirty="0">
+                <a:solidFill>
+                  <a:schemeClr val="accent1"/>
+                </a:solidFill>
+              </a:rPr>
+              <a:t>(Feito) </a:t>
+            </a:r>
+            <a:r>
+              <a:rPr lang="pt-BR" dirty="0"/>
+              <a:t>Execução sobre as queries com ruído;</a:t>
+            </a:r>
+          </a:p>
+          <a:p>
+            <a:pPr marL="0" lvl="0" indent="0" algn="l" rtl="0">
+              <a:spcBef>
+                <a:spcPts val="1200"/>
+              </a:spcBef>
+              <a:spcAft>
+                <a:spcPts val="1200"/>
+              </a:spcAft>
+              <a:buNone/>
+            </a:pPr>
+            <a:r>
+              <a:rPr lang="pt-BR" dirty="0">
+                <a:solidFill>
+                  <a:schemeClr val="accent4">
+                    <a:lumMod val="50000"/>
+                  </a:schemeClr>
+                </a:solidFill>
+              </a:rPr>
+              <a:t>(Em andamento) </a:t>
+            </a:r>
+            <a:r>
+              <a:rPr lang="pt-BR" dirty="0"/>
+              <a:t>Análise comparativa da perda/ganho de efetividade agregada por tipo de ruído e mecanismo de busca.</a:t>
+            </a:r>
+          </a:p>
+          <a:p>
+            <a:pPr marL="0" indent="0">
+              <a:spcBef>
+                <a:spcPts val="1200"/>
+              </a:spcBef>
+              <a:spcAft>
+                <a:spcPts val="1200"/>
+              </a:spcAft>
+              <a:buNone/>
+            </a:pPr>
+            <a:r>
+              <a:rPr lang="pt-BR" sz="1800" dirty="0">
+                <a:solidFill>
+                  <a:srgbClr val="00B050"/>
+                </a:solidFill>
+              </a:rPr>
+              <a:t>(se der tempo) </a:t>
+            </a:r>
+            <a:r>
+              <a:rPr lang="pt-BR" sz="1800" dirty="0"/>
+              <a:t>Repetir as análises com </a:t>
+            </a:r>
+            <a:r>
+              <a:rPr lang="pt-BR" sz="1800" dirty="0" err="1"/>
+              <a:t>dataset</a:t>
+            </a:r>
+            <a:r>
+              <a:rPr lang="pt-BR" sz="1800" dirty="0"/>
+              <a:t> em português.</a:t>
+            </a:r>
+          </a:p>
+        </p:txBody>
+      </p:sp>
+    </p:spTree>
+  </p:cSld>
+  <p:clrMapOvr>
+    <a:masterClrMapping/>
+  </p:clrMapOvr>
+</p:sld>
+</file>
+
+<file path=ppt/slides/slide30.xml><?xml version="1.0" encoding="utf-8"?>
 <p:sld xmlns:a="http://schemas.openxmlformats.org/drawingml/2006/main" xmlns:r="http://schemas.openxmlformats.org/officeDocument/2006/relationships" xmlns:p="http://schemas.openxmlformats.org/presentationml/2006/main">
   <p:cSld>
     <p:spTree>
@@ -20458,228 +21662,7 @@
 </p:sld>
 </file>
 
-<file path=ppt/slides/slide3.xml><?xml version="1.0" encoding="utf-8"?>
-<p:sld xmlns:a="http://schemas.openxmlformats.org/drawingml/2006/main" xmlns:r="http://schemas.openxmlformats.org/officeDocument/2006/relationships" xmlns:p="http://schemas.openxmlformats.org/presentationml/2006/main">
-  <p:cSld>
-    <p:spTree>
-      <p:nvGrpSpPr>
-        <p:cNvPr id="1" name="Shape 65"/>
-        <p:cNvGrpSpPr/>
-        <p:nvPr/>
-      </p:nvGrpSpPr>
-      <p:grpSpPr>
-        <a:xfrm>
-          <a:off x="0" y="0"/>
-          <a:ext cx="0" cy="0"/>
-          <a:chOff x="0" y="0"/>
-          <a:chExt cx="0" cy="0"/>
-        </a:xfrm>
-      </p:grpSpPr>
-      <p:sp>
-        <p:nvSpPr>
-          <p:cNvPr id="66" name="Google Shape;66;p15"/>
-          <p:cNvSpPr txBox="1">
-            <a:spLocks noGrp="1"/>
-          </p:cNvSpPr>
-          <p:nvPr>
-            <p:ph type="title"/>
-          </p:nvPr>
-        </p:nvSpPr>
-        <p:spPr>
-          <a:xfrm>
-            <a:off x="311700" y="445025"/>
-            <a:ext cx="8520600" cy="572700"/>
-          </a:xfrm>
-          <a:prstGeom prst="rect">
-            <a:avLst/>
-          </a:prstGeom>
-        </p:spPr>
-        <p:txBody>
-          <a:bodyPr spcFirstLastPara="1" wrap="square" lIns="91425" tIns="91425" rIns="91425" bIns="91425" anchor="t" anchorCtr="0">
-            <a:normAutofit fontScale="90000"/>
-          </a:bodyPr>
-          <a:lstStyle/>
-          <a:p>
-            <a:pPr marL="0" lvl="0" indent="0" algn="l" rtl="0">
-              <a:spcBef>
-                <a:spcPts val="0"/>
-              </a:spcBef>
-              <a:spcAft>
-                <a:spcPts val="0"/>
-              </a:spcAft>
-              <a:buNone/>
-            </a:pPr>
-            <a:r>
-              <a:rPr lang="pt-BR" dirty="0"/>
-              <a:t>Plano</a:t>
-            </a:r>
-            <a:endParaRPr dirty="0"/>
-          </a:p>
-        </p:txBody>
-      </p:sp>
-      <p:sp>
-        <p:nvSpPr>
-          <p:cNvPr id="67" name="Google Shape;67;p15"/>
-          <p:cNvSpPr txBox="1">
-            <a:spLocks noGrp="1"/>
-          </p:cNvSpPr>
-          <p:nvPr>
-            <p:ph type="body" idx="1"/>
-          </p:nvPr>
-        </p:nvSpPr>
-        <p:spPr>
-          <a:xfrm>
-            <a:off x="311700" y="1152475"/>
-            <a:ext cx="8520600" cy="3416400"/>
-          </a:xfrm>
-          <a:prstGeom prst="rect">
-            <a:avLst/>
-          </a:prstGeom>
-        </p:spPr>
-        <p:txBody>
-          <a:bodyPr spcFirstLastPara="1" wrap="square" lIns="91425" tIns="91425" rIns="91425" bIns="91425" anchor="t" anchorCtr="0">
-            <a:normAutofit/>
-          </a:bodyPr>
-          <a:lstStyle/>
-          <a:p>
-            <a:pPr marL="0" lvl="0" indent="0" algn="l" rtl="0">
-              <a:spcBef>
-                <a:spcPts val="1000"/>
-              </a:spcBef>
-              <a:spcAft>
-                <a:spcPts val="0"/>
-              </a:spcAft>
-              <a:buNone/>
-            </a:pPr>
-            <a:r>
-              <a:rPr lang="pt-BR" dirty="0">
-                <a:solidFill>
-                  <a:schemeClr val="bg2"/>
-                </a:solidFill>
-              </a:rPr>
-              <a:t>(Feito) </a:t>
-            </a:r>
-            <a:r>
-              <a:rPr lang="pt-BR" dirty="0"/>
-              <a:t>Cálculo das métricas para as queries originais; </a:t>
-            </a:r>
-            <a:endParaRPr dirty="0"/>
-          </a:p>
-          <a:p>
-            <a:pPr marL="0" indent="0">
-              <a:spcBef>
-                <a:spcPts val="1200"/>
-              </a:spcBef>
-              <a:buNone/>
-            </a:pPr>
-            <a:r>
-              <a:rPr lang="pt-BR" dirty="0">
-                <a:solidFill>
-                  <a:schemeClr val="accent1"/>
-                </a:solidFill>
-              </a:rPr>
-              <a:t>(Feito) </a:t>
-            </a:r>
-            <a:r>
-              <a:rPr lang="pt-BR" dirty="0"/>
-              <a:t>Programação dos ruídos e geração de “</a:t>
-            </a:r>
-            <a:r>
-              <a:rPr lang="pt-BR" dirty="0" err="1"/>
-              <a:t>noisy</a:t>
-            </a:r>
-            <a:r>
-              <a:rPr lang="pt-BR" dirty="0"/>
-              <a:t> queries”;</a:t>
-            </a:r>
-          </a:p>
-          <a:p>
-            <a:pPr marL="0" indent="0">
-              <a:spcBef>
-                <a:spcPts val="1200"/>
-              </a:spcBef>
-              <a:buNone/>
-            </a:pPr>
-            <a:r>
-              <a:rPr lang="pt-BR" dirty="0">
-                <a:solidFill>
-                  <a:schemeClr val="accent1"/>
-                </a:solidFill>
-              </a:rPr>
-              <a:t>(Feito) </a:t>
-            </a:r>
-            <a:r>
-              <a:rPr lang="pt-BR" dirty="0"/>
-              <a:t>Execução sobre as queries com ruído;</a:t>
-            </a:r>
-          </a:p>
-          <a:p>
-            <a:pPr marL="0" lvl="0" indent="0" algn="l" rtl="0">
-              <a:spcBef>
-                <a:spcPts val="1200"/>
-              </a:spcBef>
-              <a:spcAft>
-                <a:spcPts val="1200"/>
-              </a:spcAft>
-              <a:buNone/>
-            </a:pPr>
-            <a:r>
-              <a:rPr lang="pt-BR" dirty="0">
-                <a:solidFill>
-                  <a:schemeClr val="accent4">
-                    <a:lumMod val="50000"/>
-                  </a:schemeClr>
-                </a:solidFill>
-              </a:rPr>
-              <a:t>(Em andamento) </a:t>
-            </a:r>
-            <a:r>
-              <a:rPr lang="pt-BR" dirty="0"/>
-              <a:t>Análise comparativa da perda/ganho de efetividade agregada por tipo de ruído e mecanismo de busca.</a:t>
-            </a:r>
-          </a:p>
-          <a:p>
-            <a:pPr marL="0" indent="0">
-              <a:spcBef>
-                <a:spcPts val="1200"/>
-              </a:spcBef>
-              <a:spcAft>
-                <a:spcPts val="1200"/>
-              </a:spcAft>
-              <a:buNone/>
-            </a:pPr>
-            <a:r>
-              <a:rPr lang="pt-BR" sz="1800" dirty="0">
-                <a:solidFill>
-                  <a:srgbClr val="00B050"/>
-                </a:solidFill>
-              </a:rPr>
-              <a:t>(se der tempo) </a:t>
-            </a:r>
-            <a:r>
-              <a:rPr lang="pt-BR" sz="1800" dirty="0"/>
-              <a:t>Repetir as análises com </a:t>
-            </a:r>
-            <a:r>
-              <a:rPr lang="pt-BR" sz="1800" dirty="0" err="1"/>
-              <a:t>dataset</a:t>
-            </a:r>
-            <a:r>
-              <a:rPr lang="pt-BR" sz="1800" dirty="0"/>
-              <a:t> em português.</a:t>
-            </a:r>
-          </a:p>
-        </p:txBody>
-      </p:sp>
-    </p:spTree>
-  </p:cSld>
-  <p:clrMapOvr>
-    <a:masterClrMapping/>
-  </p:clrMapOvr>
-</p:sld>
-</file>
-
-<file path=ppt/slides/slide30.xml><?xml version="1.0" encoding="utf-8"?>
+<file path=ppt/slides/slide31.xml><?xml version="1.0" encoding="utf-8"?>
 <p:sld xmlns:a="http://schemas.openxmlformats.org/drawingml/2006/main" xmlns:r="http://schemas.openxmlformats.org/officeDocument/2006/relationships" xmlns:p="http://schemas.openxmlformats.org/presentationml/2006/main">
   <p:cSld>
     <p:spTree>
@@ -20797,7 +21780,7 @@
 </p:sld>
 </file>
 
-<file path=ppt/slides/slide31.xml><?xml version="1.0" encoding="utf-8"?>
+<file path=ppt/slides/slide32.xml><?xml version="1.0" encoding="utf-8"?>
 <p:sld xmlns:a="http://schemas.openxmlformats.org/drawingml/2006/main" xmlns:r="http://schemas.openxmlformats.org/officeDocument/2006/relationships" xmlns:p="http://schemas.openxmlformats.org/presentationml/2006/main">
   <p:cSld>
     <p:spTree>

--- a/docs/presentations/Apresentação 3 - 20211124.pptx
+++ b/docs/presentations/Apresentação 3 - 20211124.pptx
@@ -12618,63 +12618,6 @@
       </p:pic>
       <p:sp>
         <p:nvSpPr>
-          <p:cNvPr id="20" name="Elipse 19">
-            <a:extLst>
-              <a:ext uri="{FF2B5EF4-FFF2-40B4-BE49-F238E27FC236}">
-                <a16:creationId xmlns:a16="http://schemas.microsoft.com/office/drawing/2014/main" id="{E506D905-459D-49A6-A7C8-79EC78287A38}"/>
-              </a:ext>
-            </a:extLst>
-          </p:cNvPr>
-          <p:cNvSpPr/>
-          <p:nvPr/>
-        </p:nvSpPr>
-        <p:spPr>
-          <a:xfrm>
-            <a:off x="2760124" y="2571750"/>
-            <a:ext cx="2195597" cy="963386"/>
-          </a:xfrm>
-          <a:prstGeom prst="ellipse">
-            <a:avLst/>
-          </a:prstGeom>
-          <a:solidFill>
-            <a:srgbClr val="92D050"/>
-          </a:solidFill>
-          <a:ln>
-            <a:solidFill>
-              <a:schemeClr val="accent1">
-                <a:shade val="50000"/>
-                <a:alpha val="9000"/>
-              </a:schemeClr>
-            </a:solidFill>
-          </a:ln>
-        </p:spPr>
-        <p:style>
-          <a:lnRef idx="2">
-            <a:schemeClr val="accent1">
-              <a:shade val="50000"/>
-            </a:schemeClr>
-          </a:lnRef>
-          <a:fillRef idx="1">
-            <a:schemeClr val="accent1"/>
-          </a:fillRef>
-          <a:effectRef idx="0">
-            <a:schemeClr val="accent1"/>
-          </a:effectRef>
-          <a:fontRef idx="minor">
-            <a:schemeClr val="lt1"/>
-          </a:fontRef>
-        </p:style>
-        <p:txBody>
-          <a:bodyPr rtlCol="0" anchor="ctr"/>
-          <a:lstStyle/>
-          <a:p>
-            <a:pPr algn="ctr"/>
-            <a:endParaRPr lang="pt-BR"/>
-          </a:p>
-        </p:txBody>
-      </p:sp>
-      <p:sp>
-        <p:nvSpPr>
           <p:cNvPr id="3" name="Espaço Reservado para Texto 2">
             <a:extLst>
               <a:ext uri="{FF2B5EF4-FFF2-40B4-BE49-F238E27FC236}">
@@ -12729,51 +12672,7 @@
             <a:pPr marL="114300" indent="0">
               <a:buNone/>
             </a:pPr>
-            <a:endParaRPr lang="pt-BR" sz="2400" dirty="0">
-              <a:solidFill>
-                <a:srgbClr val="000000"/>
-              </a:solidFill>
-              <a:latin typeface="Verdana" panose="020B0604030504040204" pitchFamily="34" charset="0"/>
-            </a:endParaRPr>
-          </a:p>
-          <a:p>
-            <a:pPr marL="114300" indent="0">
-              <a:buNone/>
-            </a:pPr>
-            <a:endParaRPr lang="pt-BR" sz="2400" dirty="0">
-              <a:solidFill>
-                <a:srgbClr val="000000"/>
-              </a:solidFill>
-              <a:latin typeface="Verdana" panose="020B0604030504040204" pitchFamily="34" charset="0"/>
-            </a:endParaRPr>
-          </a:p>
-          <a:p>
-            <a:pPr marL="114300" indent="0">
-              <a:buNone/>
-            </a:pPr>
-            <a:endParaRPr lang="pt-BR" sz="2400" dirty="0">
-              <a:solidFill>
-                <a:srgbClr val="000000"/>
-              </a:solidFill>
-              <a:latin typeface="Verdana" panose="020B0604030504040204" pitchFamily="34" charset="0"/>
-            </a:endParaRPr>
-          </a:p>
-          <a:p>
-            <a:pPr marL="114300" indent="0">
-              <a:buNone/>
-            </a:pPr>
-            <a:endParaRPr lang="pt-BR" sz="2400" dirty="0">
-              <a:solidFill>
-                <a:srgbClr val="000000"/>
-              </a:solidFill>
-              <a:latin typeface="Verdana" panose="020B0604030504040204" pitchFamily="34" charset="0"/>
-            </a:endParaRPr>
-          </a:p>
-          <a:p>
-            <a:pPr marL="114300" indent="0">
-              <a:buNone/>
-            </a:pPr>
-            <a:endParaRPr lang="pt-BR" sz="2400" dirty="0">
+            <a:endParaRPr lang="pt-BR" sz="800" dirty="0">
               <a:solidFill>
                 <a:srgbClr val="000000"/>
               </a:solidFill>
@@ -12828,101 +12727,6 @@
           </a:prstGeom>
           <a:ln>
             <a:prstDash val="sysDot"/>
-            <a:tailEnd type="triangle"/>
-          </a:ln>
-        </p:spPr>
-        <p:style>
-          <a:lnRef idx="1">
-            <a:schemeClr val="accent1"/>
-          </a:lnRef>
-          <a:fillRef idx="0">
-            <a:schemeClr val="accent1"/>
-          </a:fillRef>
-          <a:effectRef idx="0">
-            <a:schemeClr val="accent1"/>
-          </a:effectRef>
-          <a:fontRef idx="minor">
-            <a:schemeClr val="tx1"/>
-          </a:fontRef>
-        </p:style>
-      </p:cxnSp>
-      <p:sp>
-        <p:nvSpPr>
-          <p:cNvPr id="2" name="Retângulo 1" descr="Modelo">
-            <a:extLst>
-              <a:ext uri="{FF2B5EF4-FFF2-40B4-BE49-F238E27FC236}">
-                <a16:creationId xmlns:a16="http://schemas.microsoft.com/office/drawing/2014/main" id="{1D907C84-79A9-40A3-933D-06C98C888AEF}"/>
-              </a:ext>
-            </a:extLst>
-          </p:cNvPr>
-          <p:cNvSpPr/>
-          <p:nvPr/>
-        </p:nvSpPr>
-        <p:spPr>
-          <a:xfrm>
-            <a:off x="3837215" y="2897955"/>
-            <a:ext cx="865414" cy="434940"/>
-          </a:xfrm>
-          <a:prstGeom prst="rect">
-            <a:avLst/>
-          </a:prstGeom>
-          <a:solidFill>
-            <a:schemeClr val="accent6">
-              <a:lumMod val="50000"/>
-            </a:schemeClr>
-          </a:solidFill>
-        </p:spPr>
-        <p:style>
-          <a:lnRef idx="2">
-            <a:schemeClr val="accent1">
-              <a:shade val="50000"/>
-            </a:schemeClr>
-          </a:lnRef>
-          <a:fillRef idx="1">
-            <a:schemeClr val="accent1"/>
-          </a:fillRef>
-          <a:effectRef idx="0">
-            <a:schemeClr val="accent1"/>
-          </a:effectRef>
-          <a:fontRef idx="minor">
-            <a:schemeClr val="lt1"/>
-          </a:fontRef>
-        </p:style>
-        <p:txBody>
-          <a:bodyPr rtlCol="0" anchor="ctr"/>
-          <a:lstStyle/>
-          <a:p>
-            <a:pPr algn="ctr"/>
-            <a:r>
-              <a:rPr lang="pt-BR" dirty="0"/>
-              <a:t>Model</a:t>
-            </a:r>
-          </a:p>
-        </p:txBody>
-      </p:sp>
-      <p:cxnSp>
-        <p:nvCxnSpPr>
-          <p:cNvPr id="5" name="Conector de Seta Reta 4">
-            <a:extLst>
-              <a:ext uri="{FF2B5EF4-FFF2-40B4-BE49-F238E27FC236}">
-                <a16:creationId xmlns:a16="http://schemas.microsoft.com/office/drawing/2014/main" id="{36C9EC24-1F4D-4394-84A7-D401801C5D3E}"/>
-              </a:ext>
-            </a:extLst>
-          </p:cNvPr>
-          <p:cNvCxnSpPr>
-            <a:cxnSpLocks/>
-          </p:cNvCxnSpPr>
-          <p:nvPr/>
-        </p:nvCxnSpPr>
-        <p:spPr>
-          <a:xfrm>
-            <a:off x="2760124" y="2903154"/>
-            <a:ext cx="1085255" cy="142125"/>
-          </a:xfrm>
-          <a:prstGeom prst="straightConnector1">
-            <a:avLst/>
-          </a:prstGeom>
-          <a:ln>
             <a:tailEnd type="triangle"/>
           </a:ln>
         </p:spPr>
@@ -13496,6 +13300,230 @@
           </a:graphicData>
         </a:graphic>
       </p:graphicFrame>
+      <p:sp>
+        <p:nvSpPr>
+          <p:cNvPr id="11" name="CaixaDeTexto 10">
+            <a:extLst>
+              <a:ext uri="{FF2B5EF4-FFF2-40B4-BE49-F238E27FC236}">
+                <a16:creationId xmlns:a16="http://schemas.microsoft.com/office/drawing/2014/main" id="{02EE5C83-4519-491F-9974-436B567AFCBA}"/>
+              </a:ext>
+            </a:extLst>
+          </p:cNvPr>
+          <p:cNvSpPr txBox="1"/>
+          <p:nvPr/>
+        </p:nvSpPr>
+        <p:spPr>
+          <a:xfrm>
+            <a:off x="32656" y="4854077"/>
+            <a:ext cx="3287487" cy="230832"/>
+          </a:xfrm>
+          <a:prstGeom prst="rect">
+            <a:avLst/>
+          </a:prstGeom>
+          <a:noFill/>
+        </p:spPr>
+        <p:txBody>
+          <a:bodyPr wrap="square">
+            <a:spAutoFit/>
+          </a:bodyPr>
+          <a:lstStyle/>
+          <a:p>
+            <a:r>
+              <a:rPr lang="pt-BR" sz="900" dirty="0">
+                <a:solidFill>
+                  <a:schemeClr val="bg2">
+                    <a:lumMod val="60000"/>
+                    <a:lumOff val="40000"/>
+                  </a:schemeClr>
+                </a:solidFill>
+              </a:rPr>
+              <a:t>(imagem ajustada: bright-gb124f7174_1280_pixabay)</a:t>
+            </a:r>
+          </a:p>
+        </p:txBody>
+      </p:sp>
+      <p:pic>
+        <p:nvPicPr>
+          <p:cNvPr id="10" name="Imagem 9" descr="Desenho de uma flor&#10;&#10;Descrição gerada automaticamente com confiança média">
+            <a:extLst>
+              <a:ext uri="{FF2B5EF4-FFF2-40B4-BE49-F238E27FC236}">
+                <a16:creationId xmlns:a16="http://schemas.microsoft.com/office/drawing/2014/main" id="{F6981726-F272-485D-A405-FEE9C1E5C184}"/>
+              </a:ext>
+            </a:extLst>
+          </p:cNvPr>
+          <p:cNvPicPr>
+            <a:picLocks noChangeAspect="1"/>
+          </p:cNvPicPr>
+          <p:nvPr/>
+        </p:nvPicPr>
+        <p:blipFill>
+          <a:blip r:embed="rId4"/>
+          <a:stretch>
+            <a:fillRect/>
+          </a:stretch>
+        </p:blipFill>
+        <p:spPr>
+          <a:xfrm>
+            <a:off x="4605253" y="2012661"/>
+            <a:ext cx="1826189" cy="1338254"/>
+          </a:xfrm>
+          <a:prstGeom prst="rect">
+            <a:avLst/>
+          </a:prstGeom>
+        </p:spPr>
+      </p:pic>
+      <p:sp>
+        <p:nvSpPr>
+          <p:cNvPr id="20" name="Elipse 19">
+            <a:extLst>
+              <a:ext uri="{FF2B5EF4-FFF2-40B4-BE49-F238E27FC236}">
+                <a16:creationId xmlns:a16="http://schemas.microsoft.com/office/drawing/2014/main" id="{E506D905-459D-49A6-A7C8-79EC78287A38}"/>
+              </a:ext>
+            </a:extLst>
+          </p:cNvPr>
+          <p:cNvSpPr/>
+          <p:nvPr/>
+        </p:nvSpPr>
+        <p:spPr>
+          <a:xfrm>
+            <a:off x="5333643" y="1628296"/>
+            <a:ext cx="2195597" cy="963386"/>
+          </a:xfrm>
+          <a:prstGeom prst="ellipse">
+            <a:avLst/>
+          </a:prstGeom>
+          <a:solidFill>
+            <a:srgbClr val="92D050"/>
+          </a:solidFill>
+          <a:ln>
+            <a:solidFill>
+              <a:schemeClr val="accent1">
+                <a:shade val="50000"/>
+                <a:alpha val="9000"/>
+              </a:schemeClr>
+            </a:solidFill>
+          </a:ln>
+        </p:spPr>
+        <p:style>
+          <a:lnRef idx="2">
+            <a:schemeClr val="accent1">
+              <a:shade val="50000"/>
+            </a:schemeClr>
+          </a:lnRef>
+          <a:fillRef idx="1">
+            <a:schemeClr val="accent1"/>
+          </a:fillRef>
+          <a:effectRef idx="0">
+            <a:schemeClr val="accent1"/>
+          </a:effectRef>
+          <a:fontRef idx="minor">
+            <a:schemeClr val="lt1"/>
+          </a:fontRef>
+        </p:style>
+        <p:txBody>
+          <a:bodyPr rtlCol="0" anchor="ctr"/>
+          <a:lstStyle/>
+          <a:p>
+            <a:pPr algn="ctr"/>
+            <a:endParaRPr lang="pt-BR"/>
+          </a:p>
+        </p:txBody>
+      </p:sp>
+      <p:cxnSp>
+        <p:nvCxnSpPr>
+          <p:cNvPr id="5" name="Conector de Seta Reta 4">
+            <a:extLst>
+              <a:ext uri="{FF2B5EF4-FFF2-40B4-BE49-F238E27FC236}">
+                <a16:creationId xmlns:a16="http://schemas.microsoft.com/office/drawing/2014/main" id="{36C9EC24-1F4D-4394-84A7-D401801C5D3E}"/>
+              </a:ext>
+            </a:extLst>
+          </p:cNvPr>
+          <p:cNvCxnSpPr>
+            <a:cxnSpLocks/>
+          </p:cNvCxnSpPr>
+          <p:nvPr/>
+        </p:nvCxnSpPr>
+        <p:spPr>
+          <a:xfrm flipV="1">
+            <a:off x="2801700" y="2012661"/>
+            <a:ext cx="3197035" cy="597518"/>
+          </a:xfrm>
+          <a:prstGeom prst="straightConnector1">
+            <a:avLst/>
+          </a:prstGeom>
+          <a:ln>
+            <a:tailEnd type="triangle"/>
+          </a:ln>
+        </p:spPr>
+        <p:style>
+          <a:lnRef idx="1">
+            <a:schemeClr val="accent1"/>
+          </a:lnRef>
+          <a:fillRef idx="0">
+            <a:schemeClr val="accent1"/>
+          </a:fillRef>
+          <a:effectRef idx="0">
+            <a:schemeClr val="accent1"/>
+          </a:effectRef>
+          <a:fontRef idx="minor">
+            <a:schemeClr val="tx1"/>
+          </a:fontRef>
+        </p:style>
+      </p:cxnSp>
+      <p:sp>
+        <p:nvSpPr>
+          <p:cNvPr id="2" name="Retângulo 1" descr="Modelo">
+            <a:extLst>
+              <a:ext uri="{FF2B5EF4-FFF2-40B4-BE49-F238E27FC236}">
+                <a16:creationId xmlns:a16="http://schemas.microsoft.com/office/drawing/2014/main" id="{1D907C84-79A9-40A3-933D-06C98C888AEF}"/>
+              </a:ext>
+            </a:extLst>
+          </p:cNvPr>
+          <p:cNvSpPr/>
+          <p:nvPr/>
+        </p:nvSpPr>
+        <p:spPr>
+          <a:xfrm>
+            <a:off x="5998735" y="1795191"/>
+            <a:ext cx="865414" cy="434940"/>
+          </a:xfrm>
+          <a:prstGeom prst="rect">
+            <a:avLst/>
+          </a:prstGeom>
+          <a:solidFill>
+            <a:schemeClr val="accent6">
+              <a:lumMod val="50000"/>
+            </a:schemeClr>
+          </a:solidFill>
+        </p:spPr>
+        <p:style>
+          <a:lnRef idx="2">
+            <a:schemeClr val="accent1">
+              <a:shade val="50000"/>
+            </a:schemeClr>
+          </a:lnRef>
+          <a:fillRef idx="1">
+            <a:schemeClr val="accent1"/>
+          </a:fillRef>
+          <a:effectRef idx="0">
+            <a:schemeClr val="accent1"/>
+          </a:effectRef>
+          <a:fontRef idx="minor">
+            <a:schemeClr val="lt1"/>
+          </a:fontRef>
+        </p:style>
+        <p:txBody>
+          <a:bodyPr rtlCol="0" anchor="ctr"/>
+          <a:lstStyle/>
+          <a:p>
+            <a:pPr algn="ctr"/>
+            <a:r>
+              <a:rPr lang="pt-BR" dirty="0"/>
+              <a:t>Model</a:t>
+            </a:r>
+          </a:p>
+        </p:txBody>
+      </p:sp>
     </p:spTree>
     <p:extLst>
       <p:ext uri="{BB962C8B-B14F-4D97-AF65-F5344CB8AC3E}">
@@ -21965,6 +21993,36 @@
           <a:chExt cx="0" cy="0"/>
         </a:xfrm>
       </p:grpSpPr>
+      <p:pic>
+        <p:nvPicPr>
+          <p:cNvPr id="5" name="Imagem 4">
+            <a:extLst>
+              <a:ext uri="{FF2B5EF4-FFF2-40B4-BE49-F238E27FC236}">
+                <a16:creationId xmlns:a16="http://schemas.microsoft.com/office/drawing/2014/main" id="{06076904-57A3-4450-A86C-16541463D0B1}"/>
+              </a:ext>
+            </a:extLst>
+          </p:cNvPr>
+          <p:cNvPicPr>
+            <a:picLocks noChangeAspect="1"/>
+          </p:cNvPicPr>
+          <p:nvPr/>
+        </p:nvPicPr>
+        <p:blipFill>
+          <a:blip r:embed="rId3"/>
+          <a:stretch>
+            <a:fillRect/>
+          </a:stretch>
+        </p:blipFill>
+        <p:spPr>
+          <a:xfrm>
+            <a:off x="3518807" y="2857241"/>
+            <a:ext cx="1632858" cy="1783795"/>
+          </a:xfrm>
+          <a:prstGeom prst="rect">
+            <a:avLst/>
+          </a:prstGeom>
+        </p:spPr>
+      </p:pic>
       <p:sp>
         <p:nvSpPr>
           <p:cNvPr id="3" name="Espaço Reservado para Texto 2">
@@ -21983,7 +22041,7 @@
         </p:nvSpPr>
         <p:spPr>
           <a:xfrm>
-            <a:off x="623273" y="1308263"/>
+            <a:off x="739022" y="1397080"/>
             <a:ext cx="7355714" cy="2044538"/>
           </a:xfrm>
         </p:spPr>
@@ -22048,6 +22106,93 @@
               <a:effectLst/>
               <a:latin typeface="Verdana" panose="020B0604030504040204" pitchFamily="34" charset="0"/>
             </a:endParaRPr>
+          </a:p>
+        </p:txBody>
+      </p:sp>
+      <p:sp>
+        <p:nvSpPr>
+          <p:cNvPr id="2" name="AutoShape 2">
+            <a:extLst>
+              <a:ext uri="{FF2B5EF4-FFF2-40B4-BE49-F238E27FC236}">
+                <a16:creationId xmlns:a16="http://schemas.microsoft.com/office/drawing/2014/main" id="{7A237714-0E98-4DE2-B703-66CFE310BCC0}"/>
+              </a:ext>
+            </a:extLst>
+          </p:cNvPr>
+          <p:cNvSpPr>
+            <a:spLocks noChangeAspect="1" noChangeArrowheads="1"/>
+          </p:cNvSpPr>
+          <p:nvPr/>
+        </p:nvSpPr>
+        <p:spPr bwMode="auto">
+          <a:xfrm>
+            <a:off x="4416879" y="2419349"/>
+            <a:ext cx="307521" cy="307521"/>
+          </a:xfrm>
+          <a:prstGeom prst="rect">
+            <a:avLst/>
+          </a:prstGeom>
+          <a:noFill/>
+          <a:extLst>
+            <a:ext uri="{909E8E84-426E-40DD-AFC4-6F175D3DCCD1}">
+              <a14:hiddenFill xmlns:a14="http://schemas.microsoft.com/office/drawing/2010/main">
+                <a:solidFill>
+                  <a:srgbClr val="FFFFFF"/>
+                </a:solidFill>
+              </a14:hiddenFill>
+            </a:ext>
+          </a:extLst>
+        </p:spPr>
+        <p:txBody>
+          <a:bodyPr vert="horz" wrap="square" lIns="91440" tIns="45720" rIns="91440" bIns="45720" numCol="1" anchor="t" anchorCtr="0" compatLnSpc="1">
+            <a:prstTxWarp prst="textNoShape">
+              <a:avLst/>
+            </a:prstTxWarp>
+          </a:bodyPr>
+          <a:lstStyle/>
+          <a:p>
+            <a:endParaRPr lang="pt-BR"/>
+          </a:p>
+        </p:txBody>
+      </p:sp>
+      <p:sp>
+        <p:nvSpPr>
+          <p:cNvPr id="6" name="CaixaDeTexto 5">
+            <a:extLst>
+              <a:ext uri="{FF2B5EF4-FFF2-40B4-BE49-F238E27FC236}">
+                <a16:creationId xmlns:a16="http://schemas.microsoft.com/office/drawing/2014/main" id="{7168FAA7-3062-4BA2-A55B-700B80C96FA8}"/>
+              </a:ext>
+            </a:extLst>
+          </p:cNvPr>
+          <p:cNvSpPr txBox="1"/>
+          <p:nvPr/>
+        </p:nvSpPr>
+        <p:spPr>
+          <a:xfrm>
+            <a:off x="0" y="4889584"/>
+            <a:ext cx="2621230" cy="253916"/>
+          </a:xfrm>
+          <a:prstGeom prst="rect">
+            <a:avLst/>
+          </a:prstGeom>
+          <a:noFill/>
+        </p:spPr>
+        <p:txBody>
+          <a:bodyPr wrap="none" rtlCol="0">
+            <a:spAutoFit/>
+          </a:bodyPr>
+          <a:lstStyle/>
+          <a:p>
+            <a:r>
+              <a:rPr lang="pt-BR" sz="1050" dirty="0">
+                <a:solidFill>
+                  <a:schemeClr val="bg2">
+                    <a:lumMod val="60000"/>
+                    <a:lumOff val="40000"/>
+                  </a:schemeClr>
+                </a:solidFill>
+              </a:rPr>
+              <a:t>(imagem: brain-3829057__340_pixabay)</a:t>
+            </a:r>
           </a:p>
         </p:txBody>
       </p:sp>
